--- a/lecture/14.pptx
+++ b/lecture/14.pptx
@@ -5,7 +5,7 @@
     <p:sldMasterId id="2147483649" r:id="rId1"/>
   </p:sldMasterIdLst>
   <p:notesMasterIdLst>
-    <p:notesMasterId r:id="rId7"/>
+    <p:notesMasterId r:id="rId21"/>
   </p:notesMasterIdLst>
   <p:sldIdLst>
     <p:sldId id="311" r:id="rId2"/>
@@ -13,6 +13,20 @@
     <p:sldId id="339" r:id="rId4"/>
     <p:sldId id="340" r:id="rId5"/>
     <p:sldId id="341" r:id="rId6"/>
+    <p:sldId id="342" r:id="rId7"/>
+    <p:sldId id="343" r:id="rId8"/>
+    <p:sldId id="344" r:id="rId9"/>
+    <p:sldId id="345" r:id="rId10"/>
+    <p:sldId id="346" r:id="rId11"/>
+    <p:sldId id="353" r:id="rId12"/>
+    <p:sldId id="347" r:id="rId13"/>
+    <p:sldId id="348" r:id="rId14"/>
+    <p:sldId id="349" r:id="rId15"/>
+    <p:sldId id="350" r:id="rId16"/>
+    <p:sldId id="351" r:id="rId17"/>
+    <p:sldId id="352" r:id="rId18"/>
+    <p:sldId id="355" r:id="rId19"/>
+    <p:sldId id="354" r:id="rId20"/>
   </p:sldIdLst>
   <p:sldSz cx="9144000" cy="6858000" type="screen4x3"/>
   <p:notesSz cx="6858000" cy="9144000"/>
@@ -5255,6 +5269,5559 @@
         </p:spPr>
       </p:pic>
     </p:spTree>
+  </p:cSld>
+  <p:clrMapOvr>
+    <a:masterClrMapping/>
+  </p:clrMapOvr>
+  <p:timing>
+    <p:tnLst>
+      <p:par>
+        <p:cTn id="1" dur="indefinite" restart="never" nodeType="tmRoot"/>
+      </p:par>
+    </p:tnLst>
+  </p:timing>
+</p:sld>
+</file>
+
+<file path=ppt/slides/slide10.xml><?xml version="1.0" encoding="utf-8"?>
+<p:sld xmlns:a="http://schemas.openxmlformats.org/drawingml/2006/main" xmlns:r="http://schemas.openxmlformats.org/officeDocument/2006/relationships" xmlns:p="http://schemas.openxmlformats.org/presentationml/2006/main">
+  <p:cSld>
+    <p:spTree>
+      <p:nvGrpSpPr>
+        <p:cNvPr id="1" name=""/>
+        <p:cNvGrpSpPr/>
+        <p:nvPr/>
+      </p:nvGrpSpPr>
+      <p:grpSpPr>
+        <a:xfrm>
+          <a:off x="0" y="0"/>
+          <a:ext cx="0" cy="0"/>
+          <a:chOff x="0" y="0"/>
+          <a:chExt cx="0" cy="0"/>
+        </a:xfrm>
+      </p:grpSpPr>
+      <p:pic>
+        <p:nvPicPr>
+          <p:cNvPr id="18434" name="Picture 2" descr="Картинки по запросу ssh"/>
+          <p:cNvPicPr>
+            <a:picLocks noChangeAspect="1" noChangeArrowheads="1"/>
+          </p:cNvPicPr>
+          <p:nvPr/>
+        </p:nvPicPr>
+        <p:blipFill>
+          <a:blip r:embed="rId2" cstate="print">
+            <a:extLst>
+              <a:ext uri="{28A0092B-C50C-407E-A947-70E740481C1C}">
+                <a14:useLocalDpi xmlns:a14="http://schemas.microsoft.com/office/drawing/2010/main" val="0"/>
+              </a:ext>
+            </a:extLst>
+          </a:blip>
+          <a:srcRect/>
+          <a:stretch>
+            <a:fillRect/>
+          </a:stretch>
+        </p:blipFill>
+        <p:spPr bwMode="auto">
+          <a:xfrm>
+            <a:off x="4283968" y="1549236"/>
+            <a:ext cx="4745920" cy="3194687"/>
+          </a:xfrm>
+          <a:prstGeom prst="rect">
+            <a:avLst/>
+          </a:prstGeom>
+          <a:noFill/>
+          <a:extLst>
+            <a:ext uri="{909E8E84-426E-40DD-AFC4-6F175D3DCCD1}">
+              <a14:hiddenFill xmlns:a14="http://schemas.microsoft.com/office/drawing/2010/main">
+                <a:solidFill>
+                  <a:srgbClr val="FFFFFF"/>
+                </a:solidFill>
+              </a14:hiddenFill>
+            </a:ext>
+          </a:extLst>
+        </p:spPr>
+      </p:pic>
+      <p:sp>
+        <p:nvSpPr>
+          <p:cNvPr id="123" name="Заголовок 1"/>
+          <p:cNvSpPr txBox="1">
+            <a:spLocks/>
+          </p:cNvSpPr>
+          <p:nvPr/>
+        </p:nvSpPr>
+        <p:spPr>
+          <a:xfrm>
+            <a:off x="251520" y="764704"/>
+            <a:ext cx="8892480" cy="1008112"/>
+          </a:xfrm>
+          <a:prstGeom prst="rect">
+            <a:avLst/>
+          </a:prstGeom>
+        </p:spPr>
+        <p:txBody>
+          <a:bodyPr/>
+          <a:lstStyle>
+            <a:lvl1pPr algn="l" rtl="0" fontAlgn="base">
+              <a:spcBef>
+                <a:spcPct val="0"/>
+              </a:spcBef>
+              <a:spcAft>
+                <a:spcPct val="0"/>
+              </a:spcAft>
+              <a:defRPr sz="4400">
+                <a:solidFill>
+                  <a:schemeClr val="tx2"/>
+                </a:solidFill>
+                <a:latin typeface="+mj-lt"/>
+                <a:ea typeface="+mj-ea"/>
+                <a:cs typeface="+mj-cs"/>
+              </a:defRPr>
+            </a:lvl1pPr>
+            <a:lvl2pPr algn="l" rtl="0" fontAlgn="base">
+              <a:spcBef>
+                <a:spcPct val="0"/>
+              </a:spcBef>
+              <a:spcAft>
+                <a:spcPct val="0"/>
+              </a:spcAft>
+              <a:defRPr sz="4400">
+                <a:solidFill>
+                  <a:schemeClr val="tx2"/>
+                </a:solidFill>
+                <a:latin typeface="Times New Roman" pitchFamily="18" charset="0"/>
+              </a:defRPr>
+            </a:lvl2pPr>
+            <a:lvl3pPr algn="l" rtl="0" fontAlgn="base">
+              <a:spcBef>
+                <a:spcPct val="0"/>
+              </a:spcBef>
+              <a:spcAft>
+                <a:spcPct val="0"/>
+              </a:spcAft>
+              <a:defRPr sz="4400">
+                <a:solidFill>
+                  <a:schemeClr val="tx2"/>
+                </a:solidFill>
+                <a:latin typeface="Times New Roman" pitchFamily="18" charset="0"/>
+              </a:defRPr>
+            </a:lvl3pPr>
+            <a:lvl4pPr algn="l" rtl="0" fontAlgn="base">
+              <a:spcBef>
+                <a:spcPct val="0"/>
+              </a:spcBef>
+              <a:spcAft>
+                <a:spcPct val="0"/>
+              </a:spcAft>
+              <a:defRPr sz="4400">
+                <a:solidFill>
+                  <a:schemeClr val="tx2"/>
+                </a:solidFill>
+                <a:latin typeface="Times New Roman" pitchFamily="18" charset="0"/>
+              </a:defRPr>
+            </a:lvl4pPr>
+            <a:lvl5pPr algn="l" rtl="0" fontAlgn="base">
+              <a:spcBef>
+                <a:spcPct val="0"/>
+              </a:spcBef>
+              <a:spcAft>
+                <a:spcPct val="0"/>
+              </a:spcAft>
+              <a:defRPr sz="4400">
+                <a:solidFill>
+                  <a:schemeClr val="tx2"/>
+                </a:solidFill>
+                <a:latin typeface="Times New Roman" pitchFamily="18" charset="0"/>
+              </a:defRPr>
+            </a:lvl5pPr>
+            <a:lvl6pPr marL="457200" algn="l" rtl="0" fontAlgn="base">
+              <a:spcBef>
+                <a:spcPct val="0"/>
+              </a:spcBef>
+              <a:spcAft>
+                <a:spcPct val="0"/>
+              </a:spcAft>
+              <a:defRPr sz="4400">
+                <a:solidFill>
+                  <a:schemeClr val="tx2"/>
+                </a:solidFill>
+                <a:latin typeface="Times New Roman" pitchFamily="18" charset="0"/>
+              </a:defRPr>
+            </a:lvl6pPr>
+            <a:lvl7pPr marL="914400" algn="l" rtl="0" fontAlgn="base">
+              <a:spcBef>
+                <a:spcPct val="0"/>
+              </a:spcBef>
+              <a:spcAft>
+                <a:spcPct val="0"/>
+              </a:spcAft>
+              <a:defRPr sz="4400">
+                <a:solidFill>
+                  <a:schemeClr val="tx2"/>
+                </a:solidFill>
+                <a:latin typeface="Times New Roman" pitchFamily="18" charset="0"/>
+              </a:defRPr>
+            </a:lvl7pPr>
+            <a:lvl8pPr marL="1371600" algn="l" rtl="0" fontAlgn="base">
+              <a:spcBef>
+                <a:spcPct val="0"/>
+              </a:spcBef>
+              <a:spcAft>
+                <a:spcPct val="0"/>
+              </a:spcAft>
+              <a:defRPr sz="4400">
+                <a:solidFill>
+                  <a:schemeClr val="tx2"/>
+                </a:solidFill>
+                <a:latin typeface="Times New Roman" pitchFamily="18" charset="0"/>
+              </a:defRPr>
+            </a:lvl8pPr>
+            <a:lvl9pPr marL="1828800" algn="l" rtl="0" fontAlgn="base">
+              <a:spcBef>
+                <a:spcPct val="0"/>
+              </a:spcBef>
+              <a:spcAft>
+                <a:spcPct val="0"/>
+              </a:spcAft>
+              <a:defRPr sz="4400">
+                <a:solidFill>
+                  <a:schemeClr val="tx2"/>
+                </a:solidFill>
+                <a:latin typeface="Times New Roman" pitchFamily="18" charset="0"/>
+              </a:defRPr>
+            </a:lvl9pPr>
+          </a:lstStyle>
+          <a:p>
+            <a:pPr algn="ctr">
+              <a:buClrTx/>
+              <a:buSzTx/>
+              <a:buFontTx/>
+              <a:buNone/>
+            </a:pPr>
+            <a:r>
+              <a:rPr kumimoji="0" lang="en-US" altLang="ru-RU" b="1" kern="0" dirty="0" smtClean="0"/>
+              <a:t>SSH: Secure </a:t>
+            </a:r>
+            <a:r>
+              <a:rPr kumimoji="0" lang="en-US" altLang="ru-RU" b="1" kern="0" dirty="0" err="1" smtClean="0"/>
+              <a:t>SHell</a:t>
+            </a:r>
+            <a:endParaRPr kumimoji="0" lang="ru-RU" altLang="ru-RU" b="1" kern="0" dirty="0" smtClean="0"/>
+          </a:p>
+        </p:txBody>
+      </p:sp>
+      <p:sp>
+        <p:nvSpPr>
+          <p:cNvPr id="5" name="TextBox 4"/>
+          <p:cNvSpPr txBox="1"/>
+          <p:nvPr/>
+        </p:nvSpPr>
+        <p:spPr>
+          <a:xfrm>
+            <a:off x="251520" y="1549236"/>
+            <a:ext cx="4554195" cy="5201424"/>
+          </a:xfrm>
+          <a:prstGeom prst="rect">
+            <a:avLst/>
+          </a:prstGeom>
+          <a:noFill/>
+        </p:spPr>
+        <p:txBody>
+          <a:bodyPr wrap="none" rtlCol="0">
+            <a:spAutoFit/>
+          </a:bodyPr>
+          <a:lstStyle/>
+          <a:p>
+            <a:r>
+              <a:rPr lang="en-US" dirty="0" smtClean="0"/>
+              <a:t>TCP/22</a:t>
+            </a:r>
+          </a:p>
+          <a:p>
+            <a:r>
+              <a:rPr lang="ru-RU" dirty="0" smtClean="0"/>
+              <a:t>Зашифрованный </a:t>
+            </a:r>
+            <a:r>
+              <a:rPr lang="en-US" dirty="0" smtClean="0"/>
+              <a:t>telnet</a:t>
+            </a:r>
+          </a:p>
+          <a:p>
+            <a:r>
+              <a:rPr lang="ru-RU" dirty="0" smtClean="0"/>
+              <a:t>Стандарт де-факто</a:t>
+            </a:r>
+          </a:p>
+          <a:p>
+            <a:pPr lvl="1"/>
+            <a:r>
+              <a:rPr lang="ru-RU" dirty="0" smtClean="0"/>
+              <a:t>Кроме </a:t>
+            </a:r>
+            <a:r>
+              <a:rPr lang="en-US" dirty="0" smtClean="0"/>
+              <a:t>Windows</a:t>
+            </a:r>
+            <a:endParaRPr lang="ru-RU" dirty="0" smtClean="0"/>
+          </a:p>
+          <a:p>
+            <a:pPr lvl="2"/>
+            <a:r>
+              <a:rPr lang="en-US" dirty="0" err="1" smtClean="0"/>
+              <a:t>PuTTY</a:t>
+            </a:r>
+            <a:endParaRPr lang="en-US" dirty="0" smtClean="0"/>
+          </a:p>
+          <a:p>
+            <a:r>
+              <a:rPr lang="ru-RU" dirty="0" smtClean="0"/>
+              <a:t>Дополнительные свойства</a:t>
+            </a:r>
+          </a:p>
+          <a:p>
+            <a:pPr lvl="1"/>
+            <a:r>
+              <a:rPr lang="ru-RU" dirty="0" smtClean="0"/>
+              <a:t>Авторизация по ключам</a:t>
+            </a:r>
+            <a:endParaRPr lang="en-US" dirty="0" smtClean="0"/>
+          </a:p>
+          <a:p>
+            <a:pPr lvl="2"/>
+            <a:r>
+              <a:rPr lang="ru-RU" dirty="0" smtClean="0"/>
+              <a:t>Ассиметричная криптография</a:t>
+            </a:r>
+          </a:p>
+          <a:p>
+            <a:pPr lvl="1"/>
+            <a:r>
+              <a:rPr lang="ru-RU" dirty="0" smtClean="0"/>
+              <a:t>Проверка подлинности</a:t>
+            </a:r>
+          </a:p>
+          <a:p>
+            <a:pPr lvl="2"/>
+            <a:r>
+              <a:rPr lang="ru-RU" dirty="0" smtClean="0"/>
+              <a:t>Сервера</a:t>
+            </a:r>
+          </a:p>
+          <a:p>
+            <a:pPr lvl="2"/>
+            <a:r>
+              <a:rPr lang="ru-RU" dirty="0" smtClean="0"/>
+              <a:t>Клиента</a:t>
+            </a:r>
+          </a:p>
+          <a:p>
+            <a:pPr lvl="1"/>
+            <a:r>
+              <a:rPr lang="ru-RU" dirty="0" smtClean="0"/>
+              <a:t>Проброс трафика</a:t>
+            </a:r>
+          </a:p>
+          <a:p>
+            <a:pPr lvl="1"/>
+            <a:r>
+              <a:rPr lang="ru-RU" dirty="0" smtClean="0"/>
+              <a:t>Проброс экрана </a:t>
+            </a:r>
+            <a:r>
+              <a:rPr lang="en-US" dirty="0" smtClean="0"/>
+              <a:t>(X11)</a:t>
+            </a:r>
+          </a:p>
+          <a:p>
+            <a:pPr lvl="1"/>
+            <a:r>
+              <a:rPr lang="ru-RU" dirty="0" smtClean="0"/>
+              <a:t>Любые приложения</a:t>
+            </a:r>
+            <a:endParaRPr lang="en-US" dirty="0" smtClean="0"/>
+          </a:p>
+        </p:txBody>
+      </p:sp>
+      <p:pic>
+        <p:nvPicPr>
+          <p:cNvPr id="18436" name="Picture 4" descr="Картинки по запросу ssh"/>
+          <p:cNvPicPr>
+            <a:picLocks noChangeAspect="1" noChangeArrowheads="1"/>
+          </p:cNvPicPr>
+          <p:nvPr/>
+        </p:nvPicPr>
+        <p:blipFill>
+          <a:blip r:embed="rId3">
+            <a:extLst>
+              <a:ext uri="{28A0092B-C50C-407E-A947-70E740481C1C}">
+                <a14:useLocalDpi xmlns:a14="http://schemas.microsoft.com/office/drawing/2010/main" val="0"/>
+              </a:ext>
+            </a:extLst>
+          </a:blip>
+          <a:srcRect/>
+          <a:stretch>
+            <a:fillRect/>
+          </a:stretch>
+        </p:blipFill>
+        <p:spPr bwMode="auto">
+          <a:xfrm>
+            <a:off x="6015938" y="5157192"/>
+            <a:ext cx="1281980" cy="1281980"/>
+          </a:xfrm>
+          <a:prstGeom prst="rect">
+            <a:avLst/>
+          </a:prstGeom>
+          <a:noFill/>
+          <a:extLst>
+            <a:ext uri="{909E8E84-426E-40DD-AFC4-6F175D3DCCD1}">
+              <a14:hiddenFill xmlns:a14="http://schemas.microsoft.com/office/drawing/2010/main">
+                <a:solidFill>
+                  <a:srgbClr val="FFFFFF"/>
+                </a:solidFill>
+              </a14:hiddenFill>
+            </a:ext>
+          </a:extLst>
+        </p:spPr>
+      </p:pic>
+    </p:spTree>
+    <p:extLst>
+      <p:ext uri="{BB962C8B-B14F-4D97-AF65-F5344CB8AC3E}">
+        <p14:creationId xmlns:p14="http://schemas.microsoft.com/office/powerpoint/2010/main" val="682360110"/>
+      </p:ext>
+    </p:extLst>
+  </p:cSld>
+  <p:clrMapOvr>
+    <a:masterClrMapping/>
+  </p:clrMapOvr>
+  <p:timing>
+    <p:tnLst>
+      <p:par>
+        <p:cTn id="1" dur="indefinite" restart="never" nodeType="tmRoot"/>
+      </p:par>
+    </p:tnLst>
+  </p:timing>
+</p:sld>
+</file>
+
+<file path=ppt/slides/slide11.xml><?xml version="1.0" encoding="utf-8"?>
+<p:sld xmlns:a="http://schemas.openxmlformats.org/drawingml/2006/main" xmlns:r="http://schemas.openxmlformats.org/officeDocument/2006/relationships" xmlns:p="http://schemas.openxmlformats.org/presentationml/2006/main">
+  <p:cSld>
+    <p:spTree>
+      <p:nvGrpSpPr>
+        <p:cNvPr id="1" name=""/>
+        <p:cNvGrpSpPr/>
+        <p:nvPr/>
+      </p:nvGrpSpPr>
+      <p:grpSpPr>
+        <a:xfrm>
+          <a:off x="0" y="0"/>
+          <a:ext cx="0" cy="0"/>
+          <a:chOff x="0" y="0"/>
+          <a:chExt cx="0" cy="0"/>
+        </a:xfrm>
+      </p:grpSpPr>
+      <p:sp>
+        <p:nvSpPr>
+          <p:cNvPr id="123" name="Заголовок 1"/>
+          <p:cNvSpPr txBox="1">
+            <a:spLocks/>
+          </p:cNvSpPr>
+          <p:nvPr/>
+        </p:nvSpPr>
+        <p:spPr>
+          <a:xfrm>
+            <a:off x="243508" y="116632"/>
+            <a:ext cx="8892480" cy="1008112"/>
+          </a:xfrm>
+          <a:prstGeom prst="rect">
+            <a:avLst/>
+          </a:prstGeom>
+        </p:spPr>
+        <p:txBody>
+          <a:bodyPr/>
+          <a:lstStyle>
+            <a:lvl1pPr algn="l" rtl="0" fontAlgn="base">
+              <a:spcBef>
+                <a:spcPct val="0"/>
+              </a:spcBef>
+              <a:spcAft>
+                <a:spcPct val="0"/>
+              </a:spcAft>
+              <a:defRPr sz="4400">
+                <a:solidFill>
+                  <a:schemeClr val="tx2"/>
+                </a:solidFill>
+                <a:latin typeface="+mj-lt"/>
+                <a:ea typeface="+mj-ea"/>
+                <a:cs typeface="+mj-cs"/>
+              </a:defRPr>
+            </a:lvl1pPr>
+            <a:lvl2pPr algn="l" rtl="0" fontAlgn="base">
+              <a:spcBef>
+                <a:spcPct val="0"/>
+              </a:spcBef>
+              <a:spcAft>
+                <a:spcPct val="0"/>
+              </a:spcAft>
+              <a:defRPr sz="4400">
+                <a:solidFill>
+                  <a:schemeClr val="tx2"/>
+                </a:solidFill>
+                <a:latin typeface="Times New Roman" pitchFamily="18" charset="0"/>
+              </a:defRPr>
+            </a:lvl2pPr>
+            <a:lvl3pPr algn="l" rtl="0" fontAlgn="base">
+              <a:spcBef>
+                <a:spcPct val="0"/>
+              </a:spcBef>
+              <a:spcAft>
+                <a:spcPct val="0"/>
+              </a:spcAft>
+              <a:defRPr sz="4400">
+                <a:solidFill>
+                  <a:schemeClr val="tx2"/>
+                </a:solidFill>
+                <a:latin typeface="Times New Roman" pitchFamily="18" charset="0"/>
+              </a:defRPr>
+            </a:lvl3pPr>
+            <a:lvl4pPr algn="l" rtl="0" fontAlgn="base">
+              <a:spcBef>
+                <a:spcPct val="0"/>
+              </a:spcBef>
+              <a:spcAft>
+                <a:spcPct val="0"/>
+              </a:spcAft>
+              <a:defRPr sz="4400">
+                <a:solidFill>
+                  <a:schemeClr val="tx2"/>
+                </a:solidFill>
+                <a:latin typeface="Times New Roman" pitchFamily="18" charset="0"/>
+              </a:defRPr>
+            </a:lvl4pPr>
+            <a:lvl5pPr algn="l" rtl="0" fontAlgn="base">
+              <a:spcBef>
+                <a:spcPct val="0"/>
+              </a:spcBef>
+              <a:spcAft>
+                <a:spcPct val="0"/>
+              </a:spcAft>
+              <a:defRPr sz="4400">
+                <a:solidFill>
+                  <a:schemeClr val="tx2"/>
+                </a:solidFill>
+                <a:latin typeface="Times New Roman" pitchFamily="18" charset="0"/>
+              </a:defRPr>
+            </a:lvl5pPr>
+            <a:lvl6pPr marL="457200" algn="l" rtl="0" fontAlgn="base">
+              <a:spcBef>
+                <a:spcPct val="0"/>
+              </a:spcBef>
+              <a:spcAft>
+                <a:spcPct val="0"/>
+              </a:spcAft>
+              <a:defRPr sz="4400">
+                <a:solidFill>
+                  <a:schemeClr val="tx2"/>
+                </a:solidFill>
+                <a:latin typeface="Times New Roman" pitchFamily="18" charset="0"/>
+              </a:defRPr>
+            </a:lvl6pPr>
+            <a:lvl7pPr marL="914400" algn="l" rtl="0" fontAlgn="base">
+              <a:spcBef>
+                <a:spcPct val="0"/>
+              </a:spcBef>
+              <a:spcAft>
+                <a:spcPct val="0"/>
+              </a:spcAft>
+              <a:defRPr sz="4400">
+                <a:solidFill>
+                  <a:schemeClr val="tx2"/>
+                </a:solidFill>
+                <a:latin typeface="Times New Roman" pitchFamily="18" charset="0"/>
+              </a:defRPr>
+            </a:lvl7pPr>
+            <a:lvl8pPr marL="1371600" algn="l" rtl="0" fontAlgn="base">
+              <a:spcBef>
+                <a:spcPct val="0"/>
+              </a:spcBef>
+              <a:spcAft>
+                <a:spcPct val="0"/>
+              </a:spcAft>
+              <a:defRPr sz="4400">
+                <a:solidFill>
+                  <a:schemeClr val="tx2"/>
+                </a:solidFill>
+                <a:latin typeface="Times New Roman" pitchFamily="18" charset="0"/>
+              </a:defRPr>
+            </a:lvl8pPr>
+            <a:lvl9pPr marL="1828800" algn="l" rtl="0" fontAlgn="base">
+              <a:spcBef>
+                <a:spcPct val="0"/>
+              </a:spcBef>
+              <a:spcAft>
+                <a:spcPct val="0"/>
+              </a:spcAft>
+              <a:defRPr sz="4400">
+                <a:solidFill>
+                  <a:schemeClr val="tx2"/>
+                </a:solidFill>
+                <a:latin typeface="Times New Roman" pitchFamily="18" charset="0"/>
+              </a:defRPr>
+            </a:lvl9pPr>
+          </a:lstStyle>
+          <a:p>
+            <a:pPr algn="ctr">
+              <a:buClrTx/>
+              <a:buSzTx/>
+              <a:buFontTx/>
+              <a:buNone/>
+            </a:pPr>
+            <a:r>
+              <a:rPr kumimoji="0" lang="en-US" altLang="ru-RU" b="1" kern="0" dirty="0" smtClean="0"/>
+              <a:t>Remote Desktop Protocol</a:t>
+            </a:r>
+            <a:endParaRPr kumimoji="0" lang="ru-RU" altLang="ru-RU" b="1" kern="0" dirty="0" smtClean="0"/>
+          </a:p>
+        </p:txBody>
+      </p:sp>
+      <p:sp>
+        <p:nvSpPr>
+          <p:cNvPr id="5" name="TextBox 4"/>
+          <p:cNvSpPr txBox="1"/>
+          <p:nvPr/>
+        </p:nvSpPr>
+        <p:spPr>
+          <a:xfrm>
+            <a:off x="539552" y="1412776"/>
+            <a:ext cx="3209405" cy="2616101"/>
+          </a:xfrm>
+          <a:prstGeom prst="rect">
+            <a:avLst/>
+          </a:prstGeom>
+          <a:noFill/>
+        </p:spPr>
+        <p:txBody>
+          <a:bodyPr wrap="none" rtlCol="0">
+            <a:spAutoFit/>
+          </a:bodyPr>
+          <a:lstStyle/>
+          <a:p>
+            <a:r>
+              <a:rPr lang="en-US" dirty="0" smtClean="0"/>
+              <a:t>TCP/3389</a:t>
+            </a:r>
+          </a:p>
+          <a:p>
+            <a:r>
+              <a:rPr lang="en-US" dirty="0" smtClean="0"/>
+              <a:t>Microsoft way</a:t>
+            </a:r>
+          </a:p>
+          <a:p>
+            <a:r>
+              <a:rPr lang="ru-RU" dirty="0" smtClean="0"/>
+              <a:t>Рабочий стол</a:t>
+            </a:r>
+          </a:p>
+          <a:p>
+            <a:r>
+              <a:rPr lang="ru-RU" dirty="0" smtClean="0"/>
+              <a:t>Много имён</a:t>
+            </a:r>
+          </a:p>
+          <a:p>
+            <a:pPr lvl="1"/>
+            <a:r>
+              <a:rPr lang="en-US" dirty="0" smtClean="0"/>
+              <a:t>RDP</a:t>
+            </a:r>
+          </a:p>
+          <a:p>
+            <a:pPr lvl="1"/>
+            <a:r>
+              <a:rPr lang="ru-RU" dirty="0" smtClean="0"/>
+              <a:t>Терминальный сервер</a:t>
+            </a:r>
+          </a:p>
+          <a:p>
+            <a:endParaRPr lang="en-US" dirty="0" smtClean="0"/>
+          </a:p>
+        </p:txBody>
+      </p:sp>
+      <p:pic>
+        <p:nvPicPr>
+          <p:cNvPr id="24578" name="Picture 2" descr="Картинки по запросу rdp"/>
+          <p:cNvPicPr>
+            <a:picLocks noChangeAspect="1" noChangeArrowheads="1"/>
+          </p:cNvPicPr>
+          <p:nvPr/>
+        </p:nvPicPr>
+        <p:blipFill>
+          <a:blip r:embed="rId2">
+            <a:extLst>
+              <a:ext uri="{28A0092B-C50C-407E-A947-70E740481C1C}">
+                <a14:useLocalDpi xmlns:a14="http://schemas.microsoft.com/office/drawing/2010/main" val="0"/>
+              </a:ext>
+            </a:extLst>
+          </a:blip>
+          <a:srcRect/>
+          <a:stretch>
+            <a:fillRect/>
+          </a:stretch>
+        </p:blipFill>
+        <p:spPr bwMode="auto">
+          <a:xfrm>
+            <a:off x="7452320" y="5277018"/>
+            <a:ext cx="1296144" cy="1066826"/>
+          </a:xfrm>
+          <a:prstGeom prst="rect">
+            <a:avLst/>
+          </a:prstGeom>
+          <a:noFill/>
+          <a:extLst>
+            <a:ext uri="{909E8E84-426E-40DD-AFC4-6F175D3DCCD1}">
+              <a14:hiddenFill xmlns:a14="http://schemas.microsoft.com/office/drawing/2010/main">
+                <a:solidFill>
+                  <a:srgbClr val="FFFFFF"/>
+                </a:solidFill>
+              </a14:hiddenFill>
+            </a:ext>
+          </a:extLst>
+        </p:spPr>
+      </p:pic>
+      <p:pic>
+        <p:nvPicPr>
+          <p:cNvPr id="24580" name="Picture 4" descr="Картинки по запросу rdp"/>
+          <p:cNvPicPr>
+            <a:picLocks noChangeAspect="1" noChangeArrowheads="1"/>
+          </p:cNvPicPr>
+          <p:nvPr/>
+        </p:nvPicPr>
+        <p:blipFill>
+          <a:blip r:embed="rId3">
+            <a:extLst>
+              <a:ext uri="{28A0092B-C50C-407E-A947-70E740481C1C}">
+                <a14:useLocalDpi xmlns:a14="http://schemas.microsoft.com/office/drawing/2010/main" val="0"/>
+              </a:ext>
+            </a:extLst>
+          </a:blip>
+          <a:srcRect/>
+          <a:stretch>
+            <a:fillRect/>
+          </a:stretch>
+        </p:blipFill>
+        <p:spPr bwMode="auto">
+          <a:xfrm>
+            <a:off x="1534965" y="4947970"/>
+            <a:ext cx="3325067" cy="1737617"/>
+          </a:xfrm>
+          <a:prstGeom prst="rect">
+            <a:avLst/>
+          </a:prstGeom>
+          <a:noFill/>
+          <a:extLst>
+            <a:ext uri="{909E8E84-426E-40DD-AFC4-6F175D3DCCD1}">
+              <a14:hiddenFill xmlns:a14="http://schemas.microsoft.com/office/drawing/2010/main">
+                <a:solidFill>
+                  <a:srgbClr val="FFFFFF"/>
+                </a:solidFill>
+              </a14:hiddenFill>
+            </a:ext>
+          </a:extLst>
+        </p:spPr>
+      </p:pic>
+      <p:pic>
+        <p:nvPicPr>
+          <p:cNvPr id="24582" name="Picture 6" descr="Картинки по запросу rdp"/>
+          <p:cNvPicPr>
+            <a:picLocks noChangeAspect="1" noChangeArrowheads="1"/>
+          </p:cNvPicPr>
+          <p:nvPr/>
+        </p:nvPicPr>
+        <p:blipFill>
+          <a:blip r:embed="rId4">
+            <a:extLst>
+              <a:ext uri="{28A0092B-C50C-407E-A947-70E740481C1C}">
+                <a14:useLocalDpi xmlns:a14="http://schemas.microsoft.com/office/drawing/2010/main" val="0"/>
+              </a:ext>
+            </a:extLst>
+          </a:blip>
+          <a:srcRect/>
+          <a:stretch>
+            <a:fillRect/>
+          </a:stretch>
+        </p:blipFill>
+        <p:spPr bwMode="auto">
+          <a:xfrm>
+            <a:off x="3995937" y="1098847"/>
+            <a:ext cx="5008586" cy="3756439"/>
+          </a:xfrm>
+          <a:prstGeom prst="rect">
+            <a:avLst/>
+          </a:prstGeom>
+          <a:noFill/>
+          <a:extLst>
+            <a:ext uri="{909E8E84-426E-40DD-AFC4-6F175D3DCCD1}">
+              <a14:hiddenFill xmlns:a14="http://schemas.microsoft.com/office/drawing/2010/main">
+                <a:solidFill>
+                  <a:srgbClr val="FFFFFF"/>
+                </a:solidFill>
+              </a14:hiddenFill>
+            </a:ext>
+          </a:extLst>
+        </p:spPr>
+      </p:pic>
+    </p:spTree>
+    <p:extLst>
+      <p:ext uri="{BB962C8B-B14F-4D97-AF65-F5344CB8AC3E}">
+        <p14:creationId xmlns:p14="http://schemas.microsoft.com/office/powerpoint/2010/main" val="1715965907"/>
+      </p:ext>
+    </p:extLst>
+  </p:cSld>
+  <p:clrMapOvr>
+    <a:masterClrMapping/>
+  </p:clrMapOvr>
+  <p:timing>
+    <p:tnLst>
+      <p:par>
+        <p:cTn id="1" dur="indefinite" restart="never" nodeType="tmRoot"/>
+      </p:par>
+    </p:tnLst>
+  </p:timing>
+</p:sld>
+</file>
+
+<file path=ppt/slides/slide12.xml><?xml version="1.0" encoding="utf-8"?>
+<p:sld xmlns:a="http://schemas.openxmlformats.org/drawingml/2006/main" xmlns:r="http://schemas.openxmlformats.org/officeDocument/2006/relationships" xmlns:p="http://schemas.openxmlformats.org/presentationml/2006/main">
+  <p:cSld>
+    <p:spTree>
+      <p:nvGrpSpPr>
+        <p:cNvPr id="1" name=""/>
+        <p:cNvGrpSpPr/>
+        <p:nvPr/>
+      </p:nvGrpSpPr>
+      <p:grpSpPr>
+        <a:xfrm>
+          <a:off x="0" y="0"/>
+          <a:ext cx="0" cy="0"/>
+          <a:chOff x="0" y="0"/>
+          <a:chExt cx="0" cy="0"/>
+        </a:xfrm>
+      </p:grpSpPr>
+      <p:pic>
+        <p:nvPicPr>
+          <p:cNvPr id="19458" name="Picture 2" descr="Картинки по запросу e-mail"/>
+          <p:cNvPicPr>
+            <a:picLocks noChangeAspect="1" noChangeArrowheads="1"/>
+          </p:cNvPicPr>
+          <p:nvPr/>
+        </p:nvPicPr>
+        <p:blipFill>
+          <a:blip r:embed="rId2">
+            <a:extLst>
+              <a:ext uri="{28A0092B-C50C-407E-A947-70E740481C1C}">
+                <a14:useLocalDpi xmlns:a14="http://schemas.microsoft.com/office/drawing/2010/main" val="0"/>
+              </a:ext>
+            </a:extLst>
+          </a:blip>
+          <a:srcRect/>
+          <a:stretch>
+            <a:fillRect/>
+          </a:stretch>
+        </p:blipFill>
+        <p:spPr bwMode="auto">
+          <a:xfrm>
+            <a:off x="5287772" y="1041326"/>
+            <a:ext cx="2376264" cy="2376264"/>
+          </a:xfrm>
+          <a:prstGeom prst="rect">
+            <a:avLst/>
+          </a:prstGeom>
+          <a:noFill/>
+          <a:extLst>
+            <a:ext uri="{909E8E84-426E-40DD-AFC4-6F175D3DCCD1}">
+              <a14:hiddenFill xmlns:a14="http://schemas.microsoft.com/office/drawing/2010/main">
+                <a:solidFill>
+                  <a:srgbClr val="FFFFFF"/>
+                </a:solidFill>
+              </a14:hiddenFill>
+            </a:ext>
+          </a:extLst>
+        </p:spPr>
+      </p:pic>
+      <p:sp>
+        <p:nvSpPr>
+          <p:cNvPr id="123" name="Заголовок 1"/>
+          <p:cNvSpPr txBox="1">
+            <a:spLocks/>
+          </p:cNvSpPr>
+          <p:nvPr/>
+        </p:nvSpPr>
+        <p:spPr>
+          <a:xfrm>
+            <a:off x="251520" y="116632"/>
+            <a:ext cx="8892480" cy="1008112"/>
+          </a:xfrm>
+          <a:prstGeom prst="rect">
+            <a:avLst/>
+          </a:prstGeom>
+        </p:spPr>
+        <p:txBody>
+          <a:bodyPr/>
+          <a:lstStyle>
+            <a:lvl1pPr algn="l" rtl="0" fontAlgn="base">
+              <a:spcBef>
+                <a:spcPct val="0"/>
+              </a:spcBef>
+              <a:spcAft>
+                <a:spcPct val="0"/>
+              </a:spcAft>
+              <a:defRPr sz="4400">
+                <a:solidFill>
+                  <a:schemeClr val="tx2"/>
+                </a:solidFill>
+                <a:latin typeface="+mj-lt"/>
+                <a:ea typeface="+mj-ea"/>
+                <a:cs typeface="+mj-cs"/>
+              </a:defRPr>
+            </a:lvl1pPr>
+            <a:lvl2pPr algn="l" rtl="0" fontAlgn="base">
+              <a:spcBef>
+                <a:spcPct val="0"/>
+              </a:spcBef>
+              <a:spcAft>
+                <a:spcPct val="0"/>
+              </a:spcAft>
+              <a:defRPr sz="4400">
+                <a:solidFill>
+                  <a:schemeClr val="tx2"/>
+                </a:solidFill>
+                <a:latin typeface="Times New Roman" pitchFamily="18" charset="0"/>
+              </a:defRPr>
+            </a:lvl2pPr>
+            <a:lvl3pPr algn="l" rtl="0" fontAlgn="base">
+              <a:spcBef>
+                <a:spcPct val="0"/>
+              </a:spcBef>
+              <a:spcAft>
+                <a:spcPct val="0"/>
+              </a:spcAft>
+              <a:defRPr sz="4400">
+                <a:solidFill>
+                  <a:schemeClr val="tx2"/>
+                </a:solidFill>
+                <a:latin typeface="Times New Roman" pitchFamily="18" charset="0"/>
+              </a:defRPr>
+            </a:lvl3pPr>
+            <a:lvl4pPr algn="l" rtl="0" fontAlgn="base">
+              <a:spcBef>
+                <a:spcPct val="0"/>
+              </a:spcBef>
+              <a:spcAft>
+                <a:spcPct val="0"/>
+              </a:spcAft>
+              <a:defRPr sz="4400">
+                <a:solidFill>
+                  <a:schemeClr val="tx2"/>
+                </a:solidFill>
+                <a:latin typeface="Times New Roman" pitchFamily="18" charset="0"/>
+              </a:defRPr>
+            </a:lvl4pPr>
+            <a:lvl5pPr algn="l" rtl="0" fontAlgn="base">
+              <a:spcBef>
+                <a:spcPct val="0"/>
+              </a:spcBef>
+              <a:spcAft>
+                <a:spcPct val="0"/>
+              </a:spcAft>
+              <a:defRPr sz="4400">
+                <a:solidFill>
+                  <a:schemeClr val="tx2"/>
+                </a:solidFill>
+                <a:latin typeface="Times New Roman" pitchFamily="18" charset="0"/>
+              </a:defRPr>
+            </a:lvl5pPr>
+            <a:lvl6pPr marL="457200" algn="l" rtl="0" fontAlgn="base">
+              <a:spcBef>
+                <a:spcPct val="0"/>
+              </a:spcBef>
+              <a:spcAft>
+                <a:spcPct val="0"/>
+              </a:spcAft>
+              <a:defRPr sz="4400">
+                <a:solidFill>
+                  <a:schemeClr val="tx2"/>
+                </a:solidFill>
+                <a:latin typeface="Times New Roman" pitchFamily="18" charset="0"/>
+              </a:defRPr>
+            </a:lvl6pPr>
+            <a:lvl7pPr marL="914400" algn="l" rtl="0" fontAlgn="base">
+              <a:spcBef>
+                <a:spcPct val="0"/>
+              </a:spcBef>
+              <a:spcAft>
+                <a:spcPct val="0"/>
+              </a:spcAft>
+              <a:defRPr sz="4400">
+                <a:solidFill>
+                  <a:schemeClr val="tx2"/>
+                </a:solidFill>
+                <a:latin typeface="Times New Roman" pitchFamily="18" charset="0"/>
+              </a:defRPr>
+            </a:lvl7pPr>
+            <a:lvl8pPr marL="1371600" algn="l" rtl="0" fontAlgn="base">
+              <a:spcBef>
+                <a:spcPct val="0"/>
+              </a:spcBef>
+              <a:spcAft>
+                <a:spcPct val="0"/>
+              </a:spcAft>
+              <a:defRPr sz="4400">
+                <a:solidFill>
+                  <a:schemeClr val="tx2"/>
+                </a:solidFill>
+                <a:latin typeface="Times New Roman" pitchFamily="18" charset="0"/>
+              </a:defRPr>
+            </a:lvl8pPr>
+            <a:lvl9pPr marL="1828800" algn="l" rtl="0" fontAlgn="base">
+              <a:spcBef>
+                <a:spcPct val="0"/>
+              </a:spcBef>
+              <a:spcAft>
+                <a:spcPct val="0"/>
+              </a:spcAft>
+              <a:defRPr sz="4400">
+                <a:solidFill>
+                  <a:schemeClr val="tx2"/>
+                </a:solidFill>
+                <a:latin typeface="Times New Roman" pitchFamily="18" charset="0"/>
+              </a:defRPr>
+            </a:lvl9pPr>
+          </a:lstStyle>
+          <a:p>
+            <a:pPr algn="ctr">
+              <a:buClrTx/>
+              <a:buSzTx/>
+              <a:buFontTx/>
+              <a:buNone/>
+            </a:pPr>
+            <a:r>
+              <a:rPr kumimoji="0" lang="ru-RU" altLang="ru-RU" b="1" kern="0" dirty="0" smtClean="0"/>
+              <a:t>Электронная почта</a:t>
+            </a:r>
+            <a:endParaRPr kumimoji="0" lang="ru-RU" altLang="ru-RU" b="1" kern="0" dirty="0" smtClean="0"/>
+          </a:p>
+        </p:txBody>
+      </p:sp>
+      <p:sp>
+        <p:nvSpPr>
+          <p:cNvPr id="5" name="TextBox 4"/>
+          <p:cNvSpPr txBox="1"/>
+          <p:nvPr/>
+        </p:nvSpPr>
+        <p:spPr>
+          <a:xfrm>
+            <a:off x="611560" y="1052736"/>
+            <a:ext cx="3378874" cy="5201424"/>
+          </a:xfrm>
+          <a:prstGeom prst="rect">
+            <a:avLst/>
+          </a:prstGeom>
+          <a:noFill/>
+        </p:spPr>
+        <p:txBody>
+          <a:bodyPr wrap="none" rtlCol="0">
+            <a:spAutoFit/>
+          </a:bodyPr>
+          <a:lstStyle/>
+          <a:p>
+            <a:r>
+              <a:rPr lang="ru-RU" dirty="0" smtClean="0"/>
+              <a:t>Одна из первых технологий</a:t>
+            </a:r>
+            <a:endParaRPr lang="en-US" dirty="0" smtClean="0"/>
+          </a:p>
+          <a:p>
+            <a:pPr lvl="1"/>
+            <a:r>
+              <a:rPr lang="en-US" dirty="0" smtClean="0"/>
+              <a:t>1965</a:t>
+            </a:r>
+          </a:p>
+          <a:p>
+            <a:r>
+              <a:rPr lang="ru-RU" dirty="0" smtClean="0"/>
+              <a:t>Задолго до </a:t>
+            </a:r>
+            <a:r>
+              <a:rPr lang="en-US" dirty="0" smtClean="0"/>
+              <a:t>TCP/IP</a:t>
+            </a:r>
+          </a:p>
+          <a:p>
+            <a:r>
+              <a:rPr lang="ru-RU" dirty="0" smtClean="0"/>
+              <a:t>Разные системы</a:t>
+            </a:r>
+          </a:p>
+          <a:p>
+            <a:pPr lvl="1"/>
+            <a:r>
+              <a:rPr lang="en-US" dirty="0" smtClean="0"/>
+              <a:t>UUCP</a:t>
+            </a:r>
+          </a:p>
+          <a:p>
+            <a:pPr lvl="1"/>
+            <a:r>
+              <a:rPr lang="en-US" dirty="0" err="1" smtClean="0"/>
+              <a:t>Netmail</a:t>
+            </a:r>
+            <a:r>
+              <a:rPr lang="en-US" dirty="0" smtClean="0"/>
+              <a:t>, </a:t>
+            </a:r>
+            <a:r>
+              <a:rPr lang="en-US" dirty="0" err="1" smtClean="0"/>
+              <a:t>Fidonet</a:t>
+            </a:r>
+            <a:endParaRPr lang="en-US" dirty="0" smtClean="0"/>
+          </a:p>
+          <a:p>
+            <a:pPr lvl="1"/>
+            <a:r>
+              <a:rPr lang="en-US" dirty="0" smtClean="0"/>
+              <a:t>X.400 </a:t>
+            </a:r>
+            <a:r>
+              <a:rPr lang="ru-RU" dirty="0" smtClean="0"/>
+              <a:t>в сетях </a:t>
+            </a:r>
+            <a:r>
+              <a:rPr lang="en-US" dirty="0" smtClean="0"/>
+              <a:t>X.25</a:t>
+            </a:r>
+          </a:p>
+          <a:p>
+            <a:r>
+              <a:rPr lang="ru-RU" dirty="0" smtClean="0"/>
+              <a:t>Спам!</a:t>
+            </a:r>
+          </a:p>
+          <a:p>
+            <a:r>
+              <a:rPr lang="ru-RU" dirty="0" smtClean="0"/>
+              <a:t>Клиент-сервер</a:t>
+            </a:r>
+            <a:endParaRPr lang="en-US" dirty="0" smtClean="0"/>
+          </a:p>
+          <a:p>
+            <a:r>
+              <a:rPr lang="ru-RU" dirty="0" smtClean="0"/>
+              <a:t>Две группы протоколов</a:t>
+            </a:r>
+          </a:p>
+          <a:p>
+            <a:pPr lvl="1"/>
+            <a:r>
+              <a:rPr lang="ru-RU" dirty="0" smtClean="0"/>
+              <a:t>Отправка: </a:t>
+            </a:r>
+            <a:r>
+              <a:rPr lang="en-US" dirty="0" smtClean="0"/>
+              <a:t>SMTP, 25</a:t>
+            </a:r>
+          </a:p>
+          <a:p>
+            <a:pPr lvl="1"/>
+            <a:r>
+              <a:rPr lang="ru-RU" dirty="0" smtClean="0"/>
+              <a:t>Получение</a:t>
+            </a:r>
+            <a:endParaRPr lang="en-US" dirty="0" smtClean="0"/>
+          </a:p>
+          <a:p>
+            <a:pPr lvl="2"/>
+            <a:r>
+              <a:rPr lang="en-US" dirty="0" smtClean="0"/>
+              <a:t>POP3, 110</a:t>
+            </a:r>
+          </a:p>
+          <a:p>
+            <a:pPr lvl="2"/>
+            <a:r>
+              <a:rPr lang="en-US" dirty="0" smtClean="0"/>
+              <a:t>IMAP, 143</a:t>
+            </a:r>
+            <a:endParaRPr lang="ru-RU" dirty="0" smtClean="0"/>
+          </a:p>
+        </p:txBody>
+      </p:sp>
+      <p:pic>
+        <p:nvPicPr>
+          <p:cNvPr id="19460" name="Picture 4" descr="Картинки по запросу e-mail server"/>
+          <p:cNvPicPr>
+            <a:picLocks noChangeAspect="1" noChangeArrowheads="1"/>
+          </p:cNvPicPr>
+          <p:nvPr/>
+        </p:nvPicPr>
+        <p:blipFill>
+          <a:blip r:embed="rId3">
+            <a:extLst>
+              <a:ext uri="{28A0092B-C50C-407E-A947-70E740481C1C}">
+                <a14:useLocalDpi xmlns:a14="http://schemas.microsoft.com/office/drawing/2010/main" val="0"/>
+              </a:ext>
+            </a:extLst>
+          </a:blip>
+          <a:srcRect/>
+          <a:stretch>
+            <a:fillRect/>
+          </a:stretch>
+        </p:blipFill>
+        <p:spPr bwMode="auto">
+          <a:xfrm>
+            <a:off x="4283968" y="3501008"/>
+            <a:ext cx="4741217" cy="3353544"/>
+          </a:xfrm>
+          <a:prstGeom prst="rect">
+            <a:avLst/>
+          </a:prstGeom>
+          <a:noFill/>
+          <a:extLst>
+            <a:ext uri="{909E8E84-426E-40DD-AFC4-6F175D3DCCD1}">
+              <a14:hiddenFill xmlns:a14="http://schemas.microsoft.com/office/drawing/2010/main">
+                <a:solidFill>
+                  <a:srgbClr val="FFFFFF"/>
+                </a:solidFill>
+              </a14:hiddenFill>
+            </a:ext>
+          </a:extLst>
+        </p:spPr>
+      </p:pic>
+    </p:spTree>
+    <p:extLst>
+      <p:ext uri="{BB962C8B-B14F-4D97-AF65-F5344CB8AC3E}">
+        <p14:creationId xmlns:p14="http://schemas.microsoft.com/office/powerpoint/2010/main" val="264053973"/>
+      </p:ext>
+    </p:extLst>
+  </p:cSld>
+  <p:clrMapOvr>
+    <a:masterClrMapping/>
+  </p:clrMapOvr>
+  <p:timing>
+    <p:tnLst>
+      <p:par>
+        <p:cTn id="1" dur="indefinite" restart="never" nodeType="tmRoot"/>
+      </p:par>
+    </p:tnLst>
+  </p:timing>
+</p:sld>
+</file>
+
+<file path=ppt/slides/slide13.xml><?xml version="1.0" encoding="utf-8"?>
+<p:sld xmlns:a="http://schemas.openxmlformats.org/drawingml/2006/main" xmlns:r="http://schemas.openxmlformats.org/officeDocument/2006/relationships" xmlns:p="http://schemas.openxmlformats.org/presentationml/2006/main">
+  <p:cSld>
+    <p:spTree>
+      <p:nvGrpSpPr>
+        <p:cNvPr id="1" name=""/>
+        <p:cNvGrpSpPr/>
+        <p:nvPr/>
+      </p:nvGrpSpPr>
+      <p:grpSpPr>
+        <a:xfrm>
+          <a:off x="0" y="0"/>
+          <a:ext cx="0" cy="0"/>
+          <a:chOff x="0" y="0"/>
+          <a:chExt cx="0" cy="0"/>
+        </a:xfrm>
+      </p:grpSpPr>
+      <p:sp>
+        <p:nvSpPr>
+          <p:cNvPr id="123" name="Заголовок 1"/>
+          <p:cNvSpPr txBox="1">
+            <a:spLocks/>
+          </p:cNvSpPr>
+          <p:nvPr/>
+        </p:nvSpPr>
+        <p:spPr>
+          <a:xfrm>
+            <a:off x="251520" y="116632"/>
+            <a:ext cx="8892480" cy="1008112"/>
+          </a:xfrm>
+          <a:prstGeom prst="rect">
+            <a:avLst/>
+          </a:prstGeom>
+        </p:spPr>
+        <p:txBody>
+          <a:bodyPr/>
+          <a:lstStyle>
+            <a:lvl1pPr algn="l" rtl="0" fontAlgn="base">
+              <a:spcBef>
+                <a:spcPct val="0"/>
+              </a:spcBef>
+              <a:spcAft>
+                <a:spcPct val="0"/>
+              </a:spcAft>
+              <a:defRPr sz="4400">
+                <a:solidFill>
+                  <a:schemeClr val="tx2"/>
+                </a:solidFill>
+                <a:latin typeface="+mj-lt"/>
+                <a:ea typeface="+mj-ea"/>
+                <a:cs typeface="+mj-cs"/>
+              </a:defRPr>
+            </a:lvl1pPr>
+            <a:lvl2pPr algn="l" rtl="0" fontAlgn="base">
+              <a:spcBef>
+                <a:spcPct val="0"/>
+              </a:spcBef>
+              <a:spcAft>
+                <a:spcPct val="0"/>
+              </a:spcAft>
+              <a:defRPr sz="4400">
+                <a:solidFill>
+                  <a:schemeClr val="tx2"/>
+                </a:solidFill>
+                <a:latin typeface="Times New Roman" pitchFamily="18" charset="0"/>
+              </a:defRPr>
+            </a:lvl2pPr>
+            <a:lvl3pPr algn="l" rtl="0" fontAlgn="base">
+              <a:spcBef>
+                <a:spcPct val="0"/>
+              </a:spcBef>
+              <a:spcAft>
+                <a:spcPct val="0"/>
+              </a:spcAft>
+              <a:defRPr sz="4400">
+                <a:solidFill>
+                  <a:schemeClr val="tx2"/>
+                </a:solidFill>
+                <a:latin typeface="Times New Roman" pitchFamily="18" charset="0"/>
+              </a:defRPr>
+            </a:lvl3pPr>
+            <a:lvl4pPr algn="l" rtl="0" fontAlgn="base">
+              <a:spcBef>
+                <a:spcPct val="0"/>
+              </a:spcBef>
+              <a:spcAft>
+                <a:spcPct val="0"/>
+              </a:spcAft>
+              <a:defRPr sz="4400">
+                <a:solidFill>
+                  <a:schemeClr val="tx2"/>
+                </a:solidFill>
+                <a:latin typeface="Times New Roman" pitchFamily="18" charset="0"/>
+              </a:defRPr>
+            </a:lvl4pPr>
+            <a:lvl5pPr algn="l" rtl="0" fontAlgn="base">
+              <a:spcBef>
+                <a:spcPct val="0"/>
+              </a:spcBef>
+              <a:spcAft>
+                <a:spcPct val="0"/>
+              </a:spcAft>
+              <a:defRPr sz="4400">
+                <a:solidFill>
+                  <a:schemeClr val="tx2"/>
+                </a:solidFill>
+                <a:latin typeface="Times New Roman" pitchFamily="18" charset="0"/>
+              </a:defRPr>
+            </a:lvl5pPr>
+            <a:lvl6pPr marL="457200" algn="l" rtl="0" fontAlgn="base">
+              <a:spcBef>
+                <a:spcPct val="0"/>
+              </a:spcBef>
+              <a:spcAft>
+                <a:spcPct val="0"/>
+              </a:spcAft>
+              <a:defRPr sz="4400">
+                <a:solidFill>
+                  <a:schemeClr val="tx2"/>
+                </a:solidFill>
+                <a:latin typeface="Times New Roman" pitchFamily="18" charset="0"/>
+              </a:defRPr>
+            </a:lvl6pPr>
+            <a:lvl7pPr marL="914400" algn="l" rtl="0" fontAlgn="base">
+              <a:spcBef>
+                <a:spcPct val="0"/>
+              </a:spcBef>
+              <a:spcAft>
+                <a:spcPct val="0"/>
+              </a:spcAft>
+              <a:defRPr sz="4400">
+                <a:solidFill>
+                  <a:schemeClr val="tx2"/>
+                </a:solidFill>
+                <a:latin typeface="Times New Roman" pitchFamily="18" charset="0"/>
+              </a:defRPr>
+            </a:lvl7pPr>
+            <a:lvl8pPr marL="1371600" algn="l" rtl="0" fontAlgn="base">
+              <a:spcBef>
+                <a:spcPct val="0"/>
+              </a:spcBef>
+              <a:spcAft>
+                <a:spcPct val="0"/>
+              </a:spcAft>
+              <a:defRPr sz="4400">
+                <a:solidFill>
+                  <a:schemeClr val="tx2"/>
+                </a:solidFill>
+                <a:latin typeface="Times New Roman" pitchFamily="18" charset="0"/>
+              </a:defRPr>
+            </a:lvl8pPr>
+            <a:lvl9pPr marL="1828800" algn="l" rtl="0" fontAlgn="base">
+              <a:spcBef>
+                <a:spcPct val="0"/>
+              </a:spcBef>
+              <a:spcAft>
+                <a:spcPct val="0"/>
+              </a:spcAft>
+              <a:defRPr sz="4400">
+                <a:solidFill>
+                  <a:schemeClr val="tx2"/>
+                </a:solidFill>
+                <a:latin typeface="Times New Roman" pitchFamily="18" charset="0"/>
+              </a:defRPr>
+            </a:lvl9pPr>
+          </a:lstStyle>
+          <a:p>
+            <a:pPr algn="ctr">
+              <a:buClrTx/>
+              <a:buSzTx/>
+              <a:buFontTx/>
+              <a:buNone/>
+            </a:pPr>
+            <a:r>
+              <a:rPr kumimoji="0" lang="en-US" altLang="ru-RU" b="1" kern="0" dirty="0" smtClean="0"/>
+              <a:t>SMTP: </a:t>
+            </a:r>
+            <a:r>
+              <a:rPr kumimoji="0" lang="ru-RU" altLang="ru-RU" b="1" kern="0" dirty="0" smtClean="0"/>
+              <a:t>отправка почты</a:t>
+            </a:r>
+            <a:endParaRPr kumimoji="0" lang="ru-RU" altLang="ru-RU" b="1" kern="0" dirty="0" smtClean="0"/>
+          </a:p>
+        </p:txBody>
+      </p:sp>
+      <p:sp>
+        <p:nvSpPr>
+          <p:cNvPr id="5" name="TextBox 4"/>
+          <p:cNvSpPr txBox="1"/>
+          <p:nvPr/>
+        </p:nvSpPr>
+        <p:spPr>
+          <a:xfrm>
+            <a:off x="1619672" y="4149080"/>
+            <a:ext cx="2864630" cy="2246769"/>
+          </a:xfrm>
+          <a:prstGeom prst="rect">
+            <a:avLst/>
+          </a:prstGeom>
+          <a:noFill/>
+        </p:spPr>
+        <p:txBody>
+          <a:bodyPr wrap="none" rtlCol="0">
+            <a:spAutoFit/>
+          </a:bodyPr>
+          <a:lstStyle/>
+          <a:p>
+            <a:r>
+              <a:rPr lang="en-US" dirty="0" smtClean="0"/>
+              <a:t>TCP/25</a:t>
+            </a:r>
+          </a:p>
+          <a:p>
+            <a:r>
+              <a:rPr lang="ru-RU" dirty="0" smtClean="0"/>
+              <a:t>Без авторизации</a:t>
+            </a:r>
+          </a:p>
+          <a:p>
+            <a:pPr lvl="1"/>
+            <a:r>
+              <a:rPr lang="ru-RU" dirty="0" smtClean="0"/>
+              <a:t>Добавлена позже</a:t>
+            </a:r>
+            <a:endParaRPr lang="en-US" dirty="0" smtClean="0"/>
+          </a:p>
+          <a:p>
+            <a:r>
+              <a:rPr lang="ru-RU" dirty="0" smtClean="0"/>
+              <a:t>Формат сообщения</a:t>
+            </a:r>
+          </a:p>
+          <a:p>
+            <a:pPr lvl="1"/>
+            <a:r>
+              <a:rPr lang="ru-RU" dirty="0" smtClean="0"/>
+              <a:t>Заголовки</a:t>
+            </a:r>
+          </a:p>
+          <a:p>
+            <a:pPr lvl="1"/>
+            <a:r>
+              <a:rPr lang="ru-RU" dirty="0" smtClean="0"/>
+              <a:t>Тело письма</a:t>
+            </a:r>
+            <a:r>
+              <a:rPr lang="en-US" dirty="0" smtClean="0"/>
+              <a:t> / body</a:t>
+            </a:r>
+            <a:endParaRPr lang="ru-RU" dirty="0" smtClean="0"/>
+          </a:p>
+        </p:txBody>
+      </p:sp>
+      <p:pic>
+        <p:nvPicPr>
+          <p:cNvPr id="20482" name="Picture 2" descr="https://upload.wikimedia.org/wikipedia/commons/thumb/6/69/SMTP-transfer-model.svg/1215px-SMTP-transfer-model.svg.png"/>
+          <p:cNvPicPr>
+            <a:picLocks noChangeAspect="1" noChangeArrowheads="1"/>
+          </p:cNvPicPr>
+          <p:nvPr/>
+        </p:nvPicPr>
+        <p:blipFill>
+          <a:blip r:embed="rId2">
+            <a:extLst>
+              <a:ext uri="{28A0092B-C50C-407E-A947-70E740481C1C}">
+                <a14:useLocalDpi xmlns:a14="http://schemas.microsoft.com/office/drawing/2010/main" val="0"/>
+              </a:ext>
+            </a:extLst>
+          </a:blip>
+          <a:srcRect/>
+          <a:stretch>
+            <a:fillRect/>
+          </a:stretch>
+        </p:blipFill>
+        <p:spPr bwMode="auto">
+          <a:xfrm>
+            <a:off x="2555776" y="1157114"/>
+            <a:ext cx="5897704" cy="3519206"/>
+          </a:xfrm>
+          <a:prstGeom prst="rect">
+            <a:avLst/>
+          </a:prstGeom>
+          <a:noFill/>
+          <a:extLst>
+            <a:ext uri="{909E8E84-426E-40DD-AFC4-6F175D3DCCD1}">
+              <a14:hiddenFill xmlns:a14="http://schemas.microsoft.com/office/drawing/2010/main">
+                <a:solidFill>
+                  <a:srgbClr val="FFFFFF"/>
+                </a:solidFill>
+              </a14:hiddenFill>
+            </a:ext>
+          </a:extLst>
+        </p:spPr>
+      </p:pic>
+    </p:spTree>
+    <p:extLst>
+      <p:ext uri="{BB962C8B-B14F-4D97-AF65-F5344CB8AC3E}">
+        <p14:creationId xmlns:p14="http://schemas.microsoft.com/office/powerpoint/2010/main" val="1113140850"/>
+      </p:ext>
+    </p:extLst>
+  </p:cSld>
+  <p:clrMapOvr>
+    <a:masterClrMapping/>
+  </p:clrMapOvr>
+  <p:timing>
+    <p:tnLst>
+      <p:par>
+        <p:cTn id="1" dur="indefinite" restart="never" nodeType="tmRoot"/>
+      </p:par>
+    </p:tnLst>
+  </p:timing>
+</p:sld>
+</file>
+
+<file path=ppt/slides/slide14.xml><?xml version="1.0" encoding="utf-8"?>
+<p:sld xmlns:a="http://schemas.openxmlformats.org/drawingml/2006/main" xmlns:r="http://schemas.openxmlformats.org/officeDocument/2006/relationships" xmlns:p="http://schemas.openxmlformats.org/presentationml/2006/main">
+  <p:cSld>
+    <p:spTree>
+      <p:nvGrpSpPr>
+        <p:cNvPr id="1" name=""/>
+        <p:cNvGrpSpPr/>
+        <p:nvPr/>
+      </p:nvGrpSpPr>
+      <p:grpSpPr>
+        <a:xfrm>
+          <a:off x="0" y="0"/>
+          <a:ext cx="0" cy="0"/>
+          <a:chOff x="0" y="0"/>
+          <a:chExt cx="0" cy="0"/>
+        </a:xfrm>
+      </p:grpSpPr>
+      <p:sp>
+        <p:nvSpPr>
+          <p:cNvPr id="123" name="Заголовок 1"/>
+          <p:cNvSpPr txBox="1">
+            <a:spLocks/>
+          </p:cNvSpPr>
+          <p:nvPr/>
+        </p:nvSpPr>
+        <p:spPr>
+          <a:xfrm>
+            <a:off x="251520" y="116632"/>
+            <a:ext cx="8892480" cy="1008112"/>
+          </a:xfrm>
+          <a:prstGeom prst="rect">
+            <a:avLst/>
+          </a:prstGeom>
+        </p:spPr>
+        <p:txBody>
+          <a:bodyPr/>
+          <a:lstStyle>
+            <a:lvl1pPr algn="l" rtl="0" fontAlgn="base">
+              <a:spcBef>
+                <a:spcPct val="0"/>
+              </a:spcBef>
+              <a:spcAft>
+                <a:spcPct val="0"/>
+              </a:spcAft>
+              <a:defRPr sz="4400">
+                <a:solidFill>
+                  <a:schemeClr val="tx2"/>
+                </a:solidFill>
+                <a:latin typeface="+mj-lt"/>
+                <a:ea typeface="+mj-ea"/>
+                <a:cs typeface="+mj-cs"/>
+              </a:defRPr>
+            </a:lvl1pPr>
+            <a:lvl2pPr algn="l" rtl="0" fontAlgn="base">
+              <a:spcBef>
+                <a:spcPct val="0"/>
+              </a:spcBef>
+              <a:spcAft>
+                <a:spcPct val="0"/>
+              </a:spcAft>
+              <a:defRPr sz="4400">
+                <a:solidFill>
+                  <a:schemeClr val="tx2"/>
+                </a:solidFill>
+                <a:latin typeface="Times New Roman" pitchFamily="18" charset="0"/>
+              </a:defRPr>
+            </a:lvl2pPr>
+            <a:lvl3pPr algn="l" rtl="0" fontAlgn="base">
+              <a:spcBef>
+                <a:spcPct val="0"/>
+              </a:spcBef>
+              <a:spcAft>
+                <a:spcPct val="0"/>
+              </a:spcAft>
+              <a:defRPr sz="4400">
+                <a:solidFill>
+                  <a:schemeClr val="tx2"/>
+                </a:solidFill>
+                <a:latin typeface="Times New Roman" pitchFamily="18" charset="0"/>
+              </a:defRPr>
+            </a:lvl3pPr>
+            <a:lvl4pPr algn="l" rtl="0" fontAlgn="base">
+              <a:spcBef>
+                <a:spcPct val="0"/>
+              </a:spcBef>
+              <a:spcAft>
+                <a:spcPct val="0"/>
+              </a:spcAft>
+              <a:defRPr sz="4400">
+                <a:solidFill>
+                  <a:schemeClr val="tx2"/>
+                </a:solidFill>
+                <a:latin typeface="Times New Roman" pitchFamily="18" charset="0"/>
+              </a:defRPr>
+            </a:lvl4pPr>
+            <a:lvl5pPr algn="l" rtl="0" fontAlgn="base">
+              <a:spcBef>
+                <a:spcPct val="0"/>
+              </a:spcBef>
+              <a:spcAft>
+                <a:spcPct val="0"/>
+              </a:spcAft>
+              <a:defRPr sz="4400">
+                <a:solidFill>
+                  <a:schemeClr val="tx2"/>
+                </a:solidFill>
+                <a:latin typeface="Times New Roman" pitchFamily="18" charset="0"/>
+              </a:defRPr>
+            </a:lvl5pPr>
+            <a:lvl6pPr marL="457200" algn="l" rtl="0" fontAlgn="base">
+              <a:spcBef>
+                <a:spcPct val="0"/>
+              </a:spcBef>
+              <a:spcAft>
+                <a:spcPct val="0"/>
+              </a:spcAft>
+              <a:defRPr sz="4400">
+                <a:solidFill>
+                  <a:schemeClr val="tx2"/>
+                </a:solidFill>
+                <a:latin typeface="Times New Roman" pitchFamily="18" charset="0"/>
+              </a:defRPr>
+            </a:lvl6pPr>
+            <a:lvl7pPr marL="914400" algn="l" rtl="0" fontAlgn="base">
+              <a:spcBef>
+                <a:spcPct val="0"/>
+              </a:spcBef>
+              <a:spcAft>
+                <a:spcPct val="0"/>
+              </a:spcAft>
+              <a:defRPr sz="4400">
+                <a:solidFill>
+                  <a:schemeClr val="tx2"/>
+                </a:solidFill>
+                <a:latin typeface="Times New Roman" pitchFamily="18" charset="0"/>
+              </a:defRPr>
+            </a:lvl7pPr>
+            <a:lvl8pPr marL="1371600" algn="l" rtl="0" fontAlgn="base">
+              <a:spcBef>
+                <a:spcPct val="0"/>
+              </a:spcBef>
+              <a:spcAft>
+                <a:spcPct val="0"/>
+              </a:spcAft>
+              <a:defRPr sz="4400">
+                <a:solidFill>
+                  <a:schemeClr val="tx2"/>
+                </a:solidFill>
+                <a:latin typeface="Times New Roman" pitchFamily="18" charset="0"/>
+              </a:defRPr>
+            </a:lvl8pPr>
+            <a:lvl9pPr marL="1828800" algn="l" rtl="0" fontAlgn="base">
+              <a:spcBef>
+                <a:spcPct val="0"/>
+              </a:spcBef>
+              <a:spcAft>
+                <a:spcPct val="0"/>
+              </a:spcAft>
+              <a:defRPr sz="4400">
+                <a:solidFill>
+                  <a:schemeClr val="tx2"/>
+                </a:solidFill>
+                <a:latin typeface="Times New Roman" pitchFamily="18" charset="0"/>
+              </a:defRPr>
+            </a:lvl9pPr>
+          </a:lstStyle>
+          <a:p>
+            <a:pPr algn="ctr">
+              <a:buClrTx/>
+              <a:buSzTx/>
+              <a:buFontTx/>
+              <a:buNone/>
+            </a:pPr>
+            <a:r>
+              <a:rPr kumimoji="0" lang="en-US" altLang="ru-RU" b="1" kern="0" dirty="0" smtClean="0"/>
+              <a:t>SMTP</a:t>
+            </a:r>
+            <a:endParaRPr kumimoji="0" lang="ru-RU" altLang="ru-RU" b="1" kern="0" dirty="0" smtClean="0"/>
+          </a:p>
+        </p:txBody>
+      </p:sp>
+      <p:sp>
+        <p:nvSpPr>
+          <p:cNvPr id="4" name="TextBox 3"/>
+          <p:cNvSpPr txBox="1"/>
+          <p:nvPr/>
+        </p:nvSpPr>
+        <p:spPr>
+          <a:xfrm>
+            <a:off x="755576" y="908720"/>
+            <a:ext cx="6856450" cy="5478423"/>
+          </a:xfrm>
+          <a:prstGeom prst="rect">
+            <a:avLst/>
+          </a:prstGeom>
+          <a:noFill/>
+        </p:spPr>
+        <p:txBody>
+          <a:bodyPr wrap="square" rtlCol="0">
+            <a:spAutoFit/>
+          </a:bodyPr>
+          <a:lstStyle/>
+          <a:p>
+            <a:pPr>
+              <a:buNone/>
+            </a:pPr>
+            <a:r>
+              <a:rPr lang="en-US" sz="1400" dirty="0" smtClean="0">
+                <a:solidFill>
+                  <a:srgbClr val="7030A0"/>
+                </a:solidFill>
+                <a:latin typeface="Courier" pitchFamily="49" charset="0"/>
+              </a:rPr>
+              <a:t>220 </a:t>
+            </a:r>
+            <a:r>
+              <a:rPr lang="en-US" sz="1400" dirty="0" err="1">
+                <a:solidFill>
+                  <a:srgbClr val="7030A0"/>
+                </a:solidFill>
+                <a:latin typeface="Courier" pitchFamily="49" charset="0"/>
+              </a:rPr>
+              <a:t>mail.company.tld</a:t>
+            </a:r>
+            <a:r>
+              <a:rPr lang="en-US" sz="1400" dirty="0">
+                <a:solidFill>
+                  <a:srgbClr val="7030A0"/>
+                </a:solidFill>
+                <a:latin typeface="Courier" pitchFamily="49" charset="0"/>
+              </a:rPr>
+              <a:t> ESMTP is glad to see you!</a:t>
+            </a:r>
+          </a:p>
+          <a:p>
+            <a:pPr>
+              <a:buNone/>
+            </a:pPr>
+            <a:r>
+              <a:rPr lang="en-US" sz="1400" u="sng" dirty="0" smtClean="0">
+                <a:solidFill>
+                  <a:srgbClr val="100E0C"/>
+                </a:solidFill>
+                <a:latin typeface="Courier" pitchFamily="49" charset="0"/>
+              </a:rPr>
+              <a:t>HELO</a:t>
+            </a:r>
+            <a:endParaRPr lang="en-US" sz="1400" u="sng" dirty="0">
+              <a:solidFill>
+                <a:srgbClr val="100E0C"/>
+              </a:solidFill>
+              <a:latin typeface="Courier" pitchFamily="49" charset="0"/>
+            </a:endParaRPr>
+          </a:p>
+          <a:p>
+            <a:pPr>
+              <a:buNone/>
+            </a:pPr>
+            <a:r>
+              <a:rPr lang="en-US" sz="1400" dirty="0" smtClean="0">
+                <a:solidFill>
+                  <a:srgbClr val="7030A0"/>
+                </a:solidFill>
+                <a:latin typeface="Courier" pitchFamily="49" charset="0"/>
+              </a:rPr>
+              <a:t>250 </a:t>
+            </a:r>
+            <a:r>
+              <a:rPr lang="en-US" sz="1400" dirty="0">
+                <a:solidFill>
+                  <a:srgbClr val="7030A0"/>
+                </a:solidFill>
+                <a:latin typeface="Courier" pitchFamily="49" charset="0"/>
+              </a:rPr>
+              <a:t>domain name should be qualified</a:t>
+            </a:r>
+          </a:p>
+          <a:p>
+            <a:pPr>
+              <a:buNone/>
+            </a:pPr>
+            <a:r>
+              <a:rPr lang="en-US" sz="1400" u="sng" dirty="0" smtClean="0">
+                <a:solidFill>
+                  <a:srgbClr val="100E0C"/>
+                </a:solidFill>
+                <a:latin typeface="Courier" pitchFamily="49" charset="0"/>
+              </a:rPr>
+              <a:t>MAIL </a:t>
+            </a:r>
+            <a:r>
+              <a:rPr lang="en-US" sz="1400" u="sng" dirty="0">
+                <a:solidFill>
+                  <a:srgbClr val="100E0C"/>
+                </a:solidFill>
+                <a:latin typeface="Courier" pitchFamily="49" charset="0"/>
+              </a:rPr>
+              <a:t>FROM</a:t>
+            </a:r>
+            <a:r>
+              <a:rPr lang="en-US" sz="1400" dirty="0">
+                <a:solidFill>
+                  <a:srgbClr val="100E0C"/>
+                </a:solidFill>
+                <a:latin typeface="Courier" pitchFamily="49" charset="0"/>
+              </a:rPr>
+              <a:t>: &lt;someusername@somecompany.ru&gt;</a:t>
+            </a:r>
+          </a:p>
+          <a:p>
+            <a:pPr>
+              <a:buNone/>
+            </a:pPr>
+            <a:r>
+              <a:rPr lang="en-US" sz="1400" dirty="0" smtClean="0">
+                <a:solidFill>
+                  <a:srgbClr val="7030A0"/>
+                </a:solidFill>
+                <a:latin typeface="Courier" pitchFamily="49" charset="0"/>
+              </a:rPr>
+              <a:t>250 </a:t>
+            </a:r>
+            <a:r>
+              <a:rPr lang="en-US" sz="1400" dirty="0">
+                <a:solidFill>
+                  <a:srgbClr val="7030A0"/>
+                </a:solidFill>
+                <a:latin typeface="Courier" pitchFamily="49" charset="0"/>
+              </a:rPr>
+              <a:t>someusername@somecompany.ru sender accepted</a:t>
+            </a:r>
+          </a:p>
+          <a:p>
+            <a:pPr>
+              <a:buNone/>
+            </a:pPr>
+            <a:r>
+              <a:rPr lang="en-US" sz="1400" u="sng" dirty="0" smtClean="0">
+                <a:solidFill>
+                  <a:srgbClr val="100E0C"/>
+                </a:solidFill>
+                <a:latin typeface="Courier" pitchFamily="49" charset="0"/>
+              </a:rPr>
+              <a:t>RCPT </a:t>
+            </a:r>
+            <a:r>
+              <a:rPr lang="en-US" sz="1400" u="sng" dirty="0">
+                <a:solidFill>
+                  <a:srgbClr val="100E0C"/>
+                </a:solidFill>
+                <a:latin typeface="Courier" pitchFamily="49" charset="0"/>
+              </a:rPr>
+              <a:t>TO</a:t>
+            </a:r>
+            <a:r>
+              <a:rPr lang="en-US" sz="1400" dirty="0">
+                <a:solidFill>
+                  <a:srgbClr val="100E0C"/>
+                </a:solidFill>
+                <a:latin typeface="Courier" pitchFamily="49" charset="0"/>
+              </a:rPr>
+              <a:t>: &lt;user1@company.tld&gt;</a:t>
+            </a:r>
+          </a:p>
+          <a:p>
+            <a:pPr>
+              <a:buNone/>
+            </a:pPr>
+            <a:r>
+              <a:rPr lang="en-US" sz="1400" dirty="0" smtClean="0">
+                <a:solidFill>
+                  <a:srgbClr val="7030A0"/>
+                </a:solidFill>
+                <a:latin typeface="Courier" pitchFamily="49" charset="0"/>
+              </a:rPr>
+              <a:t>250 </a:t>
+            </a:r>
+            <a:r>
+              <a:rPr lang="en-US" sz="1400" dirty="0">
+                <a:solidFill>
+                  <a:srgbClr val="7030A0"/>
+                </a:solidFill>
+                <a:latin typeface="Courier" pitchFamily="49" charset="0"/>
+              </a:rPr>
+              <a:t>user1@company.tld ok</a:t>
+            </a:r>
+          </a:p>
+          <a:p>
+            <a:pPr>
+              <a:buNone/>
+            </a:pPr>
+            <a:r>
+              <a:rPr lang="en-US" sz="1400" u="sng" dirty="0" smtClean="0">
+                <a:solidFill>
+                  <a:srgbClr val="100E0C"/>
+                </a:solidFill>
+                <a:latin typeface="Courier" pitchFamily="49" charset="0"/>
+              </a:rPr>
+              <a:t>RCPT </a:t>
+            </a:r>
+            <a:r>
+              <a:rPr lang="en-US" sz="1400" u="sng" dirty="0">
+                <a:solidFill>
+                  <a:srgbClr val="100E0C"/>
+                </a:solidFill>
+                <a:latin typeface="Courier" pitchFamily="49" charset="0"/>
+              </a:rPr>
+              <a:t>TO</a:t>
+            </a:r>
+            <a:r>
+              <a:rPr lang="en-US" sz="1400" dirty="0">
+                <a:solidFill>
+                  <a:srgbClr val="100E0C"/>
+                </a:solidFill>
+                <a:latin typeface="Courier" pitchFamily="49" charset="0"/>
+              </a:rPr>
+              <a:t>: &lt;user2@company.tld&gt;</a:t>
+            </a:r>
+          </a:p>
+          <a:p>
+            <a:pPr>
+              <a:buNone/>
+            </a:pPr>
+            <a:r>
+              <a:rPr lang="en-US" sz="1400" dirty="0" smtClean="0">
+                <a:solidFill>
+                  <a:srgbClr val="7030A0"/>
+                </a:solidFill>
+                <a:latin typeface="Courier" pitchFamily="49" charset="0"/>
+              </a:rPr>
+              <a:t>550 </a:t>
+            </a:r>
+            <a:r>
+              <a:rPr lang="en-US" sz="1400" dirty="0">
+                <a:solidFill>
+                  <a:srgbClr val="7030A0"/>
+                </a:solidFill>
+                <a:latin typeface="Courier" pitchFamily="49" charset="0"/>
+              </a:rPr>
+              <a:t>user2@company.tld unknown user account</a:t>
+            </a:r>
+          </a:p>
+          <a:p>
+            <a:pPr>
+              <a:buNone/>
+            </a:pPr>
+            <a:r>
+              <a:rPr lang="en-US" sz="1400" u="sng" dirty="0" smtClean="0">
+                <a:solidFill>
+                  <a:srgbClr val="100E0C"/>
+                </a:solidFill>
+                <a:latin typeface="Courier" pitchFamily="49" charset="0"/>
+              </a:rPr>
+              <a:t>DATA</a:t>
+            </a:r>
+            <a:endParaRPr lang="en-US" sz="1400" u="sng" dirty="0">
+              <a:solidFill>
+                <a:srgbClr val="100E0C"/>
+              </a:solidFill>
+              <a:latin typeface="Courier" pitchFamily="49" charset="0"/>
+            </a:endParaRPr>
+          </a:p>
+          <a:p>
+            <a:pPr>
+              <a:buNone/>
+            </a:pPr>
+            <a:r>
+              <a:rPr lang="en-US" sz="1400" dirty="0" smtClean="0">
+                <a:solidFill>
+                  <a:srgbClr val="7030A0"/>
+                </a:solidFill>
+                <a:latin typeface="Courier" pitchFamily="49" charset="0"/>
+              </a:rPr>
+              <a:t>354 </a:t>
+            </a:r>
+            <a:r>
+              <a:rPr lang="en-US" sz="1400" dirty="0">
+                <a:solidFill>
+                  <a:srgbClr val="7030A0"/>
+                </a:solidFill>
+                <a:latin typeface="Courier" pitchFamily="49" charset="0"/>
+              </a:rPr>
+              <a:t>Enter mail, end with "." on a line by itself</a:t>
+            </a:r>
+          </a:p>
+          <a:p>
+            <a:pPr>
+              <a:buNone/>
+            </a:pPr>
+            <a:r>
+              <a:rPr lang="en-US" sz="1400" dirty="0" smtClean="0">
+                <a:solidFill>
+                  <a:srgbClr val="100E0C"/>
+                </a:solidFill>
+                <a:latin typeface="Courier" pitchFamily="49" charset="0"/>
+              </a:rPr>
+              <a:t>From</a:t>
+            </a:r>
+            <a:r>
+              <a:rPr lang="en-US" sz="1400" dirty="0">
+                <a:solidFill>
+                  <a:srgbClr val="100E0C"/>
+                </a:solidFill>
+                <a:latin typeface="Courier" pitchFamily="49" charset="0"/>
+              </a:rPr>
+              <a:t>: Some User &lt;someusername@somecompany.ru&gt;</a:t>
+            </a:r>
+          </a:p>
+          <a:p>
+            <a:pPr>
+              <a:buNone/>
+            </a:pPr>
+            <a:r>
+              <a:rPr lang="en-US" sz="1400" dirty="0" smtClean="0">
+                <a:solidFill>
+                  <a:srgbClr val="100E0C"/>
+                </a:solidFill>
+                <a:latin typeface="Courier" pitchFamily="49" charset="0"/>
+              </a:rPr>
+              <a:t>To</a:t>
+            </a:r>
+            <a:r>
+              <a:rPr lang="en-US" sz="1400" dirty="0">
+                <a:solidFill>
+                  <a:srgbClr val="100E0C"/>
+                </a:solidFill>
+                <a:latin typeface="Courier" pitchFamily="49" charset="0"/>
+              </a:rPr>
+              <a:t>: User1 &lt;user1@company.tld&gt;</a:t>
+            </a:r>
+          </a:p>
+          <a:p>
+            <a:pPr>
+              <a:buNone/>
+            </a:pPr>
+            <a:r>
+              <a:rPr lang="en-US" sz="1400" dirty="0" smtClean="0">
+                <a:solidFill>
+                  <a:srgbClr val="100E0C"/>
+                </a:solidFill>
+                <a:latin typeface="Courier" pitchFamily="49" charset="0"/>
+              </a:rPr>
+              <a:t>Subject</a:t>
+            </a:r>
+            <a:r>
+              <a:rPr lang="en-US" sz="1400" dirty="0">
+                <a:solidFill>
+                  <a:srgbClr val="100E0C"/>
+                </a:solidFill>
+                <a:latin typeface="Courier" pitchFamily="49" charset="0"/>
+              </a:rPr>
+              <a:t>: </a:t>
+            </a:r>
+            <a:r>
+              <a:rPr lang="en-US" sz="1400" dirty="0" err="1">
+                <a:solidFill>
+                  <a:srgbClr val="100E0C"/>
+                </a:solidFill>
+                <a:latin typeface="Courier" pitchFamily="49" charset="0"/>
+              </a:rPr>
+              <a:t>tema</a:t>
+            </a:r>
+            <a:endParaRPr lang="en-US" sz="1400" dirty="0">
+              <a:solidFill>
+                <a:srgbClr val="100E0C"/>
+              </a:solidFill>
+              <a:latin typeface="Courier" pitchFamily="49" charset="0"/>
+            </a:endParaRPr>
+          </a:p>
+          <a:p>
+            <a:pPr>
+              <a:buNone/>
+            </a:pPr>
+            <a:r>
+              <a:rPr lang="en-US" sz="1400" dirty="0" smtClean="0">
+                <a:solidFill>
+                  <a:srgbClr val="100E0C"/>
+                </a:solidFill>
+                <a:latin typeface="Courier" pitchFamily="49" charset="0"/>
+              </a:rPr>
+              <a:t>Content-Type</a:t>
+            </a:r>
+            <a:r>
+              <a:rPr lang="en-US" sz="1400" dirty="0">
+                <a:solidFill>
+                  <a:srgbClr val="100E0C"/>
+                </a:solidFill>
+                <a:latin typeface="Courier" pitchFamily="49" charset="0"/>
+              </a:rPr>
+              <a:t>: text/plain</a:t>
+            </a:r>
+          </a:p>
+          <a:p>
+            <a:pPr>
+              <a:buNone/>
+            </a:pPr>
+            <a:endParaRPr lang="en-US" sz="1400" dirty="0">
+              <a:solidFill>
+                <a:srgbClr val="100E0C"/>
+              </a:solidFill>
+              <a:latin typeface="Courier" pitchFamily="49" charset="0"/>
+            </a:endParaRPr>
+          </a:p>
+          <a:p>
+            <a:pPr>
+              <a:buNone/>
+            </a:pPr>
+            <a:r>
+              <a:rPr lang="en-US" sz="1400" dirty="0" smtClean="0">
+                <a:solidFill>
+                  <a:srgbClr val="100E0C"/>
+                </a:solidFill>
+                <a:latin typeface="Courier" pitchFamily="49" charset="0"/>
+              </a:rPr>
+              <a:t>Hi</a:t>
+            </a:r>
+            <a:r>
+              <a:rPr lang="en-US" sz="1400" dirty="0">
+                <a:solidFill>
+                  <a:srgbClr val="100E0C"/>
+                </a:solidFill>
+                <a:latin typeface="Courier" pitchFamily="49" charset="0"/>
+              </a:rPr>
+              <a:t>!</a:t>
+            </a:r>
+          </a:p>
+          <a:p>
+            <a:pPr>
+              <a:buNone/>
+            </a:pPr>
+            <a:r>
+              <a:rPr lang="en-US" sz="1400" dirty="0" smtClean="0">
+                <a:solidFill>
+                  <a:srgbClr val="100E0C"/>
+                </a:solidFill>
+                <a:latin typeface="Courier" pitchFamily="49" charset="0"/>
+              </a:rPr>
+              <a:t>.</a:t>
+            </a:r>
+            <a:endParaRPr lang="en-US" sz="1400" dirty="0">
+              <a:solidFill>
+                <a:srgbClr val="100E0C"/>
+              </a:solidFill>
+              <a:latin typeface="Courier" pitchFamily="49" charset="0"/>
+            </a:endParaRPr>
+          </a:p>
+          <a:p>
+            <a:pPr>
+              <a:buNone/>
+            </a:pPr>
+            <a:r>
+              <a:rPr lang="en-US" sz="1400" dirty="0" smtClean="0">
+                <a:solidFill>
+                  <a:srgbClr val="7030A0"/>
+                </a:solidFill>
+                <a:latin typeface="Courier" pitchFamily="49" charset="0"/>
+              </a:rPr>
+              <a:t>250 </a:t>
+            </a:r>
+            <a:r>
+              <a:rPr lang="en-US" sz="1400" dirty="0">
+                <a:solidFill>
+                  <a:srgbClr val="7030A0"/>
+                </a:solidFill>
+                <a:latin typeface="Courier" pitchFamily="49" charset="0"/>
+              </a:rPr>
+              <a:t>769947 message accepted for delivery</a:t>
+            </a:r>
+          </a:p>
+          <a:p>
+            <a:pPr>
+              <a:buNone/>
+            </a:pPr>
+            <a:r>
+              <a:rPr lang="en-US" sz="1400" u="sng" dirty="0" smtClean="0">
+                <a:solidFill>
+                  <a:srgbClr val="100E0C"/>
+                </a:solidFill>
+                <a:latin typeface="Courier" pitchFamily="49" charset="0"/>
+              </a:rPr>
+              <a:t>QUIT</a:t>
+            </a:r>
+            <a:endParaRPr lang="en-US" sz="1400" u="sng" dirty="0">
+              <a:solidFill>
+                <a:srgbClr val="100E0C"/>
+              </a:solidFill>
+              <a:latin typeface="Courier" pitchFamily="49" charset="0"/>
+            </a:endParaRPr>
+          </a:p>
+          <a:p>
+            <a:pPr>
+              <a:buNone/>
+            </a:pPr>
+            <a:r>
+              <a:rPr lang="en-US" sz="1400" dirty="0" smtClean="0">
+                <a:solidFill>
+                  <a:srgbClr val="7030A0"/>
+                </a:solidFill>
+                <a:latin typeface="Courier" pitchFamily="49" charset="0"/>
+              </a:rPr>
+              <a:t>221 </a:t>
+            </a:r>
+            <a:r>
+              <a:rPr lang="en-US" sz="1400" dirty="0" err="1">
+                <a:solidFill>
+                  <a:srgbClr val="7030A0"/>
+                </a:solidFill>
+                <a:latin typeface="Courier" pitchFamily="49" charset="0"/>
+              </a:rPr>
+              <a:t>mail.company.tld</a:t>
+            </a:r>
+            <a:r>
+              <a:rPr lang="en-US" sz="1400" dirty="0">
+                <a:solidFill>
+                  <a:srgbClr val="7030A0"/>
+                </a:solidFill>
+                <a:latin typeface="Courier" pitchFamily="49" charset="0"/>
+              </a:rPr>
+              <a:t> </a:t>
+            </a:r>
+            <a:r>
+              <a:rPr lang="en-US" sz="1400" dirty="0" err="1">
+                <a:solidFill>
+                  <a:srgbClr val="7030A0"/>
+                </a:solidFill>
+                <a:latin typeface="Courier" pitchFamily="49" charset="0"/>
+              </a:rPr>
+              <a:t>CommuniGate</a:t>
+            </a:r>
+            <a:r>
+              <a:rPr lang="en-US" sz="1400" dirty="0">
+                <a:solidFill>
+                  <a:srgbClr val="7030A0"/>
+                </a:solidFill>
+                <a:latin typeface="Courier" pitchFamily="49" charset="0"/>
+              </a:rPr>
+              <a:t> Pro SMTP closing </a:t>
+            </a:r>
+            <a:r>
+              <a:rPr lang="en-US" sz="1400" dirty="0" smtClean="0">
+                <a:solidFill>
+                  <a:srgbClr val="7030A0"/>
+                </a:solidFill>
+                <a:latin typeface="Courier" pitchFamily="49" charset="0"/>
+              </a:rPr>
+              <a:t>connection</a:t>
+            </a:r>
+            <a:endParaRPr lang="en-US" sz="1400" dirty="0">
+              <a:solidFill>
+                <a:srgbClr val="7030A0"/>
+              </a:solidFill>
+              <a:latin typeface="Courier" pitchFamily="49" charset="0"/>
+            </a:endParaRPr>
+          </a:p>
+        </p:txBody>
+      </p:sp>
+    </p:spTree>
+    <p:extLst>
+      <p:ext uri="{BB962C8B-B14F-4D97-AF65-F5344CB8AC3E}">
+        <p14:creationId xmlns:p14="http://schemas.microsoft.com/office/powerpoint/2010/main" val="3024320283"/>
+      </p:ext>
+    </p:extLst>
+  </p:cSld>
+  <p:clrMapOvr>
+    <a:masterClrMapping/>
+  </p:clrMapOvr>
+  <p:timing>
+    <p:tnLst>
+      <p:par>
+        <p:cTn id="1" dur="indefinite" restart="never" nodeType="tmRoot"/>
+      </p:par>
+    </p:tnLst>
+  </p:timing>
+</p:sld>
+</file>
+
+<file path=ppt/slides/slide15.xml><?xml version="1.0" encoding="utf-8"?>
+<p:sld xmlns:a="http://schemas.openxmlformats.org/drawingml/2006/main" xmlns:r="http://schemas.openxmlformats.org/officeDocument/2006/relationships" xmlns:p="http://schemas.openxmlformats.org/presentationml/2006/main">
+  <p:cSld>
+    <p:spTree>
+      <p:nvGrpSpPr>
+        <p:cNvPr id="1" name=""/>
+        <p:cNvGrpSpPr/>
+        <p:nvPr/>
+      </p:nvGrpSpPr>
+      <p:grpSpPr>
+        <a:xfrm>
+          <a:off x="0" y="0"/>
+          <a:ext cx="0" cy="0"/>
+          <a:chOff x="0" y="0"/>
+          <a:chExt cx="0" cy="0"/>
+        </a:xfrm>
+      </p:grpSpPr>
+      <p:pic>
+        <p:nvPicPr>
+          <p:cNvPr id="21507" name="Picture 3" descr="Картинки по запросу pop3"/>
+          <p:cNvPicPr>
+            <a:picLocks noChangeAspect="1" noChangeArrowheads="1"/>
+          </p:cNvPicPr>
+          <p:nvPr/>
+        </p:nvPicPr>
+        <p:blipFill>
+          <a:blip r:embed="rId2">
+            <a:extLst>
+              <a:ext uri="{28A0092B-C50C-407E-A947-70E740481C1C}">
+                <a14:useLocalDpi xmlns:a14="http://schemas.microsoft.com/office/drawing/2010/main" val="0"/>
+              </a:ext>
+            </a:extLst>
+          </a:blip>
+          <a:srcRect/>
+          <a:stretch>
+            <a:fillRect/>
+          </a:stretch>
+        </p:blipFill>
+        <p:spPr bwMode="auto">
+          <a:xfrm>
+            <a:off x="3995936" y="3789040"/>
+            <a:ext cx="4997699" cy="2689846"/>
+          </a:xfrm>
+          <a:prstGeom prst="rect">
+            <a:avLst/>
+          </a:prstGeom>
+          <a:noFill/>
+          <a:extLst>
+            <a:ext uri="{909E8E84-426E-40DD-AFC4-6F175D3DCCD1}">
+              <a14:hiddenFill xmlns:a14="http://schemas.microsoft.com/office/drawing/2010/main">
+                <a:solidFill>
+                  <a:srgbClr val="FFFFFF"/>
+                </a:solidFill>
+              </a14:hiddenFill>
+            </a:ext>
+          </a:extLst>
+        </p:spPr>
+      </p:pic>
+      <p:sp>
+        <p:nvSpPr>
+          <p:cNvPr id="123" name="Заголовок 1"/>
+          <p:cNvSpPr txBox="1">
+            <a:spLocks/>
+          </p:cNvSpPr>
+          <p:nvPr/>
+        </p:nvSpPr>
+        <p:spPr>
+          <a:xfrm>
+            <a:off x="247353" y="692696"/>
+            <a:ext cx="8892480" cy="1008112"/>
+          </a:xfrm>
+          <a:prstGeom prst="rect">
+            <a:avLst/>
+          </a:prstGeom>
+        </p:spPr>
+        <p:txBody>
+          <a:bodyPr/>
+          <a:lstStyle>
+            <a:lvl1pPr algn="l" rtl="0" fontAlgn="base">
+              <a:spcBef>
+                <a:spcPct val="0"/>
+              </a:spcBef>
+              <a:spcAft>
+                <a:spcPct val="0"/>
+              </a:spcAft>
+              <a:defRPr sz="4400">
+                <a:solidFill>
+                  <a:schemeClr val="tx2"/>
+                </a:solidFill>
+                <a:latin typeface="+mj-lt"/>
+                <a:ea typeface="+mj-ea"/>
+                <a:cs typeface="+mj-cs"/>
+              </a:defRPr>
+            </a:lvl1pPr>
+            <a:lvl2pPr algn="l" rtl="0" fontAlgn="base">
+              <a:spcBef>
+                <a:spcPct val="0"/>
+              </a:spcBef>
+              <a:spcAft>
+                <a:spcPct val="0"/>
+              </a:spcAft>
+              <a:defRPr sz="4400">
+                <a:solidFill>
+                  <a:schemeClr val="tx2"/>
+                </a:solidFill>
+                <a:latin typeface="Times New Roman" pitchFamily="18" charset="0"/>
+              </a:defRPr>
+            </a:lvl2pPr>
+            <a:lvl3pPr algn="l" rtl="0" fontAlgn="base">
+              <a:spcBef>
+                <a:spcPct val="0"/>
+              </a:spcBef>
+              <a:spcAft>
+                <a:spcPct val="0"/>
+              </a:spcAft>
+              <a:defRPr sz="4400">
+                <a:solidFill>
+                  <a:schemeClr val="tx2"/>
+                </a:solidFill>
+                <a:latin typeface="Times New Roman" pitchFamily="18" charset="0"/>
+              </a:defRPr>
+            </a:lvl3pPr>
+            <a:lvl4pPr algn="l" rtl="0" fontAlgn="base">
+              <a:spcBef>
+                <a:spcPct val="0"/>
+              </a:spcBef>
+              <a:spcAft>
+                <a:spcPct val="0"/>
+              </a:spcAft>
+              <a:defRPr sz="4400">
+                <a:solidFill>
+                  <a:schemeClr val="tx2"/>
+                </a:solidFill>
+                <a:latin typeface="Times New Roman" pitchFamily="18" charset="0"/>
+              </a:defRPr>
+            </a:lvl4pPr>
+            <a:lvl5pPr algn="l" rtl="0" fontAlgn="base">
+              <a:spcBef>
+                <a:spcPct val="0"/>
+              </a:spcBef>
+              <a:spcAft>
+                <a:spcPct val="0"/>
+              </a:spcAft>
+              <a:defRPr sz="4400">
+                <a:solidFill>
+                  <a:schemeClr val="tx2"/>
+                </a:solidFill>
+                <a:latin typeface="Times New Roman" pitchFamily="18" charset="0"/>
+              </a:defRPr>
+            </a:lvl5pPr>
+            <a:lvl6pPr marL="457200" algn="l" rtl="0" fontAlgn="base">
+              <a:spcBef>
+                <a:spcPct val="0"/>
+              </a:spcBef>
+              <a:spcAft>
+                <a:spcPct val="0"/>
+              </a:spcAft>
+              <a:defRPr sz="4400">
+                <a:solidFill>
+                  <a:schemeClr val="tx2"/>
+                </a:solidFill>
+                <a:latin typeface="Times New Roman" pitchFamily="18" charset="0"/>
+              </a:defRPr>
+            </a:lvl6pPr>
+            <a:lvl7pPr marL="914400" algn="l" rtl="0" fontAlgn="base">
+              <a:spcBef>
+                <a:spcPct val="0"/>
+              </a:spcBef>
+              <a:spcAft>
+                <a:spcPct val="0"/>
+              </a:spcAft>
+              <a:defRPr sz="4400">
+                <a:solidFill>
+                  <a:schemeClr val="tx2"/>
+                </a:solidFill>
+                <a:latin typeface="Times New Roman" pitchFamily="18" charset="0"/>
+              </a:defRPr>
+            </a:lvl7pPr>
+            <a:lvl8pPr marL="1371600" algn="l" rtl="0" fontAlgn="base">
+              <a:spcBef>
+                <a:spcPct val="0"/>
+              </a:spcBef>
+              <a:spcAft>
+                <a:spcPct val="0"/>
+              </a:spcAft>
+              <a:defRPr sz="4400">
+                <a:solidFill>
+                  <a:schemeClr val="tx2"/>
+                </a:solidFill>
+                <a:latin typeface="Times New Roman" pitchFamily="18" charset="0"/>
+              </a:defRPr>
+            </a:lvl8pPr>
+            <a:lvl9pPr marL="1828800" algn="l" rtl="0" fontAlgn="base">
+              <a:spcBef>
+                <a:spcPct val="0"/>
+              </a:spcBef>
+              <a:spcAft>
+                <a:spcPct val="0"/>
+              </a:spcAft>
+              <a:defRPr sz="4400">
+                <a:solidFill>
+                  <a:schemeClr val="tx2"/>
+                </a:solidFill>
+                <a:latin typeface="Times New Roman" pitchFamily="18" charset="0"/>
+              </a:defRPr>
+            </a:lvl9pPr>
+          </a:lstStyle>
+          <a:p>
+            <a:pPr algn="ctr">
+              <a:buClrTx/>
+              <a:buSzTx/>
+              <a:buFontTx/>
+              <a:buNone/>
+            </a:pPr>
+            <a:r>
+              <a:rPr kumimoji="0" lang="en-US" altLang="ru-RU" b="1" kern="0" dirty="0" smtClean="0"/>
+              <a:t>POP3/IMAP: </a:t>
+            </a:r>
+            <a:r>
+              <a:rPr kumimoji="0" lang="ru-RU" altLang="ru-RU" b="1" kern="0" dirty="0" smtClean="0"/>
+              <a:t>получение почты</a:t>
+            </a:r>
+            <a:endParaRPr kumimoji="0" lang="ru-RU" altLang="ru-RU" b="1" kern="0" dirty="0" smtClean="0"/>
+          </a:p>
+        </p:txBody>
+      </p:sp>
+      <p:sp>
+        <p:nvSpPr>
+          <p:cNvPr id="5" name="TextBox 4"/>
+          <p:cNvSpPr txBox="1"/>
+          <p:nvPr/>
+        </p:nvSpPr>
+        <p:spPr>
+          <a:xfrm>
+            <a:off x="683568" y="1484784"/>
+            <a:ext cx="3885615" cy="5201424"/>
+          </a:xfrm>
+          <a:prstGeom prst="rect">
+            <a:avLst/>
+          </a:prstGeom>
+          <a:noFill/>
+        </p:spPr>
+        <p:txBody>
+          <a:bodyPr wrap="none" rtlCol="0">
+            <a:spAutoFit/>
+          </a:bodyPr>
+          <a:lstStyle/>
+          <a:p>
+            <a:r>
+              <a:rPr lang="en-US" dirty="0" smtClean="0"/>
+              <a:t>TCP/110</a:t>
+            </a:r>
+          </a:p>
+          <a:p>
+            <a:r>
+              <a:rPr lang="ru-RU" dirty="0" smtClean="0"/>
+              <a:t>Авторизация</a:t>
+            </a:r>
+          </a:p>
+          <a:p>
+            <a:pPr lvl="1"/>
+            <a:r>
+              <a:rPr lang="ru-RU" dirty="0" smtClean="0"/>
+              <a:t>Разные методы</a:t>
+            </a:r>
+          </a:p>
+          <a:p>
+            <a:pPr lvl="2"/>
+            <a:r>
+              <a:rPr lang="ru-RU" dirty="0" smtClean="0"/>
+              <a:t>Открытый пароль</a:t>
+            </a:r>
+          </a:p>
+          <a:p>
+            <a:pPr lvl="2"/>
+            <a:r>
+              <a:rPr lang="ru-RU" dirty="0" smtClean="0"/>
+              <a:t>Зашифрованный пароль</a:t>
+            </a:r>
+            <a:endParaRPr lang="en-US" dirty="0" smtClean="0"/>
+          </a:p>
+          <a:p>
+            <a:r>
+              <a:rPr lang="ru-RU" dirty="0" smtClean="0"/>
+              <a:t>Тот же формат сообщения</a:t>
+            </a:r>
+          </a:p>
+          <a:p>
+            <a:pPr lvl="1"/>
+            <a:r>
+              <a:rPr lang="ru-RU" dirty="0" smtClean="0"/>
+              <a:t>Заголовки</a:t>
+            </a:r>
+          </a:p>
+          <a:p>
+            <a:pPr lvl="1"/>
+            <a:r>
+              <a:rPr lang="ru-RU" dirty="0" smtClean="0"/>
+              <a:t>Тело письма</a:t>
+            </a:r>
+            <a:r>
+              <a:rPr lang="en-US" dirty="0" smtClean="0"/>
+              <a:t> / body</a:t>
+            </a:r>
+          </a:p>
+          <a:p>
+            <a:r>
+              <a:rPr lang="ru-RU" dirty="0" smtClean="0"/>
+              <a:t>Операции</a:t>
+            </a:r>
+          </a:p>
+          <a:p>
+            <a:pPr lvl="1"/>
+            <a:r>
+              <a:rPr lang="ru-RU" dirty="0" smtClean="0"/>
+              <a:t>Авторизация</a:t>
+            </a:r>
+          </a:p>
+          <a:p>
+            <a:pPr lvl="1"/>
+            <a:r>
+              <a:rPr lang="ru-RU" dirty="0" smtClean="0"/>
+              <a:t>Список сообщений</a:t>
+            </a:r>
+          </a:p>
+          <a:p>
+            <a:pPr lvl="1"/>
+            <a:r>
+              <a:rPr lang="ru-RU" dirty="0" smtClean="0"/>
+              <a:t>Просмотр сообщения</a:t>
+            </a:r>
+          </a:p>
+          <a:p>
+            <a:pPr lvl="1"/>
+            <a:r>
+              <a:rPr lang="ru-RU" dirty="0" smtClean="0"/>
+              <a:t>Удаление сообщения</a:t>
+            </a:r>
+          </a:p>
+          <a:p>
+            <a:pPr lvl="1"/>
+            <a:r>
+              <a:rPr lang="ru-RU" dirty="0" smtClean="0"/>
+              <a:t>Прочее</a:t>
+            </a:r>
+          </a:p>
+        </p:txBody>
+      </p:sp>
+    </p:spTree>
+    <p:extLst>
+      <p:ext uri="{BB962C8B-B14F-4D97-AF65-F5344CB8AC3E}">
+        <p14:creationId xmlns:p14="http://schemas.microsoft.com/office/powerpoint/2010/main" val="2527133537"/>
+      </p:ext>
+    </p:extLst>
+  </p:cSld>
+  <p:clrMapOvr>
+    <a:masterClrMapping/>
+  </p:clrMapOvr>
+  <p:timing>
+    <p:tnLst>
+      <p:par>
+        <p:cTn id="1" dur="indefinite" restart="never" nodeType="tmRoot"/>
+      </p:par>
+    </p:tnLst>
+  </p:timing>
+</p:sld>
+</file>
+
+<file path=ppt/slides/slide16.xml><?xml version="1.0" encoding="utf-8"?>
+<p:sld xmlns:a="http://schemas.openxmlformats.org/drawingml/2006/main" xmlns:r="http://schemas.openxmlformats.org/officeDocument/2006/relationships" xmlns:p="http://schemas.openxmlformats.org/presentationml/2006/main">
+  <p:cSld>
+    <p:spTree>
+      <p:nvGrpSpPr>
+        <p:cNvPr id="1" name=""/>
+        <p:cNvGrpSpPr/>
+        <p:nvPr/>
+      </p:nvGrpSpPr>
+      <p:grpSpPr>
+        <a:xfrm>
+          <a:off x="0" y="0"/>
+          <a:ext cx="0" cy="0"/>
+          <a:chOff x="0" y="0"/>
+          <a:chExt cx="0" cy="0"/>
+        </a:xfrm>
+      </p:grpSpPr>
+      <p:sp>
+        <p:nvSpPr>
+          <p:cNvPr id="123" name="Заголовок 1"/>
+          <p:cNvSpPr txBox="1">
+            <a:spLocks/>
+          </p:cNvSpPr>
+          <p:nvPr/>
+        </p:nvSpPr>
+        <p:spPr>
+          <a:xfrm>
+            <a:off x="251520" y="116632"/>
+            <a:ext cx="8892480" cy="1008112"/>
+          </a:xfrm>
+          <a:prstGeom prst="rect">
+            <a:avLst/>
+          </a:prstGeom>
+        </p:spPr>
+        <p:txBody>
+          <a:bodyPr/>
+          <a:lstStyle>
+            <a:lvl1pPr algn="l" rtl="0" fontAlgn="base">
+              <a:spcBef>
+                <a:spcPct val="0"/>
+              </a:spcBef>
+              <a:spcAft>
+                <a:spcPct val="0"/>
+              </a:spcAft>
+              <a:defRPr sz="4400">
+                <a:solidFill>
+                  <a:schemeClr val="tx2"/>
+                </a:solidFill>
+                <a:latin typeface="+mj-lt"/>
+                <a:ea typeface="+mj-ea"/>
+                <a:cs typeface="+mj-cs"/>
+              </a:defRPr>
+            </a:lvl1pPr>
+            <a:lvl2pPr algn="l" rtl="0" fontAlgn="base">
+              <a:spcBef>
+                <a:spcPct val="0"/>
+              </a:spcBef>
+              <a:spcAft>
+                <a:spcPct val="0"/>
+              </a:spcAft>
+              <a:defRPr sz="4400">
+                <a:solidFill>
+                  <a:schemeClr val="tx2"/>
+                </a:solidFill>
+                <a:latin typeface="Times New Roman" pitchFamily="18" charset="0"/>
+              </a:defRPr>
+            </a:lvl2pPr>
+            <a:lvl3pPr algn="l" rtl="0" fontAlgn="base">
+              <a:spcBef>
+                <a:spcPct val="0"/>
+              </a:spcBef>
+              <a:spcAft>
+                <a:spcPct val="0"/>
+              </a:spcAft>
+              <a:defRPr sz="4400">
+                <a:solidFill>
+                  <a:schemeClr val="tx2"/>
+                </a:solidFill>
+                <a:latin typeface="Times New Roman" pitchFamily="18" charset="0"/>
+              </a:defRPr>
+            </a:lvl3pPr>
+            <a:lvl4pPr algn="l" rtl="0" fontAlgn="base">
+              <a:spcBef>
+                <a:spcPct val="0"/>
+              </a:spcBef>
+              <a:spcAft>
+                <a:spcPct val="0"/>
+              </a:spcAft>
+              <a:defRPr sz="4400">
+                <a:solidFill>
+                  <a:schemeClr val="tx2"/>
+                </a:solidFill>
+                <a:latin typeface="Times New Roman" pitchFamily="18" charset="0"/>
+              </a:defRPr>
+            </a:lvl4pPr>
+            <a:lvl5pPr algn="l" rtl="0" fontAlgn="base">
+              <a:spcBef>
+                <a:spcPct val="0"/>
+              </a:spcBef>
+              <a:spcAft>
+                <a:spcPct val="0"/>
+              </a:spcAft>
+              <a:defRPr sz="4400">
+                <a:solidFill>
+                  <a:schemeClr val="tx2"/>
+                </a:solidFill>
+                <a:latin typeface="Times New Roman" pitchFamily="18" charset="0"/>
+              </a:defRPr>
+            </a:lvl5pPr>
+            <a:lvl6pPr marL="457200" algn="l" rtl="0" fontAlgn="base">
+              <a:spcBef>
+                <a:spcPct val="0"/>
+              </a:spcBef>
+              <a:spcAft>
+                <a:spcPct val="0"/>
+              </a:spcAft>
+              <a:defRPr sz="4400">
+                <a:solidFill>
+                  <a:schemeClr val="tx2"/>
+                </a:solidFill>
+                <a:latin typeface="Times New Roman" pitchFamily="18" charset="0"/>
+              </a:defRPr>
+            </a:lvl6pPr>
+            <a:lvl7pPr marL="914400" algn="l" rtl="0" fontAlgn="base">
+              <a:spcBef>
+                <a:spcPct val="0"/>
+              </a:spcBef>
+              <a:spcAft>
+                <a:spcPct val="0"/>
+              </a:spcAft>
+              <a:defRPr sz="4400">
+                <a:solidFill>
+                  <a:schemeClr val="tx2"/>
+                </a:solidFill>
+                <a:latin typeface="Times New Roman" pitchFamily="18" charset="0"/>
+              </a:defRPr>
+            </a:lvl7pPr>
+            <a:lvl8pPr marL="1371600" algn="l" rtl="0" fontAlgn="base">
+              <a:spcBef>
+                <a:spcPct val="0"/>
+              </a:spcBef>
+              <a:spcAft>
+                <a:spcPct val="0"/>
+              </a:spcAft>
+              <a:defRPr sz="4400">
+                <a:solidFill>
+                  <a:schemeClr val="tx2"/>
+                </a:solidFill>
+                <a:latin typeface="Times New Roman" pitchFamily="18" charset="0"/>
+              </a:defRPr>
+            </a:lvl8pPr>
+            <a:lvl9pPr marL="1828800" algn="l" rtl="0" fontAlgn="base">
+              <a:spcBef>
+                <a:spcPct val="0"/>
+              </a:spcBef>
+              <a:spcAft>
+                <a:spcPct val="0"/>
+              </a:spcAft>
+              <a:defRPr sz="4400">
+                <a:solidFill>
+                  <a:schemeClr val="tx2"/>
+                </a:solidFill>
+                <a:latin typeface="Times New Roman" pitchFamily="18" charset="0"/>
+              </a:defRPr>
+            </a:lvl9pPr>
+          </a:lstStyle>
+          <a:p>
+            <a:pPr algn="ctr">
+              <a:buClrTx/>
+              <a:buSzTx/>
+              <a:buFontTx/>
+              <a:buNone/>
+            </a:pPr>
+            <a:r>
+              <a:rPr kumimoji="0" lang="en-US" altLang="ru-RU" b="1" kern="0" dirty="0" smtClean="0"/>
+              <a:t>POP3</a:t>
+            </a:r>
+            <a:endParaRPr kumimoji="0" lang="ru-RU" altLang="ru-RU" b="1" kern="0" dirty="0" smtClean="0"/>
+          </a:p>
+        </p:txBody>
+      </p:sp>
+      <p:sp>
+        <p:nvSpPr>
+          <p:cNvPr id="3" name="TextBox 2"/>
+          <p:cNvSpPr txBox="1"/>
+          <p:nvPr/>
+        </p:nvSpPr>
+        <p:spPr>
+          <a:xfrm>
+            <a:off x="611560" y="836712"/>
+            <a:ext cx="5904656" cy="5816977"/>
+          </a:xfrm>
+          <a:prstGeom prst="rect">
+            <a:avLst/>
+          </a:prstGeom>
+          <a:noFill/>
+        </p:spPr>
+        <p:txBody>
+          <a:bodyPr wrap="square" rtlCol="0">
+            <a:spAutoFit/>
+          </a:bodyPr>
+          <a:lstStyle/>
+          <a:p>
+            <a:pPr>
+              <a:buNone/>
+            </a:pPr>
+            <a:r>
+              <a:rPr lang="en-US" sz="1200" dirty="0" smtClean="0">
+                <a:latin typeface="Courier" pitchFamily="49" charset="0"/>
+              </a:rPr>
+              <a:t>S: </a:t>
+            </a:r>
+            <a:r>
+              <a:rPr lang="en-US" sz="1200" dirty="0" smtClean="0">
+                <a:solidFill>
+                  <a:srgbClr val="7030A0"/>
+                </a:solidFill>
+                <a:latin typeface="Courier" pitchFamily="49" charset="0"/>
+              </a:rPr>
+              <a:t>+OK </a:t>
+            </a:r>
+            <a:r>
+              <a:rPr lang="en-US" sz="1200" dirty="0">
+                <a:solidFill>
+                  <a:srgbClr val="7030A0"/>
+                </a:solidFill>
+                <a:latin typeface="Courier" pitchFamily="49" charset="0"/>
+              </a:rPr>
+              <a:t>POP3 server ready </a:t>
+            </a:r>
+            <a:r>
+              <a:rPr lang="en-US" sz="1200" dirty="0" smtClean="0">
+                <a:solidFill>
+                  <a:srgbClr val="7030A0"/>
+                </a:solidFill>
+                <a:latin typeface="Courier" pitchFamily="49" charset="0"/>
+              </a:rPr>
+              <a:t>1896.697170952@dbc.mtview.ca.us</a:t>
+            </a:r>
+          </a:p>
+          <a:p>
+            <a:pPr>
+              <a:buNone/>
+            </a:pPr>
+            <a:r>
+              <a:rPr lang="en-US" sz="1200" dirty="0">
+                <a:latin typeface="Courier" pitchFamily="49" charset="0"/>
+              </a:rPr>
+              <a:t>C: </a:t>
+            </a:r>
+            <a:r>
+              <a:rPr lang="en-US" sz="1200" u="sng" dirty="0" smtClean="0">
+                <a:latin typeface="Courier" pitchFamily="49" charset="0"/>
+              </a:rPr>
+              <a:t>USER</a:t>
+            </a:r>
+            <a:r>
+              <a:rPr lang="en-US" sz="1200" dirty="0" smtClean="0">
+                <a:latin typeface="Courier" pitchFamily="49" charset="0"/>
+              </a:rPr>
+              <a:t> </a:t>
+            </a:r>
+            <a:r>
+              <a:rPr lang="en-US" sz="1200" dirty="0" err="1">
+                <a:latin typeface="Courier" pitchFamily="49" charset="0"/>
+              </a:rPr>
+              <a:t>mrose</a:t>
+            </a:r>
+            <a:endParaRPr lang="en-US" sz="1200" dirty="0">
+              <a:latin typeface="Courier" pitchFamily="49" charset="0"/>
+            </a:endParaRPr>
+          </a:p>
+          <a:p>
+            <a:pPr>
+              <a:buNone/>
+            </a:pPr>
+            <a:r>
+              <a:rPr lang="en-US" sz="1200" dirty="0">
+                <a:latin typeface="Courier" pitchFamily="49" charset="0"/>
+              </a:rPr>
+              <a:t>S  </a:t>
+            </a:r>
+            <a:r>
+              <a:rPr lang="en-US" sz="1200" dirty="0" smtClean="0">
+                <a:solidFill>
+                  <a:srgbClr val="7030A0"/>
+                </a:solidFill>
+                <a:latin typeface="Courier" pitchFamily="49" charset="0"/>
+              </a:rPr>
+              <a:t>+</a:t>
+            </a:r>
+            <a:r>
+              <a:rPr lang="en-US" sz="1200" dirty="0">
+                <a:solidFill>
+                  <a:srgbClr val="7030A0"/>
+                </a:solidFill>
+                <a:latin typeface="Courier" pitchFamily="49" charset="0"/>
+              </a:rPr>
+              <a:t>OK User accepted</a:t>
+            </a:r>
+          </a:p>
+          <a:p>
+            <a:pPr>
+              <a:buNone/>
+            </a:pPr>
+            <a:r>
+              <a:rPr lang="en-US" sz="1200" dirty="0">
+                <a:latin typeface="Courier" pitchFamily="49" charset="0"/>
+              </a:rPr>
+              <a:t>C: </a:t>
+            </a:r>
+            <a:r>
+              <a:rPr lang="en-US" sz="1200" u="sng" dirty="0" smtClean="0">
+                <a:latin typeface="Courier" pitchFamily="49" charset="0"/>
+              </a:rPr>
+              <a:t>PASS</a:t>
+            </a:r>
+            <a:r>
+              <a:rPr lang="en-US" sz="1200" dirty="0" smtClean="0">
+                <a:latin typeface="Courier" pitchFamily="49" charset="0"/>
+              </a:rPr>
+              <a:t> </a:t>
+            </a:r>
+            <a:r>
+              <a:rPr lang="en-US" sz="1200" dirty="0" err="1">
+                <a:latin typeface="Courier" pitchFamily="49" charset="0"/>
+              </a:rPr>
+              <a:t>mrosepassword</a:t>
+            </a:r>
+            <a:endParaRPr lang="en-US" sz="1200" dirty="0">
+              <a:latin typeface="Courier" pitchFamily="49" charset="0"/>
+            </a:endParaRPr>
+          </a:p>
+          <a:p>
+            <a:pPr>
+              <a:buNone/>
+            </a:pPr>
+            <a:r>
+              <a:rPr lang="en-US" sz="1200" dirty="0">
+                <a:latin typeface="Courier" pitchFamily="49" charset="0"/>
+              </a:rPr>
+              <a:t>S  </a:t>
+            </a:r>
+            <a:r>
+              <a:rPr lang="en-US" sz="1200" dirty="0" smtClean="0">
+                <a:solidFill>
+                  <a:srgbClr val="7030A0"/>
+                </a:solidFill>
+                <a:latin typeface="Courier" pitchFamily="49" charset="0"/>
+              </a:rPr>
+              <a:t>+</a:t>
+            </a:r>
+            <a:r>
+              <a:rPr lang="en-US" sz="1200" dirty="0">
+                <a:solidFill>
+                  <a:srgbClr val="7030A0"/>
+                </a:solidFill>
+                <a:latin typeface="Courier" pitchFamily="49" charset="0"/>
+              </a:rPr>
+              <a:t>OK Pass </a:t>
+            </a:r>
+            <a:r>
+              <a:rPr lang="en-US" sz="1200" dirty="0" smtClean="0">
+                <a:solidFill>
+                  <a:srgbClr val="7030A0"/>
+                </a:solidFill>
+                <a:latin typeface="Courier" pitchFamily="49" charset="0"/>
+              </a:rPr>
+              <a:t>accepted</a:t>
+            </a:r>
+          </a:p>
+          <a:p>
+            <a:pPr>
+              <a:buNone/>
+            </a:pPr>
+            <a:r>
+              <a:rPr lang="en-US" sz="1200" dirty="0" smtClean="0">
+                <a:latin typeface="Courier" pitchFamily="49" charset="0"/>
+              </a:rPr>
+              <a:t>C</a:t>
+            </a:r>
+            <a:r>
+              <a:rPr lang="en-US" sz="1200" dirty="0">
+                <a:latin typeface="Courier" pitchFamily="49" charset="0"/>
+              </a:rPr>
+              <a:t>: </a:t>
+            </a:r>
+            <a:r>
+              <a:rPr lang="en-US" sz="1200" u="sng" dirty="0">
+                <a:latin typeface="Courier" pitchFamily="49" charset="0"/>
+              </a:rPr>
+              <a:t>STAT </a:t>
+            </a:r>
+          </a:p>
+          <a:p>
+            <a:pPr>
+              <a:buNone/>
+            </a:pPr>
+            <a:r>
+              <a:rPr lang="en-US" sz="1200" dirty="0" smtClean="0">
+                <a:latin typeface="Courier" pitchFamily="49" charset="0"/>
+              </a:rPr>
+              <a:t>S</a:t>
+            </a:r>
+            <a:r>
+              <a:rPr lang="en-US" sz="1200" dirty="0">
+                <a:latin typeface="Courier" pitchFamily="49" charset="0"/>
+              </a:rPr>
+              <a:t>: </a:t>
+            </a:r>
+            <a:r>
+              <a:rPr lang="en-US" sz="1200" dirty="0">
+                <a:solidFill>
+                  <a:srgbClr val="7030A0"/>
+                </a:solidFill>
+                <a:latin typeface="Courier" pitchFamily="49" charset="0"/>
+              </a:rPr>
+              <a:t>+OK 2 </a:t>
+            </a:r>
+            <a:r>
+              <a:rPr lang="en-US" sz="1200" dirty="0" smtClean="0">
+                <a:solidFill>
+                  <a:srgbClr val="7030A0"/>
+                </a:solidFill>
+                <a:latin typeface="Courier" pitchFamily="49" charset="0"/>
+              </a:rPr>
+              <a:t>320 </a:t>
+            </a:r>
+          </a:p>
+          <a:p>
+            <a:pPr>
+              <a:buNone/>
+            </a:pPr>
+            <a:r>
+              <a:rPr lang="en-US" sz="1200" dirty="0" smtClean="0">
+                <a:latin typeface="Courier" pitchFamily="49" charset="0"/>
+              </a:rPr>
+              <a:t>C</a:t>
+            </a:r>
+            <a:r>
+              <a:rPr lang="en-US" sz="1200" dirty="0">
+                <a:latin typeface="Courier" pitchFamily="49" charset="0"/>
+              </a:rPr>
+              <a:t>: </a:t>
+            </a:r>
+            <a:r>
+              <a:rPr lang="en-US" sz="1200" u="sng" dirty="0">
+                <a:latin typeface="Courier" pitchFamily="49" charset="0"/>
+              </a:rPr>
+              <a:t>LIST </a:t>
+            </a:r>
+            <a:endParaRPr lang="en-US" sz="1200" u="sng" dirty="0" smtClean="0">
+              <a:latin typeface="Courier" pitchFamily="49" charset="0"/>
+            </a:endParaRPr>
+          </a:p>
+          <a:p>
+            <a:pPr>
+              <a:buNone/>
+            </a:pPr>
+            <a:r>
+              <a:rPr lang="en-US" sz="1200" dirty="0" smtClean="0">
+                <a:latin typeface="Courier" pitchFamily="49" charset="0"/>
+              </a:rPr>
+              <a:t>S</a:t>
+            </a:r>
+            <a:r>
+              <a:rPr lang="en-US" sz="1200" dirty="0">
+                <a:latin typeface="Courier" pitchFamily="49" charset="0"/>
+              </a:rPr>
+              <a:t>: </a:t>
+            </a:r>
+            <a:r>
+              <a:rPr lang="en-US" sz="1200" dirty="0">
+                <a:solidFill>
+                  <a:srgbClr val="7030A0"/>
+                </a:solidFill>
+                <a:latin typeface="Courier" pitchFamily="49" charset="0"/>
+              </a:rPr>
+              <a:t>+OK 2 messages (320 octets) </a:t>
+            </a:r>
+            <a:endParaRPr lang="en-US" sz="1200" dirty="0" smtClean="0">
+              <a:solidFill>
+                <a:srgbClr val="7030A0"/>
+              </a:solidFill>
+              <a:latin typeface="Courier" pitchFamily="49" charset="0"/>
+            </a:endParaRPr>
+          </a:p>
+          <a:p>
+            <a:pPr>
+              <a:buNone/>
+            </a:pPr>
+            <a:r>
+              <a:rPr lang="en-US" sz="1200" dirty="0" smtClean="0">
+                <a:latin typeface="Courier" pitchFamily="49" charset="0"/>
+              </a:rPr>
+              <a:t>S</a:t>
+            </a:r>
+            <a:r>
+              <a:rPr lang="en-US" sz="1200" dirty="0">
+                <a:latin typeface="Courier" pitchFamily="49" charset="0"/>
+              </a:rPr>
+              <a:t>: 1 120 </a:t>
+            </a:r>
+            <a:endParaRPr lang="en-US" sz="1200" dirty="0" smtClean="0">
+              <a:latin typeface="Courier" pitchFamily="49" charset="0"/>
+            </a:endParaRPr>
+          </a:p>
+          <a:p>
+            <a:pPr>
+              <a:buNone/>
+            </a:pPr>
+            <a:r>
+              <a:rPr lang="en-US" sz="1200" dirty="0" smtClean="0">
+                <a:latin typeface="Courier" pitchFamily="49" charset="0"/>
+              </a:rPr>
+              <a:t>S</a:t>
+            </a:r>
+            <a:r>
+              <a:rPr lang="en-US" sz="1200" dirty="0">
+                <a:latin typeface="Courier" pitchFamily="49" charset="0"/>
+              </a:rPr>
+              <a:t>: 2 200 </a:t>
+            </a:r>
+            <a:endParaRPr lang="en-US" sz="1200" dirty="0" smtClean="0">
+              <a:latin typeface="Courier" pitchFamily="49" charset="0"/>
+            </a:endParaRPr>
+          </a:p>
+          <a:p>
+            <a:pPr>
+              <a:buNone/>
+            </a:pPr>
+            <a:r>
+              <a:rPr lang="en-US" sz="1200" dirty="0" smtClean="0">
+                <a:latin typeface="Courier" pitchFamily="49" charset="0"/>
+              </a:rPr>
+              <a:t>S</a:t>
+            </a:r>
+            <a:r>
+              <a:rPr lang="en-US" sz="1200" dirty="0">
+                <a:latin typeface="Courier" pitchFamily="49" charset="0"/>
+              </a:rPr>
+              <a:t>: </a:t>
+            </a:r>
+            <a:r>
+              <a:rPr lang="en-US" sz="1200" dirty="0">
+                <a:solidFill>
+                  <a:srgbClr val="7030A0"/>
+                </a:solidFill>
+                <a:latin typeface="Courier" pitchFamily="49" charset="0"/>
+              </a:rPr>
+              <a:t>. </a:t>
+            </a:r>
+            <a:endParaRPr lang="en-US" sz="1200" dirty="0" smtClean="0">
+              <a:solidFill>
+                <a:srgbClr val="7030A0"/>
+              </a:solidFill>
+              <a:latin typeface="Courier" pitchFamily="49" charset="0"/>
+            </a:endParaRPr>
+          </a:p>
+          <a:p>
+            <a:pPr>
+              <a:buNone/>
+            </a:pPr>
+            <a:r>
+              <a:rPr lang="en-US" sz="1200" dirty="0" smtClean="0">
+                <a:latin typeface="Courier" pitchFamily="49" charset="0"/>
+              </a:rPr>
+              <a:t>C</a:t>
+            </a:r>
+            <a:r>
+              <a:rPr lang="en-US" sz="1200" dirty="0">
+                <a:latin typeface="Courier" pitchFamily="49" charset="0"/>
+              </a:rPr>
+              <a:t>: </a:t>
+            </a:r>
+            <a:r>
+              <a:rPr lang="en-US" sz="1200" u="sng" dirty="0">
+                <a:latin typeface="Courier" pitchFamily="49" charset="0"/>
+              </a:rPr>
+              <a:t>RETR</a:t>
+            </a:r>
+            <a:r>
+              <a:rPr lang="en-US" sz="1200" dirty="0">
+                <a:latin typeface="Courier" pitchFamily="49" charset="0"/>
+              </a:rPr>
+              <a:t> 1 </a:t>
+            </a:r>
+            <a:endParaRPr lang="en-US" sz="1200" dirty="0" smtClean="0">
+              <a:latin typeface="Courier" pitchFamily="49" charset="0"/>
+            </a:endParaRPr>
+          </a:p>
+          <a:p>
+            <a:pPr>
+              <a:buNone/>
+            </a:pPr>
+            <a:r>
+              <a:rPr lang="en-US" sz="1200" dirty="0" smtClean="0">
+                <a:latin typeface="Courier" pitchFamily="49" charset="0"/>
+              </a:rPr>
+              <a:t>S</a:t>
+            </a:r>
+            <a:r>
+              <a:rPr lang="en-US" sz="1200" dirty="0">
+                <a:latin typeface="Courier" pitchFamily="49" charset="0"/>
+              </a:rPr>
+              <a:t>: </a:t>
+            </a:r>
+            <a:r>
+              <a:rPr lang="en-US" sz="1200" dirty="0">
+                <a:solidFill>
+                  <a:srgbClr val="7030A0"/>
+                </a:solidFill>
+                <a:latin typeface="Courier" pitchFamily="49" charset="0"/>
+              </a:rPr>
+              <a:t>+OK 120 octets </a:t>
+            </a:r>
+            <a:endParaRPr lang="en-US" sz="1200" dirty="0" smtClean="0">
+              <a:solidFill>
+                <a:srgbClr val="7030A0"/>
+              </a:solidFill>
+              <a:latin typeface="Courier" pitchFamily="49" charset="0"/>
+            </a:endParaRPr>
+          </a:p>
+          <a:p>
+            <a:pPr>
+              <a:buNone/>
+            </a:pPr>
+            <a:r>
+              <a:rPr lang="en-US" sz="1200" dirty="0" smtClean="0">
+                <a:latin typeface="Courier" pitchFamily="49" charset="0"/>
+              </a:rPr>
+              <a:t>S</a:t>
+            </a:r>
+            <a:r>
+              <a:rPr lang="en-US" sz="1200" dirty="0">
+                <a:latin typeface="Courier" pitchFamily="49" charset="0"/>
+              </a:rPr>
+              <a:t>: </a:t>
+            </a:r>
+            <a:r>
+              <a:rPr lang="en-US" sz="1200" dirty="0">
+                <a:solidFill>
+                  <a:srgbClr val="7030A0"/>
+                </a:solidFill>
+                <a:latin typeface="Courier" pitchFamily="49" charset="0"/>
+              </a:rPr>
+              <a:t>&lt;</a:t>
+            </a:r>
+            <a:r>
+              <a:rPr lang="ru-RU" sz="1200" dirty="0">
+                <a:solidFill>
+                  <a:srgbClr val="7030A0"/>
+                </a:solidFill>
+              </a:rPr>
+              <a:t>сервер передаёт сообщение 1&gt; </a:t>
+            </a:r>
+            <a:endParaRPr lang="en-US" sz="1200" dirty="0" smtClean="0">
+              <a:solidFill>
+                <a:srgbClr val="7030A0"/>
+              </a:solidFill>
+            </a:endParaRPr>
+          </a:p>
+          <a:p>
+            <a:pPr>
+              <a:buNone/>
+            </a:pPr>
+            <a:r>
+              <a:rPr lang="en-US" sz="1200" dirty="0" smtClean="0">
+                <a:latin typeface="Courier" pitchFamily="49" charset="0"/>
+              </a:rPr>
+              <a:t>S</a:t>
+            </a:r>
+            <a:r>
+              <a:rPr lang="en-US" sz="1200" dirty="0">
+                <a:latin typeface="Courier" pitchFamily="49" charset="0"/>
+              </a:rPr>
+              <a:t>: </a:t>
+            </a:r>
+            <a:r>
+              <a:rPr lang="en-US" sz="1200" dirty="0">
+                <a:solidFill>
+                  <a:srgbClr val="7030A0"/>
+                </a:solidFill>
+                <a:latin typeface="Courier" pitchFamily="49" charset="0"/>
+              </a:rPr>
+              <a:t>. </a:t>
+            </a:r>
+            <a:endParaRPr lang="en-US" sz="1200" dirty="0" smtClean="0">
+              <a:solidFill>
+                <a:srgbClr val="7030A0"/>
+              </a:solidFill>
+              <a:latin typeface="Courier" pitchFamily="49" charset="0"/>
+            </a:endParaRPr>
+          </a:p>
+          <a:p>
+            <a:pPr>
+              <a:buNone/>
+            </a:pPr>
+            <a:r>
+              <a:rPr lang="en-US" sz="1200" dirty="0" smtClean="0">
+                <a:latin typeface="Courier" pitchFamily="49" charset="0"/>
+              </a:rPr>
+              <a:t>C</a:t>
+            </a:r>
+            <a:r>
+              <a:rPr lang="en-US" sz="1200" dirty="0">
+                <a:latin typeface="Courier" pitchFamily="49" charset="0"/>
+              </a:rPr>
+              <a:t>: </a:t>
+            </a:r>
+            <a:r>
+              <a:rPr lang="en-US" sz="1200" u="sng" dirty="0">
+                <a:latin typeface="Courier" pitchFamily="49" charset="0"/>
+              </a:rPr>
+              <a:t>DELE</a:t>
+            </a:r>
+            <a:r>
+              <a:rPr lang="en-US" sz="1200" dirty="0">
+                <a:latin typeface="Courier" pitchFamily="49" charset="0"/>
+              </a:rPr>
+              <a:t> 1 </a:t>
+            </a:r>
+            <a:endParaRPr lang="en-US" sz="1200" dirty="0" smtClean="0">
+              <a:latin typeface="Courier" pitchFamily="49" charset="0"/>
+            </a:endParaRPr>
+          </a:p>
+          <a:p>
+            <a:pPr>
+              <a:buNone/>
+            </a:pPr>
+            <a:r>
+              <a:rPr lang="en-US" sz="1200" dirty="0" smtClean="0">
+                <a:latin typeface="Courier" pitchFamily="49" charset="0"/>
+              </a:rPr>
+              <a:t>S</a:t>
+            </a:r>
+            <a:r>
+              <a:rPr lang="en-US" sz="1200" dirty="0">
+                <a:latin typeface="Courier" pitchFamily="49" charset="0"/>
+              </a:rPr>
+              <a:t>: </a:t>
+            </a:r>
+            <a:r>
+              <a:rPr lang="en-US" sz="1200" dirty="0">
+                <a:solidFill>
+                  <a:srgbClr val="7030A0"/>
+                </a:solidFill>
+                <a:latin typeface="Courier" pitchFamily="49" charset="0"/>
+              </a:rPr>
+              <a:t>+OK message 1 deleted </a:t>
+            </a:r>
+            <a:endParaRPr lang="en-US" sz="1200" dirty="0" smtClean="0">
+              <a:solidFill>
+                <a:srgbClr val="7030A0"/>
+              </a:solidFill>
+              <a:latin typeface="Courier" pitchFamily="49" charset="0"/>
+            </a:endParaRPr>
+          </a:p>
+          <a:p>
+            <a:pPr>
+              <a:buNone/>
+            </a:pPr>
+            <a:r>
+              <a:rPr lang="en-US" sz="1200" dirty="0" smtClean="0">
+                <a:latin typeface="Courier" pitchFamily="49" charset="0"/>
+              </a:rPr>
+              <a:t>C</a:t>
+            </a:r>
+            <a:r>
+              <a:rPr lang="en-US" sz="1200" dirty="0">
+                <a:latin typeface="Courier" pitchFamily="49" charset="0"/>
+              </a:rPr>
+              <a:t>: </a:t>
+            </a:r>
+            <a:r>
+              <a:rPr lang="en-US" sz="1200" u="sng" dirty="0">
+                <a:latin typeface="Courier" pitchFamily="49" charset="0"/>
+              </a:rPr>
+              <a:t>RETR</a:t>
+            </a:r>
+            <a:r>
+              <a:rPr lang="en-US" sz="1200" dirty="0">
+                <a:latin typeface="Courier" pitchFamily="49" charset="0"/>
+              </a:rPr>
+              <a:t> </a:t>
+            </a:r>
+            <a:r>
+              <a:rPr lang="en-US" sz="1200" dirty="0" smtClean="0">
+                <a:latin typeface="Courier" pitchFamily="49" charset="0"/>
+              </a:rPr>
+              <a:t>2 </a:t>
+            </a:r>
+          </a:p>
+          <a:p>
+            <a:pPr>
+              <a:buNone/>
+            </a:pPr>
+            <a:r>
+              <a:rPr lang="en-US" sz="1200" dirty="0" smtClean="0">
+                <a:latin typeface="Courier" pitchFamily="49" charset="0"/>
+              </a:rPr>
+              <a:t>S</a:t>
+            </a:r>
+            <a:r>
+              <a:rPr lang="en-US" sz="1200" dirty="0">
+                <a:latin typeface="Courier" pitchFamily="49" charset="0"/>
+              </a:rPr>
+              <a:t>: </a:t>
+            </a:r>
+            <a:r>
+              <a:rPr lang="en-US" sz="1200" dirty="0">
+                <a:solidFill>
+                  <a:srgbClr val="7030A0"/>
+                </a:solidFill>
+                <a:latin typeface="Courier" pitchFamily="49" charset="0"/>
+              </a:rPr>
+              <a:t>+OK 200 octets </a:t>
+            </a:r>
+            <a:endParaRPr lang="en-US" sz="1200" dirty="0" smtClean="0">
+              <a:solidFill>
+                <a:srgbClr val="7030A0"/>
+              </a:solidFill>
+              <a:latin typeface="Courier" pitchFamily="49" charset="0"/>
+            </a:endParaRPr>
+          </a:p>
+          <a:p>
+            <a:pPr>
+              <a:buNone/>
+            </a:pPr>
+            <a:r>
+              <a:rPr lang="en-US" sz="1200" dirty="0" smtClean="0">
+                <a:latin typeface="Courier" pitchFamily="49" charset="0"/>
+              </a:rPr>
+              <a:t>S</a:t>
+            </a:r>
+            <a:r>
+              <a:rPr lang="en-US" sz="1200" dirty="0">
+                <a:latin typeface="Courier" pitchFamily="49" charset="0"/>
+              </a:rPr>
+              <a:t>: </a:t>
+            </a:r>
+            <a:r>
+              <a:rPr lang="en-US" sz="1200" dirty="0">
+                <a:solidFill>
+                  <a:srgbClr val="7030A0"/>
+                </a:solidFill>
+                <a:latin typeface="Courier" pitchFamily="49" charset="0"/>
+              </a:rPr>
+              <a:t>&lt;</a:t>
+            </a:r>
+            <a:r>
+              <a:rPr lang="ru-RU" sz="1200" dirty="0">
+                <a:solidFill>
+                  <a:srgbClr val="7030A0"/>
+                </a:solidFill>
+              </a:rPr>
+              <a:t>сервер передаёт сообщение 2&gt; </a:t>
+            </a:r>
+            <a:endParaRPr lang="en-US" sz="1200" dirty="0" smtClean="0">
+              <a:solidFill>
+                <a:srgbClr val="7030A0"/>
+              </a:solidFill>
+            </a:endParaRPr>
+          </a:p>
+          <a:p>
+            <a:pPr>
+              <a:buNone/>
+            </a:pPr>
+            <a:r>
+              <a:rPr lang="en-US" sz="1200" dirty="0" smtClean="0">
+                <a:latin typeface="Courier" pitchFamily="49" charset="0"/>
+              </a:rPr>
+              <a:t>S</a:t>
+            </a:r>
+            <a:r>
+              <a:rPr lang="en-US" sz="1200" dirty="0">
+                <a:latin typeface="Courier" pitchFamily="49" charset="0"/>
+              </a:rPr>
+              <a:t>: </a:t>
+            </a:r>
+            <a:r>
+              <a:rPr lang="en-US" sz="1200" dirty="0">
+                <a:solidFill>
+                  <a:srgbClr val="7030A0"/>
+                </a:solidFill>
+                <a:latin typeface="Courier" pitchFamily="49" charset="0"/>
+              </a:rPr>
+              <a:t>. </a:t>
+            </a:r>
+            <a:endParaRPr lang="en-US" sz="1200" dirty="0" smtClean="0">
+              <a:solidFill>
+                <a:srgbClr val="7030A0"/>
+              </a:solidFill>
+              <a:latin typeface="Courier" pitchFamily="49" charset="0"/>
+            </a:endParaRPr>
+          </a:p>
+          <a:p>
+            <a:pPr>
+              <a:buNone/>
+            </a:pPr>
+            <a:r>
+              <a:rPr lang="en-US" sz="1200" dirty="0" smtClean="0">
+                <a:latin typeface="Courier" pitchFamily="49" charset="0"/>
+              </a:rPr>
+              <a:t>C</a:t>
+            </a:r>
+            <a:r>
+              <a:rPr lang="en-US" sz="1200" dirty="0">
+                <a:latin typeface="Courier" pitchFamily="49" charset="0"/>
+              </a:rPr>
+              <a:t>: </a:t>
+            </a:r>
+            <a:r>
+              <a:rPr lang="en-US" sz="1200" u="sng" dirty="0">
+                <a:latin typeface="Courier" pitchFamily="49" charset="0"/>
+              </a:rPr>
+              <a:t>DELE</a:t>
+            </a:r>
+            <a:r>
+              <a:rPr lang="en-US" sz="1200" dirty="0">
+                <a:latin typeface="Courier" pitchFamily="49" charset="0"/>
+              </a:rPr>
+              <a:t> 2 </a:t>
+            </a:r>
+            <a:endParaRPr lang="en-US" sz="1200" dirty="0" smtClean="0">
+              <a:latin typeface="Courier" pitchFamily="49" charset="0"/>
+            </a:endParaRPr>
+          </a:p>
+          <a:p>
+            <a:pPr>
+              <a:buNone/>
+            </a:pPr>
+            <a:r>
+              <a:rPr lang="en-US" sz="1200" dirty="0" smtClean="0">
+                <a:latin typeface="Courier" pitchFamily="49" charset="0"/>
+              </a:rPr>
+              <a:t>S</a:t>
+            </a:r>
+            <a:r>
+              <a:rPr lang="en-US" sz="1200" dirty="0">
+                <a:latin typeface="Courier" pitchFamily="49" charset="0"/>
+              </a:rPr>
+              <a:t>: </a:t>
+            </a:r>
+            <a:r>
+              <a:rPr lang="en-US" sz="1200" dirty="0">
+                <a:solidFill>
+                  <a:srgbClr val="7030A0"/>
+                </a:solidFill>
+                <a:latin typeface="Courier" pitchFamily="49" charset="0"/>
+              </a:rPr>
+              <a:t>+OK message 2 deleted </a:t>
+            </a:r>
+            <a:endParaRPr lang="en-US" sz="1200" dirty="0" smtClean="0">
+              <a:solidFill>
+                <a:srgbClr val="7030A0"/>
+              </a:solidFill>
+              <a:latin typeface="Courier" pitchFamily="49" charset="0"/>
+            </a:endParaRPr>
+          </a:p>
+          <a:p>
+            <a:pPr>
+              <a:buNone/>
+            </a:pPr>
+            <a:r>
+              <a:rPr lang="en-US" sz="1200" dirty="0" smtClean="0">
+                <a:latin typeface="Courier" pitchFamily="49" charset="0"/>
+              </a:rPr>
+              <a:t>C</a:t>
+            </a:r>
+            <a:r>
+              <a:rPr lang="en-US" sz="1200" dirty="0">
+                <a:latin typeface="Courier" pitchFamily="49" charset="0"/>
+              </a:rPr>
+              <a:t>: </a:t>
+            </a:r>
+            <a:r>
+              <a:rPr lang="en-US" sz="1200" u="sng" dirty="0">
+                <a:latin typeface="Courier" pitchFamily="49" charset="0"/>
+              </a:rPr>
+              <a:t>QUIT </a:t>
+            </a:r>
+            <a:endParaRPr lang="en-US" sz="1200" u="sng" dirty="0" smtClean="0">
+              <a:latin typeface="Courier" pitchFamily="49" charset="0"/>
+            </a:endParaRPr>
+          </a:p>
+          <a:p>
+            <a:pPr>
+              <a:buNone/>
+            </a:pPr>
+            <a:r>
+              <a:rPr lang="en-US" sz="1200" dirty="0" smtClean="0">
+                <a:latin typeface="Courier" pitchFamily="49" charset="0"/>
+              </a:rPr>
+              <a:t>S</a:t>
+            </a:r>
+            <a:r>
+              <a:rPr lang="en-US" sz="1200" dirty="0">
+                <a:latin typeface="Courier" pitchFamily="49" charset="0"/>
+              </a:rPr>
+              <a:t>: </a:t>
+            </a:r>
+            <a:r>
+              <a:rPr lang="en-US" sz="1200" dirty="0">
+                <a:solidFill>
+                  <a:srgbClr val="7030A0"/>
+                </a:solidFill>
+                <a:latin typeface="Courier" pitchFamily="49" charset="0"/>
+              </a:rPr>
+              <a:t>+OK </a:t>
+            </a:r>
+            <a:r>
+              <a:rPr lang="en-US" sz="1200" dirty="0" err="1">
+                <a:solidFill>
+                  <a:srgbClr val="7030A0"/>
+                </a:solidFill>
+                <a:latin typeface="Courier" pitchFamily="49" charset="0"/>
+              </a:rPr>
+              <a:t>dewey</a:t>
+            </a:r>
+            <a:r>
+              <a:rPr lang="en-US" sz="1200" dirty="0">
+                <a:solidFill>
+                  <a:srgbClr val="7030A0"/>
+                </a:solidFill>
+                <a:latin typeface="Courier" pitchFamily="49" charset="0"/>
+              </a:rPr>
+              <a:t> POP3 server signing off (</a:t>
+            </a:r>
+            <a:r>
+              <a:rPr lang="en-US" sz="1200" dirty="0" err="1">
+                <a:solidFill>
+                  <a:srgbClr val="7030A0"/>
+                </a:solidFill>
+                <a:latin typeface="Courier" pitchFamily="49" charset="0"/>
+              </a:rPr>
+              <a:t>maildrop</a:t>
+            </a:r>
+            <a:r>
+              <a:rPr lang="en-US" sz="1200" dirty="0">
+                <a:solidFill>
+                  <a:srgbClr val="7030A0"/>
+                </a:solidFill>
+                <a:latin typeface="Courier" pitchFamily="49" charset="0"/>
+              </a:rPr>
+              <a:t> empty)</a:t>
+            </a:r>
+            <a:endParaRPr lang="ru-RU" sz="1200" dirty="0">
+              <a:solidFill>
+                <a:srgbClr val="7030A0"/>
+              </a:solidFill>
+            </a:endParaRPr>
+          </a:p>
+        </p:txBody>
+      </p:sp>
+    </p:spTree>
+    <p:extLst>
+      <p:ext uri="{BB962C8B-B14F-4D97-AF65-F5344CB8AC3E}">
+        <p14:creationId xmlns:p14="http://schemas.microsoft.com/office/powerpoint/2010/main" val="307905251"/>
+      </p:ext>
+    </p:extLst>
+  </p:cSld>
+  <p:clrMapOvr>
+    <a:masterClrMapping/>
+  </p:clrMapOvr>
+  <p:timing>
+    <p:tnLst>
+      <p:par>
+        <p:cTn id="1" dur="indefinite" restart="never" nodeType="tmRoot"/>
+      </p:par>
+    </p:tnLst>
+  </p:timing>
+</p:sld>
+</file>
+
+<file path=ppt/slides/slide17.xml><?xml version="1.0" encoding="utf-8"?>
+<p:sld xmlns:a="http://schemas.openxmlformats.org/drawingml/2006/main" xmlns:r="http://schemas.openxmlformats.org/officeDocument/2006/relationships" xmlns:p="http://schemas.openxmlformats.org/presentationml/2006/main">
+  <p:cSld>
+    <p:spTree>
+      <p:nvGrpSpPr>
+        <p:cNvPr id="1" name=""/>
+        <p:cNvGrpSpPr/>
+        <p:nvPr/>
+      </p:nvGrpSpPr>
+      <p:grpSpPr>
+        <a:xfrm>
+          <a:off x="0" y="0"/>
+          <a:ext cx="0" cy="0"/>
+          <a:chOff x="0" y="0"/>
+          <a:chExt cx="0" cy="0"/>
+        </a:xfrm>
+      </p:grpSpPr>
+      <p:sp>
+        <p:nvSpPr>
+          <p:cNvPr id="123" name="Заголовок 1"/>
+          <p:cNvSpPr txBox="1">
+            <a:spLocks/>
+          </p:cNvSpPr>
+          <p:nvPr/>
+        </p:nvSpPr>
+        <p:spPr>
+          <a:xfrm>
+            <a:off x="273993" y="692696"/>
+            <a:ext cx="8892480" cy="1008112"/>
+          </a:xfrm>
+          <a:prstGeom prst="rect">
+            <a:avLst/>
+          </a:prstGeom>
+        </p:spPr>
+        <p:txBody>
+          <a:bodyPr/>
+          <a:lstStyle>
+            <a:lvl1pPr algn="l" rtl="0" fontAlgn="base">
+              <a:spcBef>
+                <a:spcPct val="0"/>
+              </a:spcBef>
+              <a:spcAft>
+                <a:spcPct val="0"/>
+              </a:spcAft>
+              <a:defRPr sz="4400">
+                <a:solidFill>
+                  <a:schemeClr val="tx2"/>
+                </a:solidFill>
+                <a:latin typeface="+mj-lt"/>
+                <a:ea typeface="+mj-ea"/>
+                <a:cs typeface="+mj-cs"/>
+              </a:defRPr>
+            </a:lvl1pPr>
+            <a:lvl2pPr algn="l" rtl="0" fontAlgn="base">
+              <a:spcBef>
+                <a:spcPct val="0"/>
+              </a:spcBef>
+              <a:spcAft>
+                <a:spcPct val="0"/>
+              </a:spcAft>
+              <a:defRPr sz="4400">
+                <a:solidFill>
+                  <a:schemeClr val="tx2"/>
+                </a:solidFill>
+                <a:latin typeface="Times New Roman" pitchFamily="18" charset="0"/>
+              </a:defRPr>
+            </a:lvl2pPr>
+            <a:lvl3pPr algn="l" rtl="0" fontAlgn="base">
+              <a:spcBef>
+                <a:spcPct val="0"/>
+              </a:spcBef>
+              <a:spcAft>
+                <a:spcPct val="0"/>
+              </a:spcAft>
+              <a:defRPr sz="4400">
+                <a:solidFill>
+                  <a:schemeClr val="tx2"/>
+                </a:solidFill>
+                <a:latin typeface="Times New Roman" pitchFamily="18" charset="0"/>
+              </a:defRPr>
+            </a:lvl3pPr>
+            <a:lvl4pPr algn="l" rtl="0" fontAlgn="base">
+              <a:spcBef>
+                <a:spcPct val="0"/>
+              </a:spcBef>
+              <a:spcAft>
+                <a:spcPct val="0"/>
+              </a:spcAft>
+              <a:defRPr sz="4400">
+                <a:solidFill>
+                  <a:schemeClr val="tx2"/>
+                </a:solidFill>
+                <a:latin typeface="Times New Roman" pitchFamily="18" charset="0"/>
+              </a:defRPr>
+            </a:lvl4pPr>
+            <a:lvl5pPr algn="l" rtl="0" fontAlgn="base">
+              <a:spcBef>
+                <a:spcPct val="0"/>
+              </a:spcBef>
+              <a:spcAft>
+                <a:spcPct val="0"/>
+              </a:spcAft>
+              <a:defRPr sz="4400">
+                <a:solidFill>
+                  <a:schemeClr val="tx2"/>
+                </a:solidFill>
+                <a:latin typeface="Times New Roman" pitchFamily="18" charset="0"/>
+              </a:defRPr>
+            </a:lvl5pPr>
+            <a:lvl6pPr marL="457200" algn="l" rtl="0" fontAlgn="base">
+              <a:spcBef>
+                <a:spcPct val="0"/>
+              </a:spcBef>
+              <a:spcAft>
+                <a:spcPct val="0"/>
+              </a:spcAft>
+              <a:defRPr sz="4400">
+                <a:solidFill>
+                  <a:schemeClr val="tx2"/>
+                </a:solidFill>
+                <a:latin typeface="Times New Roman" pitchFamily="18" charset="0"/>
+              </a:defRPr>
+            </a:lvl6pPr>
+            <a:lvl7pPr marL="914400" algn="l" rtl="0" fontAlgn="base">
+              <a:spcBef>
+                <a:spcPct val="0"/>
+              </a:spcBef>
+              <a:spcAft>
+                <a:spcPct val="0"/>
+              </a:spcAft>
+              <a:defRPr sz="4400">
+                <a:solidFill>
+                  <a:schemeClr val="tx2"/>
+                </a:solidFill>
+                <a:latin typeface="Times New Roman" pitchFamily="18" charset="0"/>
+              </a:defRPr>
+            </a:lvl7pPr>
+            <a:lvl8pPr marL="1371600" algn="l" rtl="0" fontAlgn="base">
+              <a:spcBef>
+                <a:spcPct val="0"/>
+              </a:spcBef>
+              <a:spcAft>
+                <a:spcPct val="0"/>
+              </a:spcAft>
+              <a:defRPr sz="4400">
+                <a:solidFill>
+                  <a:schemeClr val="tx2"/>
+                </a:solidFill>
+                <a:latin typeface="Times New Roman" pitchFamily="18" charset="0"/>
+              </a:defRPr>
+            </a:lvl8pPr>
+            <a:lvl9pPr marL="1828800" algn="l" rtl="0" fontAlgn="base">
+              <a:spcBef>
+                <a:spcPct val="0"/>
+              </a:spcBef>
+              <a:spcAft>
+                <a:spcPct val="0"/>
+              </a:spcAft>
+              <a:defRPr sz="4400">
+                <a:solidFill>
+                  <a:schemeClr val="tx2"/>
+                </a:solidFill>
+                <a:latin typeface="Times New Roman" pitchFamily="18" charset="0"/>
+              </a:defRPr>
+            </a:lvl9pPr>
+          </a:lstStyle>
+          <a:p>
+            <a:pPr algn="ctr">
+              <a:buClrTx/>
+              <a:buSzTx/>
+              <a:buFontTx/>
+              <a:buNone/>
+            </a:pPr>
+            <a:r>
+              <a:rPr kumimoji="0" lang="en-US" altLang="ru-RU" b="1" kern="0" dirty="0" smtClean="0"/>
+              <a:t>FTP</a:t>
+            </a:r>
+            <a:endParaRPr kumimoji="0" lang="ru-RU" altLang="ru-RU" b="1" kern="0" dirty="0" smtClean="0"/>
+          </a:p>
+        </p:txBody>
+      </p:sp>
+      <p:sp>
+        <p:nvSpPr>
+          <p:cNvPr id="9" name="TextBox 8"/>
+          <p:cNvSpPr txBox="1"/>
+          <p:nvPr/>
+        </p:nvSpPr>
+        <p:spPr>
+          <a:xfrm>
+            <a:off x="539552" y="1244079"/>
+            <a:ext cx="1127232" cy="769441"/>
+          </a:xfrm>
+          <a:prstGeom prst="rect">
+            <a:avLst/>
+          </a:prstGeom>
+          <a:noFill/>
+        </p:spPr>
+        <p:txBody>
+          <a:bodyPr wrap="none" rtlCol="0">
+            <a:spAutoFit/>
+          </a:bodyPr>
+          <a:lstStyle/>
+          <a:p>
+            <a:r>
+              <a:rPr lang="en-US" dirty="0" smtClean="0"/>
+              <a:t>TCP/21</a:t>
+            </a:r>
+          </a:p>
+          <a:p>
+            <a:r>
+              <a:rPr lang="en-US" dirty="0" smtClean="0"/>
+              <a:t>1971</a:t>
+            </a:r>
+            <a:endParaRPr lang="ru-RU" dirty="0" smtClean="0"/>
+          </a:p>
+        </p:txBody>
+      </p:sp>
+      <p:sp>
+        <p:nvSpPr>
+          <p:cNvPr id="8" name="TextBox 7"/>
+          <p:cNvSpPr txBox="1"/>
+          <p:nvPr/>
+        </p:nvSpPr>
+        <p:spPr>
+          <a:xfrm>
+            <a:off x="2339752" y="1628799"/>
+            <a:ext cx="6624736" cy="5066002"/>
+          </a:xfrm>
+          <a:prstGeom prst="rect">
+            <a:avLst/>
+          </a:prstGeom>
+          <a:solidFill>
+            <a:srgbClr val="7030A0"/>
+          </a:solidFill>
+        </p:spPr>
+        <p:style>
+          <a:lnRef idx="0">
+            <a:schemeClr val="accent2"/>
+          </a:lnRef>
+          <a:fillRef idx="3">
+            <a:schemeClr val="accent2"/>
+          </a:fillRef>
+          <a:effectRef idx="3">
+            <a:schemeClr val="accent2"/>
+          </a:effectRef>
+          <a:fontRef idx="minor">
+            <a:schemeClr val="lt1"/>
+          </a:fontRef>
+        </p:style>
+        <p:txBody>
+          <a:bodyPr wrap="square" rtlCol="0">
+            <a:spAutoFit/>
+          </a:bodyPr>
+          <a:lstStyle/>
+          <a:p>
+            <a:pPr>
+              <a:buNone/>
+            </a:pPr>
+            <a:r>
+              <a:rPr lang="en-US" sz="1600" dirty="0">
+                <a:latin typeface="Courier" pitchFamily="49" charset="0"/>
+              </a:rPr>
+              <a:t>220 FTP server </a:t>
+            </a:r>
+            <a:r>
+              <a:rPr lang="en-US" sz="1600" dirty="0" smtClean="0">
+                <a:latin typeface="Courier" pitchFamily="49" charset="0"/>
+              </a:rPr>
+              <a:t>ready.</a:t>
+            </a:r>
+            <a:endParaRPr lang="ru-RU" sz="1600" dirty="0" smtClean="0"/>
+          </a:p>
+          <a:p>
+            <a:pPr>
+              <a:buNone/>
+            </a:pPr>
+            <a:r>
+              <a:rPr lang="en-US" sz="1600" dirty="0" smtClean="0">
+                <a:latin typeface="Courier" pitchFamily="49" charset="0"/>
+              </a:rPr>
+              <a:t>USER </a:t>
+            </a:r>
+            <a:r>
+              <a:rPr lang="en-US" sz="1600" dirty="0">
+                <a:latin typeface="Courier" pitchFamily="49" charset="0"/>
+              </a:rPr>
+              <a:t>anonymous</a:t>
+            </a:r>
+          </a:p>
+          <a:p>
+            <a:pPr>
+              <a:buNone/>
+            </a:pPr>
+            <a:r>
+              <a:rPr lang="en-US" sz="1600" dirty="0">
+                <a:latin typeface="Courier" pitchFamily="49" charset="0"/>
+              </a:rPr>
+              <a:t>230 Login </a:t>
+            </a:r>
+            <a:r>
+              <a:rPr lang="en-US" sz="1600" dirty="0" smtClean="0">
+                <a:latin typeface="Courier" pitchFamily="49" charset="0"/>
+              </a:rPr>
+              <a:t>successful.</a:t>
+            </a:r>
+            <a:endParaRPr lang="ru-RU" sz="1600" dirty="0" smtClean="0"/>
+          </a:p>
+          <a:p>
+            <a:pPr>
+              <a:buNone/>
+            </a:pPr>
+            <a:r>
+              <a:rPr lang="en-US" sz="1600" dirty="0" smtClean="0">
+                <a:latin typeface="Courier" pitchFamily="49" charset="0"/>
+              </a:rPr>
+              <a:t>PASV</a:t>
+            </a:r>
+            <a:endParaRPr lang="ru-RU" sz="1600" dirty="0" smtClean="0"/>
+          </a:p>
+          <a:p>
+            <a:pPr>
+              <a:buNone/>
+            </a:pPr>
+            <a:r>
+              <a:rPr lang="en-US" sz="1600" dirty="0" smtClean="0">
+                <a:latin typeface="Courier" pitchFamily="49" charset="0"/>
+              </a:rPr>
+              <a:t>227 </a:t>
+            </a:r>
+            <a:r>
+              <a:rPr lang="en-US" sz="1600" dirty="0">
+                <a:latin typeface="Courier" pitchFamily="49" charset="0"/>
+              </a:rPr>
+              <a:t>Entering Passive Mode (192,168,254,253,233,92</a:t>
+            </a:r>
+            <a:r>
+              <a:rPr lang="en-US" sz="1600" dirty="0" smtClean="0">
+                <a:latin typeface="Courier" pitchFamily="49" charset="0"/>
+              </a:rPr>
+              <a:t>)</a:t>
+            </a:r>
+          </a:p>
+          <a:p>
+            <a:pPr>
+              <a:buNone/>
+            </a:pPr>
+            <a:r>
+              <a:rPr lang="en-US" sz="1600" dirty="0" smtClean="0">
+                <a:latin typeface="Courier" pitchFamily="49" charset="0"/>
+              </a:rPr>
+              <a:t>LIST</a:t>
+            </a:r>
+          </a:p>
+          <a:p>
+            <a:pPr>
+              <a:buNone/>
+            </a:pPr>
+            <a:r>
+              <a:rPr lang="en-US" sz="1600" dirty="0" smtClean="0">
+                <a:latin typeface="Courier" pitchFamily="49" charset="0"/>
+              </a:rPr>
+              <a:t>150 Here </a:t>
+            </a:r>
+            <a:r>
+              <a:rPr lang="en-US" sz="1600" dirty="0">
+                <a:latin typeface="Courier" pitchFamily="49" charset="0"/>
+              </a:rPr>
+              <a:t>comes the directory listing. </a:t>
+            </a:r>
+            <a:endParaRPr lang="en-US" sz="1600" dirty="0" smtClean="0"/>
+          </a:p>
+          <a:p>
+            <a:pPr>
+              <a:buNone/>
+            </a:pPr>
+            <a:r>
+              <a:rPr lang="ru-RU" sz="1600" dirty="0" smtClean="0"/>
+              <a:t>226 </a:t>
+            </a:r>
+            <a:r>
+              <a:rPr lang="en-US" sz="1600" dirty="0">
+                <a:latin typeface="Courier" pitchFamily="49" charset="0"/>
+              </a:rPr>
+              <a:t>Directory send OK. </a:t>
+            </a:r>
+            <a:endParaRPr lang="en-US" sz="1600" dirty="0" smtClean="0">
+              <a:latin typeface="Courier" pitchFamily="49" charset="0"/>
+            </a:endParaRPr>
+          </a:p>
+          <a:p>
+            <a:pPr>
+              <a:buNone/>
+            </a:pPr>
+            <a:r>
+              <a:rPr lang="en-US" sz="1600" dirty="0" smtClean="0">
+                <a:latin typeface="Courier" pitchFamily="49" charset="0"/>
+              </a:rPr>
+              <a:t>CWD </a:t>
+            </a:r>
+            <a:r>
+              <a:rPr lang="en-US" sz="1600" dirty="0">
+                <a:latin typeface="Courier" pitchFamily="49" charset="0"/>
+              </a:rPr>
+              <a:t>incoming </a:t>
+            </a:r>
+            <a:endParaRPr lang="en-US" sz="1600" dirty="0" smtClean="0">
+              <a:latin typeface="Courier" pitchFamily="49" charset="0"/>
+            </a:endParaRPr>
+          </a:p>
+          <a:p>
+            <a:pPr>
+              <a:buNone/>
+            </a:pPr>
+            <a:r>
+              <a:rPr lang="en-US" sz="1600" dirty="0" smtClean="0">
+                <a:latin typeface="Courier" pitchFamily="49" charset="0"/>
+              </a:rPr>
+              <a:t>250 </a:t>
+            </a:r>
+            <a:r>
+              <a:rPr lang="en-US" sz="1600" dirty="0">
+                <a:latin typeface="Courier" pitchFamily="49" charset="0"/>
+              </a:rPr>
+              <a:t>Directory successfully changed. </a:t>
+            </a:r>
+            <a:endParaRPr lang="en-US" sz="1600" dirty="0" smtClean="0">
+              <a:latin typeface="Courier" pitchFamily="49" charset="0"/>
+            </a:endParaRPr>
+          </a:p>
+          <a:p>
+            <a:pPr>
+              <a:buNone/>
+            </a:pPr>
+            <a:r>
+              <a:rPr lang="en-US" sz="1600" dirty="0" smtClean="0">
+                <a:latin typeface="Courier" pitchFamily="49" charset="0"/>
+              </a:rPr>
+              <a:t>PASV </a:t>
+            </a:r>
+          </a:p>
+          <a:p>
+            <a:pPr>
+              <a:buNone/>
+            </a:pPr>
+            <a:r>
+              <a:rPr lang="en-US" sz="1600" dirty="0" smtClean="0">
+                <a:latin typeface="Courier" pitchFamily="49" charset="0"/>
+              </a:rPr>
+              <a:t>227 </a:t>
+            </a:r>
+            <a:r>
+              <a:rPr lang="en-US" sz="1600" dirty="0">
+                <a:latin typeface="Courier" pitchFamily="49" charset="0"/>
+              </a:rPr>
+              <a:t>Entering Passive Mode (192,168,254,253,207,56) </a:t>
+            </a:r>
+            <a:endParaRPr lang="en-US" sz="1600" dirty="0" smtClean="0">
+              <a:latin typeface="Courier" pitchFamily="49" charset="0"/>
+            </a:endParaRPr>
+          </a:p>
+          <a:p>
+            <a:pPr>
+              <a:buNone/>
+            </a:pPr>
+            <a:r>
+              <a:rPr lang="en-US" sz="1600" dirty="0" smtClean="0">
+                <a:latin typeface="Courier" pitchFamily="49" charset="0"/>
+              </a:rPr>
+              <a:t>STOR </a:t>
+            </a:r>
+            <a:r>
+              <a:rPr lang="en-US" sz="1600" dirty="0">
+                <a:latin typeface="Courier" pitchFamily="49" charset="0"/>
+              </a:rPr>
+              <a:t>example.avi </a:t>
+            </a:r>
+            <a:endParaRPr lang="en-US" sz="1600" dirty="0" smtClean="0">
+              <a:latin typeface="Courier" pitchFamily="49" charset="0"/>
+            </a:endParaRPr>
+          </a:p>
+          <a:p>
+            <a:pPr>
+              <a:buNone/>
+            </a:pPr>
+            <a:r>
+              <a:rPr lang="en-US" sz="1600" dirty="0" smtClean="0">
+                <a:latin typeface="Courier" pitchFamily="49" charset="0"/>
+              </a:rPr>
+              <a:t>150 </a:t>
+            </a:r>
+            <a:r>
+              <a:rPr lang="en-US" sz="1600" dirty="0">
+                <a:latin typeface="Courier" pitchFamily="49" charset="0"/>
+              </a:rPr>
+              <a:t>Ok to send data. </a:t>
+            </a:r>
+            <a:endParaRPr lang="en-US" sz="1600" dirty="0" smtClean="0">
+              <a:latin typeface="Courier" pitchFamily="49" charset="0"/>
+            </a:endParaRPr>
+          </a:p>
+          <a:p>
+            <a:pPr>
+              <a:buNone/>
+            </a:pPr>
+            <a:r>
+              <a:rPr lang="ru-RU" sz="1600" dirty="0" smtClean="0"/>
+              <a:t>226 </a:t>
+            </a:r>
+            <a:r>
+              <a:rPr lang="en-US" sz="1600" dirty="0">
+                <a:latin typeface="Courier" pitchFamily="49" charset="0"/>
+              </a:rPr>
+              <a:t>File receive OK. </a:t>
+            </a:r>
+            <a:endParaRPr lang="en-US" sz="1600" dirty="0" smtClean="0">
+              <a:latin typeface="Courier" pitchFamily="49" charset="0"/>
+            </a:endParaRPr>
+          </a:p>
+          <a:p>
+            <a:pPr>
+              <a:buNone/>
+            </a:pPr>
+            <a:r>
+              <a:rPr lang="en-US" sz="1600" dirty="0" smtClean="0">
+                <a:latin typeface="Courier" pitchFamily="49" charset="0"/>
+              </a:rPr>
+              <a:t>QUIT </a:t>
+            </a:r>
+          </a:p>
+          <a:p>
+            <a:pPr>
+              <a:buNone/>
+            </a:pPr>
+            <a:r>
+              <a:rPr lang="en-US" sz="1600" dirty="0" smtClean="0">
+                <a:latin typeface="Courier" pitchFamily="49" charset="0"/>
+              </a:rPr>
+              <a:t>221 </a:t>
+            </a:r>
+            <a:r>
+              <a:rPr lang="en-US" sz="1600" dirty="0">
+                <a:latin typeface="Courier" pitchFamily="49" charset="0"/>
+              </a:rPr>
+              <a:t>Goodbye.</a:t>
+            </a:r>
+            <a:endParaRPr lang="ru-RU" sz="1600" dirty="0"/>
+          </a:p>
+        </p:txBody>
+      </p:sp>
+    </p:spTree>
+    <p:extLst>
+      <p:ext uri="{BB962C8B-B14F-4D97-AF65-F5344CB8AC3E}">
+        <p14:creationId xmlns:p14="http://schemas.microsoft.com/office/powerpoint/2010/main" val="1926387397"/>
+      </p:ext>
+    </p:extLst>
+  </p:cSld>
+  <p:clrMapOvr>
+    <a:masterClrMapping/>
+  </p:clrMapOvr>
+  <p:timing>
+    <p:tnLst>
+      <p:par>
+        <p:cTn id="1" dur="indefinite" restart="never" nodeType="tmRoot"/>
+      </p:par>
+    </p:tnLst>
+  </p:timing>
+</p:sld>
+</file>
+
+<file path=ppt/slides/slide18.xml><?xml version="1.0" encoding="utf-8"?>
+<p:sld xmlns:a="http://schemas.openxmlformats.org/drawingml/2006/main" xmlns:r="http://schemas.openxmlformats.org/officeDocument/2006/relationships" xmlns:p="http://schemas.openxmlformats.org/presentationml/2006/main">
+  <p:cSld>
+    <p:spTree>
+      <p:nvGrpSpPr>
+        <p:cNvPr id="1" name=""/>
+        <p:cNvGrpSpPr/>
+        <p:nvPr/>
+      </p:nvGrpSpPr>
+      <p:grpSpPr>
+        <a:xfrm>
+          <a:off x="0" y="0"/>
+          <a:ext cx="0" cy="0"/>
+          <a:chOff x="0" y="0"/>
+          <a:chExt cx="0" cy="0"/>
+        </a:xfrm>
+      </p:grpSpPr>
+      <p:pic>
+        <p:nvPicPr>
+          <p:cNvPr id="25603" name="Picture 3" descr="Картинки по запросу www"/>
+          <p:cNvPicPr>
+            <a:picLocks noChangeAspect="1" noChangeArrowheads="1"/>
+          </p:cNvPicPr>
+          <p:nvPr/>
+        </p:nvPicPr>
+        <p:blipFill>
+          <a:blip r:embed="rId2">
+            <a:extLst>
+              <a:ext uri="{28A0092B-C50C-407E-A947-70E740481C1C}">
+                <a14:useLocalDpi xmlns:a14="http://schemas.microsoft.com/office/drawing/2010/main" val="0"/>
+              </a:ext>
+            </a:extLst>
+          </a:blip>
+          <a:srcRect/>
+          <a:stretch>
+            <a:fillRect/>
+          </a:stretch>
+        </p:blipFill>
+        <p:spPr bwMode="auto">
+          <a:xfrm>
+            <a:off x="3275857" y="1383608"/>
+            <a:ext cx="5868144" cy="3893688"/>
+          </a:xfrm>
+          <a:prstGeom prst="rect">
+            <a:avLst/>
+          </a:prstGeom>
+          <a:noFill/>
+          <a:extLst>
+            <a:ext uri="{909E8E84-426E-40DD-AFC4-6F175D3DCCD1}">
+              <a14:hiddenFill xmlns:a14="http://schemas.microsoft.com/office/drawing/2010/main">
+                <a:solidFill>
+                  <a:srgbClr val="FFFFFF"/>
+                </a:solidFill>
+              </a14:hiddenFill>
+            </a:ext>
+          </a:extLst>
+        </p:spPr>
+      </p:pic>
+      <p:sp>
+        <p:nvSpPr>
+          <p:cNvPr id="123" name="Заголовок 1"/>
+          <p:cNvSpPr txBox="1">
+            <a:spLocks/>
+          </p:cNvSpPr>
+          <p:nvPr/>
+        </p:nvSpPr>
+        <p:spPr>
+          <a:xfrm>
+            <a:off x="273993" y="692696"/>
+            <a:ext cx="8892480" cy="1008112"/>
+          </a:xfrm>
+          <a:prstGeom prst="rect">
+            <a:avLst/>
+          </a:prstGeom>
+        </p:spPr>
+        <p:txBody>
+          <a:bodyPr/>
+          <a:lstStyle>
+            <a:lvl1pPr algn="l" rtl="0" fontAlgn="base">
+              <a:spcBef>
+                <a:spcPct val="0"/>
+              </a:spcBef>
+              <a:spcAft>
+                <a:spcPct val="0"/>
+              </a:spcAft>
+              <a:defRPr sz="4400">
+                <a:solidFill>
+                  <a:schemeClr val="tx2"/>
+                </a:solidFill>
+                <a:latin typeface="+mj-lt"/>
+                <a:ea typeface="+mj-ea"/>
+                <a:cs typeface="+mj-cs"/>
+              </a:defRPr>
+            </a:lvl1pPr>
+            <a:lvl2pPr algn="l" rtl="0" fontAlgn="base">
+              <a:spcBef>
+                <a:spcPct val="0"/>
+              </a:spcBef>
+              <a:spcAft>
+                <a:spcPct val="0"/>
+              </a:spcAft>
+              <a:defRPr sz="4400">
+                <a:solidFill>
+                  <a:schemeClr val="tx2"/>
+                </a:solidFill>
+                <a:latin typeface="Times New Roman" pitchFamily="18" charset="0"/>
+              </a:defRPr>
+            </a:lvl2pPr>
+            <a:lvl3pPr algn="l" rtl="0" fontAlgn="base">
+              <a:spcBef>
+                <a:spcPct val="0"/>
+              </a:spcBef>
+              <a:spcAft>
+                <a:spcPct val="0"/>
+              </a:spcAft>
+              <a:defRPr sz="4400">
+                <a:solidFill>
+                  <a:schemeClr val="tx2"/>
+                </a:solidFill>
+                <a:latin typeface="Times New Roman" pitchFamily="18" charset="0"/>
+              </a:defRPr>
+            </a:lvl3pPr>
+            <a:lvl4pPr algn="l" rtl="0" fontAlgn="base">
+              <a:spcBef>
+                <a:spcPct val="0"/>
+              </a:spcBef>
+              <a:spcAft>
+                <a:spcPct val="0"/>
+              </a:spcAft>
+              <a:defRPr sz="4400">
+                <a:solidFill>
+                  <a:schemeClr val="tx2"/>
+                </a:solidFill>
+                <a:latin typeface="Times New Roman" pitchFamily="18" charset="0"/>
+              </a:defRPr>
+            </a:lvl4pPr>
+            <a:lvl5pPr algn="l" rtl="0" fontAlgn="base">
+              <a:spcBef>
+                <a:spcPct val="0"/>
+              </a:spcBef>
+              <a:spcAft>
+                <a:spcPct val="0"/>
+              </a:spcAft>
+              <a:defRPr sz="4400">
+                <a:solidFill>
+                  <a:schemeClr val="tx2"/>
+                </a:solidFill>
+                <a:latin typeface="Times New Roman" pitchFamily="18" charset="0"/>
+              </a:defRPr>
+            </a:lvl5pPr>
+            <a:lvl6pPr marL="457200" algn="l" rtl="0" fontAlgn="base">
+              <a:spcBef>
+                <a:spcPct val="0"/>
+              </a:spcBef>
+              <a:spcAft>
+                <a:spcPct val="0"/>
+              </a:spcAft>
+              <a:defRPr sz="4400">
+                <a:solidFill>
+                  <a:schemeClr val="tx2"/>
+                </a:solidFill>
+                <a:latin typeface="Times New Roman" pitchFamily="18" charset="0"/>
+              </a:defRPr>
+            </a:lvl6pPr>
+            <a:lvl7pPr marL="914400" algn="l" rtl="0" fontAlgn="base">
+              <a:spcBef>
+                <a:spcPct val="0"/>
+              </a:spcBef>
+              <a:spcAft>
+                <a:spcPct val="0"/>
+              </a:spcAft>
+              <a:defRPr sz="4400">
+                <a:solidFill>
+                  <a:schemeClr val="tx2"/>
+                </a:solidFill>
+                <a:latin typeface="Times New Roman" pitchFamily="18" charset="0"/>
+              </a:defRPr>
+            </a:lvl7pPr>
+            <a:lvl8pPr marL="1371600" algn="l" rtl="0" fontAlgn="base">
+              <a:spcBef>
+                <a:spcPct val="0"/>
+              </a:spcBef>
+              <a:spcAft>
+                <a:spcPct val="0"/>
+              </a:spcAft>
+              <a:defRPr sz="4400">
+                <a:solidFill>
+                  <a:schemeClr val="tx2"/>
+                </a:solidFill>
+                <a:latin typeface="Times New Roman" pitchFamily="18" charset="0"/>
+              </a:defRPr>
+            </a:lvl8pPr>
+            <a:lvl9pPr marL="1828800" algn="l" rtl="0" fontAlgn="base">
+              <a:spcBef>
+                <a:spcPct val="0"/>
+              </a:spcBef>
+              <a:spcAft>
+                <a:spcPct val="0"/>
+              </a:spcAft>
+              <a:defRPr sz="4400">
+                <a:solidFill>
+                  <a:schemeClr val="tx2"/>
+                </a:solidFill>
+                <a:latin typeface="Times New Roman" pitchFamily="18" charset="0"/>
+              </a:defRPr>
+            </a:lvl9pPr>
+          </a:lstStyle>
+          <a:p>
+            <a:pPr algn="ctr">
+              <a:buClrTx/>
+              <a:buSzTx/>
+              <a:buFontTx/>
+              <a:buNone/>
+            </a:pPr>
+            <a:r>
+              <a:rPr kumimoji="0" lang="en-US" altLang="ru-RU" b="1" kern="0" dirty="0" smtClean="0"/>
+              <a:t>HTTP</a:t>
+            </a:r>
+            <a:endParaRPr kumimoji="0" lang="ru-RU" altLang="ru-RU" b="1" kern="0" dirty="0" smtClean="0"/>
+          </a:p>
+        </p:txBody>
+      </p:sp>
+      <p:sp>
+        <p:nvSpPr>
+          <p:cNvPr id="9" name="TextBox 8"/>
+          <p:cNvSpPr txBox="1"/>
+          <p:nvPr/>
+        </p:nvSpPr>
+        <p:spPr>
+          <a:xfrm>
+            <a:off x="611560" y="4005064"/>
+            <a:ext cx="4296112" cy="2616101"/>
+          </a:xfrm>
+          <a:prstGeom prst="rect">
+            <a:avLst/>
+          </a:prstGeom>
+          <a:noFill/>
+        </p:spPr>
+        <p:txBody>
+          <a:bodyPr wrap="none" rtlCol="0">
+            <a:spAutoFit/>
+          </a:bodyPr>
+          <a:lstStyle/>
+          <a:p>
+            <a:r>
+              <a:rPr lang="en-US" dirty="0" smtClean="0"/>
+              <a:t>TCP/80</a:t>
+            </a:r>
+          </a:p>
+          <a:p>
+            <a:pPr lvl="1"/>
+            <a:r>
+              <a:rPr lang="en-US" dirty="0" smtClean="0"/>
+              <a:t>HTTPS, TCP/443</a:t>
+            </a:r>
+          </a:p>
+          <a:p>
+            <a:r>
+              <a:rPr lang="en-US" dirty="0" smtClean="0"/>
+              <a:t>1991</a:t>
+            </a:r>
+          </a:p>
+          <a:p>
+            <a:pPr lvl="1"/>
+            <a:r>
+              <a:rPr lang="ru-RU" dirty="0" smtClean="0"/>
+              <a:t>Тим </a:t>
+            </a:r>
+            <a:r>
+              <a:rPr lang="ru-RU" dirty="0" err="1" smtClean="0"/>
+              <a:t>Бернерс</a:t>
+            </a:r>
+            <a:r>
+              <a:rPr lang="ru-RU" dirty="0" smtClean="0"/>
+              <a:t>-Ли</a:t>
+            </a:r>
+          </a:p>
+          <a:p>
+            <a:r>
+              <a:rPr lang="ru-RU" dirty="0" smtClean="0"/>
+              <a:t>Любые данные / Любой формат</a:t>
+            </a:r>
+            <a:endParaRPr lang="en-US" dirty="0" smtClean="0"/>
+          </a:p>
+          <a:p>
+            <a:pPr lvl="1"/>
+            <a:r>
+              <a:rPr lang="en-US" dirty="0" smtClean="0"/>
+              <a:t>HTML</a:t>
+            </a:r>
+          </a:p>
+          <a:p>
+            <a:pPr lvl="2"/>
+            <a:r>
+              <a:rPr lang="en-US" dirty="0" err="1" smtClean="0"/>
+              <a:t>HyperText</a:t>
+            </a:r>
+            <a:r>
+              <a:rPr lang="en-US" dirty="0" smtClean="0"/>
+              <a:t> Markup Language</a:t>
+            </a:r>
+          </a:p>
+        </p:txBody>
+      </p:sp>
+    </p:spTree>
+    <p:extLst>
+      <p:ext uri="{BB962C8B-B14F-4D97-AF65-F5344CB8AC3E}">
+        <p14:creationId xmlns:p14="http://schemas.microsoft.com/office/powerpoint/2010/main" val="1286507525"/>
+      </p:ext>
+    </p:extLst>
+  </p:cSld>
+  <p:clrMapOvr>
+    <a:masterClrMapping/>
+  </p:clrMapOvr>
+  <p:timing>
+    <p:tnLst>
+      <p:par>
+        <p:cTn id="1" dur="indefinite" restart="never" nodeType="tmRoot"/>
+      </p:par>
+    </p:tnLst>
+  </p:timing>
+</p:sld>
+</file>
+
+<file path=ppt/slides/slide19.xml><?xml version="1.0" encoding="utf-8"?>
+<p:sld xmlns:a="http://schemas.openxmlformats.org/drawingml/2006/main" xmlns:r="http://schemas.openxmlformats.org/officeDocument/2006/relationships" xmlns:p="http://schemas.openxmlformats.org/presentationml/2006/main">
+  <p:cSld>
+    <p:spTree>
+      <p:nvGrpSpPr>
+        <p:cNvPr id="1" name=""/>
+        <p:cNvGrpSpPr/>
+        <p:nvPr/>
+      </p:nvGrpSpPr>
+      <p:grpSpPr>
+        <a:xfrm>
+          <a:off x="0" y="0"/>
+          <a:ext cx="0" cy="0"/>
+          <a:chOff x="0" y="0"/>
+          <a:chExt cx="0" cy="0"/>
+        </a:xfrm>
+      </p:grpSpPr>
+      <p:sp>
+        <p:nvSpPr>
+          <p:cNvPr id="123" name="Заголовок 1"/>
+          <p:cNvSpPr txBox="1">
+            <a:spLocks/>
+          </p:cNvSpPr>
+          <p:nvPr/>
+        </p:nvSpPr>
+        <p:spPr>
+          <a:xfrm>
+            <a:off x="251520" y="116632"/>
+            <a:ext cx="8892480" cy="1008112"/>
+          </a:xfrm>
+          <a:prstGeom prst="rect">
+            <a:avLst/>
+          </a:prstGeom>
+        </p:spPr>
+        <p:txBody>
+          <a:bodyPr/>
+          <a:lstStyle>
+            <a:lvl1pPr algn="l" rtl="0" fontAlgn="base">
+              <a:spcBef>
+                <a:spcPct val="0"/>
+              </a:spcBef>
+              <a:spcAft>
+                <a:spcPct val="0"/>
+              </a:spcAft>
+              <a:defRPr sz="4400">
+                <a:solidFill>
+                  <a:schemeClr val="tx2"/>
+                </a:solidFill>
+                <a:latin typeface="+mj-lt"/>
+                <a:ea typeface="+mj-ea"/>
+                <a:cs typeface="+mj-cs"/>
+              </a:defRPr>
+            </a:lvl1pPr>
+            <a:lvl2pPr algn="l" rtl="0" fontAlgn="base">
+              <a:spcBef>
+                <a:spcPct val="0"/>
+              </a:spcBef>
+              <a:spcAft>
+                <a:spcPct val="0"/>
+              </a:spcAft>
+              <a:defRPr sz="4400">
+                <a:solidFill>
+                  <a:schemeClr val="tx2"/>
+                </a:solidFill>
+                <a:latin typeface="Times New Roman" pitchFamily="18" charset="0"/>
+              </a:defRPr>
+            </a:lvl2pPr>
+            <a:lvl3pPr algn="l" rtl="0" fontAlgn="base">
+              <a:spcBef>
+                <a:spcPct val="0"/>
+              </a:spcBef>
+              <a:spcAft>
+                <a:spcPct val="0"/>
+              </a:spcAft>
+              <a:defRPr sz="4400">
+                <a:solidFill>
+                  <a:schemeClr val="tx2"/>
+                </a:solidFill>
+                <a:latin typeface="Times New Roman" pitchFamily="18" charset="0"/>
+              </a:defRPr>
+            </a:lvl3pPr>
+            <a:lvl4pPr algn="l" rtl="0" fontAlgn="base">
+              <a:spcBef>
+                <a:spcPct val="0"/>
+              </a:spcBef>
+              <a:spcAft>
+                <a:spcPct val="0"/>
+              </a:spcAft>
+              <a:defRPr sz="4400">
+                <a:solidFill>
+                  <a:schemeClr val="tx2"/>
+                </a:solidFill>
+                <a:latin typeface="Times New Roman" pitchFamily="18" charset="0"/>
+              </a:defRPr>
+            </a:lvl4pPr>
+            <a:lvl5pPr algn="l" rtl="0" fontAlgn="base">
+              <a:spcBef>
+                <a:spcPct val="0"/>
+              </a:spcBef>
+              <a:spcAft>
+                <a:spcPct val="0"/>
+              </a:spcAft>
+              <a:defRPr sz="4400">
+                <a:solidFill>
+                  <a:schemeClr val="tx2"/>
+                </a:solidFill>
+                <a:latin typeface="Times New Roman" pitchFamily="18" charset="0"/>
+              </a:defRPr>
+            </a:lvl5pPr>
+            <a:lvl6pPr marL="457200" algn="l" rtl="0" fontAlgn="base">
+              <a:spcBef>
+                <a:spcPct val="0"/>
+              </a:spcBef>
+              <a:spcAft>
+                <a:spcPct val="0"/>
+              </a:spcAft>
+              <a:defRPr sz="4400">
+                <a:solidFill>
+                  <a:schemeClr val="tx2"/>
+                </a:solidFill>
+                <a:latin typeface="Times New Roman" pitchFamily="18" charset="0"/>
+              </a:defRPr>
+            </a:lvl6pPr>
+            <a:lvl7pPr marL="914400" algn="l" rtl="0" fontAlgn="base">
+              <a:spcBef>
+                <a:spcPct val="0"/>
+              </a:spcBef>
+              <a:spcAft>
+                <a:spcPct val="0"/>
+              </a:spcAft>
+              <a:defRPr sz="4400">
+                <a:solidFill>
+                  <a:schemeClr val="tx2"/>
+                </a:solidFill>
+                <a:latin typeface="Times New Roman" pitchFamily="18" charset="0"/>
+              </a:defRPr>
+            </a:lvl7pPr>
+            <a:lvl8pPr marL="1371600" algn="l" rtl="0" fontAlgn="base">
+              <a:spcBef>
+                <a:spcPct val="0"/>
+              </a:spcBef>
+              <a:spcAft>
+                <a:spcPct val="0"/>
+              </a:spcAft>
+              <a:defRPr sz="4400">
+                <a:solidFill>
+                  <a:schemeClr val="tx2"/>
+                </a:solidFill>
+                <a:latin typeface="Times New Roman" pitchFamily="18" charset="0"/>
+              </a:defRPr>
+            </a:lvl8pPr>
+            <a:lvl9pPr marL="1828800" algn="l" rtl="0" fontAlgn="base">
+              <a:spcBef>
+                <a:spcPct val="0"/>
+              </a:spcBef>
+              <a:spcAft>
+                <a:spcPct val="0"/>
+              </a:spcAft>
+              <a:defRPr sz="4400">
+                <a:solidFill>
+                  <a:schemeClr val="tx2"/>
+                </a:solidFill>
+                <a:latin typeface="Times New Roman" pitchFamily="18" charset="0"/>
+              </a:defRPr>
+            </a:lvl9pPr>
+          </a:lstStyle>
+          <a:p>
+            <a:pPr algn="ctr">
+              <a:buClrTx/>
+              <a:buSzTx/>
+              <a:buFontTx/>
+              <a:buNone/>
+            </a:pPr>
+            <a:r>
+              <a:rPr kumimoji="0" lang="en-US" altLang="ru-RU" b="1" kern="0" dirty="0" smtClean="0"/>
+              <a:t>HTTP</a:t>
+            </a:r>
+            <a:endParaRPr kumimoji="0" lang="ru-RU" altLang="ru-RU" b="1" kern="0" dirty="0" smtClean="0"/>
+          </a:p>
+        </p:txBody>
+      </p:sp>
+      <p:sp>
+        <p:nvSpPr>
+          <p:cNvPr id="2" name="TextBox 1"/>
+          <p:cNvSpPr txBox="1"/>
+          <p:nvPr/>
+        </p:nvSpPr>
+        <p:spPr>
+          <a:xfrm>
+            <a:off x="107504" y="855413"/>
+            <a:ext cx="8959701" cy="1492716"/>
+          </a:xfrm>
+          <a:prstGeom prst="rect">
+            <a:avLst/>
+          </a:prstGeom>
+          <a:solidFill>
+            <a:srgbClr val="00B050"/>
+          </a:solidFill>
+        </p:spPr>
+        <p:style>
+          <a:lnRef idx="0">
+            <a:schemeClr val="accent2"/>
+          </a:lnRef>
+          <a:fillRef idx="3">
+            <a:schemeClr val="accent2"/>
+          </a:fillRef>
+          <a:effectRef idx="3">
+            <a:schemeClr val="accent2"/>
+          </a:effectRef>
+          <a:fontRef idx="minor">
+            <a:schemeClr val="lt1"/>
+          </a:fontRef>
+        </p:style>
+        <p:txBody>
+          <a:bodyPr wrap="square" rtlCol="0">
+            <a:spAutoFit/>
+          </a:bodyPr>
+          <a:lstStyle/>
+          <a:p>
+            <a:pPr>
+              <a:buNone/>
+            </a:pPr>
+            <a:r>
+              <a:rPr lang="en-US" sz="1300" dirty="0">
+                <a:solidFill>
+                  <a:srgbClr val="100E0C"/>
+                </a:solidFill>
+                <a:latin typeface="Courier" pitchFamily="49" charset="0"/>
+              </a:rPr>
+              <a:t>GET</a:t>
+            </a:r>
+            <a:r>
+              <a:rPr lang="en-US" sz="1300" dirty="0">
+                <a:solidFill>
+                  <a:srgbClr val="100E0C"/>
+                </a:solidFill>
+                <a:latin typeface="Courier" pitchFamily="49" charset="0"/>
+              </a:rPr>
+              <a:t> /wiki/</a:t>
+            </a:r>
+            <a:r>
+              <a:rPr lang="ru-RU" sz="1300" i="1" dirty="0">
+                <a:solidFill>
+                  <a:srgbClr val="100E0C"/>
+                </a:solidFill>
+              </a:rPr>
+              <a:t>страница</a:t>
+            </a:r>
+            <a:r>
+              <a:rPr lang="ru-RU" sz="1300" dirty="0">
+                <a:solidFill>
+                  <a:srgbClr val="100E0C"/>
+                </a:solidFill>
+              </a:rPr>
+              <a:t> </a:t>
+            </a:r>
+            <a:r>
+              <a:rPr lang="en-US" sz="1300" dirty="0" smtClean="0">
+                <a:solidFill>
+                  <a:srgbClr val="100E0C"/>
+                </a:solidFill>
+                <a:latin typeface="Courier" pitchFamily="49" charset="0"/>
+              </a:rPr>
+              <a:t>HTTP/1.1</a:t>
+            </a:r>
+          </a:p>
+          <a:p>
+            <a:pPr>
+              <a:buNone/>
+            </a:pPr>
+            <a:r>
+              <a:rPr lang="en-US" sz="1300" dirty="0" smtClean="0">
+                <a:solidFill>
+                  <a:srgbClr val="100E0C"/>
+                </a:solidFill>
+                <a:latin typeface="Courier" pitchFamily="49" charset="0"/>
+              </a:rPr>
+              <a:t>Host</a:t>
+            </a:r>
+            <a:r>
+              <a:rPr lang="en-US" sz="1300" dirty="0">
+                <a:solidFill>
+                  <a:srgbClr val="100E0C"/>
+                </a:solidFill>
+                <a:latin typeface="Courier" pitchFamily="49" charset="0"/>
+              </a:rPr>
+              <a:t>: </a:t>
+            </a:r>
+            <a:r>
+              <a:rPr lang="en-US" sz="1300" dirty="0" smtClean="0">
+                <a:solidFill>
+                  <a:srgbClr val="100E0C"/>
+                </a:solidFill>
+                <a:latin typeface="Courier" pitchFamily="49" charset="0"/>
+              </a:rPr>
+              <a:t>ru.wikipedia.org</a:t>
+            </a:r>
+          </a:p>
+          <a:p>
+            <a:pPr>
+              <a:buNone/>
+            </a:pPr>
+            <a:r>
+              <a:rPr lang="en-US" sz="1300" dirty="0" smtClean="0">
+                <a:solidFill>
+                  <a:srgbClr val="100E0C"/>
+                </a:solidFill>
+                <a:latin typeface="Courier" pitchFamily="49" charset="0"/>
+              </a:rPr>
+              <a:t>User-Agent</a:t>
+            </a:r>
+            <a:r>
+              <a:rPr lang="en-US" sz="1300" dirty="0">
+                <a:solidFill>
+                  <a:srgbClr val="100E0C"/>
+                </a:solidFill>
+                <a:latin typeface="Courier" pitchFamily="49" charset="0"/>
+              </a:rPr>
+              <a:t>: Mozilla/5.0 (X11; U; Linux i686; </a:t>
+            </a:r>
+            <a:r>
+              <a:rPr lang="en-US" sz="1300" dirty="0" err="1">
+                <a:solidFill>
+                  <a:srgbClr val="100E0C"/>
+                </a:solidFill>
+                <a:latin typeface="Courier" pitchFamily="49" charset="0"/>
+              </a:rPr>
+              <a:t>ru</a:t>
+            </a:r>
+            <a:r>
+              <a:rPr lang="en-US" sz="1300" dirty="0">
+                <a:solidFill>
+                  <a:srgbClr val="100E0C"/>
+                </a:solidFill>
+                <a:latin typeface="Courier" pitchFamily="49" charset="0"/>
+              </a:rPr>
+              <a:t>; rv:1.9b5) Gecko/2008050509 </a:t>
+            </a:r>
+            <a:r>
+              <a:rPr lang="en-US" sz="1300" dirty="0" smtClean="0">
+                <a:solidFill>
+                  <a:srgbClr val="100E0C"/>
+                </a:solidFill>
+                <a:latin typeface="Courier" pitchFamily="49" charset="0"/>
+              </a:rPr>
+              <a:t>Firefox/3.0b5</a:t>
+            </a:r>
+          </a:p>
+          <a:p>
+            <a:pPr>
+              <a:buNone/>
+            </a:pPr>
+            <a:r>
+              <a:rPr lang="en-US" sz="1300" dirty="0" smtClean="0">
+                <a:solidFill>
+                  <a:srgbClr val="100E0C"/>
+                </a:solidFill>
+                <a:latin typeface="Courier" pitchFamily="49" charset="0"/>
+              </a:rPr>
+              <a:t>Accept</a:t>
+            </a:r>
+            <a:r>
+              <a:rPr lang="en-US" sz="1300" dirty="0">
+                <a:solidFill>
+                  <a:srgbClr val="100E0C"/>
+                </a:solidFill>
+                <a:latin typeface="Courier" pitchFamily="49" charset="0"/>
+              </a:rPr>
+              <a:t>: </a:t>
+            </a:r>
+            <a:r>
+              <a:rPr lang="en-US" sz="1300" dirty="0" smtClean="0">
+                <a:solidFill>
+                  <a:srgbClr val="100E0C"/>
+                </a:solidFill>
+                <a:latin typeface="Courier" pitchFamily="49" charset="0"/>
+              </a:rPr>
+              <a:t>text/html</a:t>
+            </a:r>
+          </a:p>
+          <a:p>
+            <a:pPr>
+              <a:buNone/>
+            </a:pPr>
+            <a:r>
+              <a:rPr lang="en-US" sz="1300" dirty="0" smtClean="0">
+                <a:solidFill>
+                  <a:srgbClr val="100E0C"/>
+                </a:solidFill>
+                <a:latin typeface="Courier" pitchFamily="49" charset="0"/>
+              </a:rPr>
+              <a:t>Connection</a:t>
+            </a:r>
+            <a:r>
+              <a:rPr lang="en-US" sz="1300" dirty="0">
+                <a:solidFill>
+                  <a:srgbClr val="100E0C"/>
+                </a:solidFill>
+                <a:latin typeface="Courier" pitchFamily="49" charset="0"/>
+              </a:rPr>
+              <a:t>: </a:t>
+            </a:r>
+            <a:r>
+              <a:rPr lang="en-US" sz="1300" dirty="0" smtClean="0">
+                <a:solidFill>
+                  <a:srgbClr val="100E0C"/>
+                </a:solidFill>
+                <a:latin typeface="Courier" pitchFamily="49" charset="0"/>
+              </a:rPr>
+              <a:t>close</a:t>
+            </a:r>
+          </a:p>
+          <a:p>
+            <a:pPr>
+              <a:buNone/>
+            </a:pPr>
+            <a:endParaRPr lang="ru-RU" sz="1300" dirty="0">
+              <a:solidFill>
+                <a:srgbClr val="100E0C"/>
+              </a:solidFill>
+            </a:endParaRPr>
+          </a:p>
+        </p:txBody>
+      </p:sp>
+      <p:sp>
+        <p:nvSpPr>
+          <p:cNvPr id="6" name="TextBox 5"/>
+          <p:cNvSpPr txBox="1"/>
+          <p:nvPr/>
+        </p:nvSpPr>
+        <p:spPr>
+          <a:xfrm>
+            <a:off x="2478807" y="2603772"/>
+            <a:ext cx="6369024" cy="3884140"/>
+          </a:xfrm>
+          <a:prstGeom prst="rect">
+            <a:avLst/>
+          </a:prstGeom>
+          <a:solidFill>
+            <a:srgbClr val="00B0F0"/>
+          </a:solidFill>
+        </p:spPr>
+        <p:style>
+          <a:lnRef idx="0">
+            <a:schemeClr val="accent6"/>
+          </a:lnRef>
+          <a:fillRef idx="3">
+            <a:schemeClr val="accent6"/>
+          </a:fillRef>
+          <a:effectRef idx="3">
+            <a:schemeClr val="accent6"/>
+          </a:effectRef>
+          <a:fontRef idx="minor">
+            <a:schemeClr val="lt1"/>
+          </a:fontRef>
+        </p:style>
+        <p:txBody>
+          <a:bodyPr wrap="square" rtlCol="0">
+            <a:spAutoFit/>
+          </a:bodyPr>
+          <a:lstStyle/>
+          <a:p>
+            <a:pPr>
+              <a:buNone/>
+            </a:pPr>
+            <a:r>
+              <a:rPr lang="en-US" sz="1600" dirty="0">
+                <a:solidFill>
+                  <a:srgbClr val="100E0C"/>
+                </a:solidFill>
+                <a:latin typeface="Courier" pitchFamily="49" charset="0"/>
+              </a:rPr>
+              <a:t>HTTP/1.1 200 </a:t>
+            </a:r>
+            <a:r>
+              <a:rPr lang="en-US" sz="1600" dirty="0" smtClean="0">
+                <a:solidFill>
+                  <a:srgbClr val="100E0C"/>
+                </a:solidFill>
+                <a:latin typeface="Courier" pitchFamily="49" charset="0"/>
+              </a:rPr>
+              <a:t>OK</a:t>
+            </a:r>
+          </a:p>
+          <a:p>
+            <a:pPr>
+              <a:buNone/>
+            </a:pPr>
+            <a:r>
+              <a:rPr lang="en-US" sz="1600" dirty="0" smtClean="0">
+                <a:solidFill>
+                  <a:srgbClr val="100E0C"/>
+                </a:solidFill>
+                <a:latin typeface="Courier" pitchFamily="49" charset="0"/>
+              </a:rPr>
+              <a:t>Date</a:t>
+            </a:r>
+            <a:r>
+              <a:rPr lang="en-US" sz="1600" dirty="0">
+                <a:solidFill>
+                  <a:srgbClr val="100E0C"/>
+                </a:solidFill>
+                <a:latin typeface="Courier" pitchFamily="49" charset="0"/>
+              </a:rPr>
+              <a:t>: Wed, 11 Feb 2009 11:20:59 </a:t>
+            </a:r>
+            <a:r>
+              <a:rPr lang="en-US" sz="1600" dirty="0" smtClean="0">
+                <a:solidFill>
+                  <a:srgbClr val="100E0C"/>
+                </a:solidFill>
+                <a:latin typeface="Courier" pitchFamily="49" charset="0"/>
+              </a:rPr>
+              <a:t>GMT</a:t>
+            </a:r>
+          </a:p>
+          <a:p>
+            <a:pPr>
+              <a:buNone/>
+            </a:pPr>
+            <a:r>
+              <a:rPr lang="en-US" sz="1600" dirty="0" smtClean="0">
+                <a:solidFill>
+                  <a:srgbClr val="100E0C"/>
+                </a:solidFill>
+                <a:latin typeface="Courier" pitchFamily="49" charset="0"/>
+              </a:rPr>
+              <a:t>Server</a:t>
+            </a:r>
+            <a:r>
+              <a:rPr lang="en-US" sz="1600" dirty="0">
+                <a:solidFill>
+                  <a:srgbClr val="100E0C"/>
+                </a:solidFill>
+                <a:latin typeface="Courier" pitchFamily="49" charset="0"/>
+              </a:rPr>
+              <a:t>: </a:t>
+            </a:r>
+            <a:r>
+              <a:rPr lang="en-US" sz="1600" dirty="0" smtClean="0">
+                <a:solidFill>
+                  <a:srgbClr val="100E0C"/>
+                </a:solidFill>
+                <a:latin typeface="Courier" pitchFamily="49" charset="0"/>
+              </a:rPr>
+              <a:t>Apache</a:t>
+            </a:r>
+          </a:p>
+          <a:p>
+            <a:pPr>
+              <a:buNone/>
+            </a:pPr>
+            <a:r>
+              <a:rPr lang="en-US" sz="1600" dirty="0" smtClean="0">
+                <a:solidFill>
+                  <a:srgbClr val="100E0C"/>
+                </a:solidFill>
+                <a:latin typeface="Courier" pitchFamily="49" charset="0"/>
+              </a:rPr>
+              <a:t>X-Powered-By</a:t>
+            </a:r>
+            <a:r>
+              <a:rPr lang="en-US" sz="1600" dirty="0">
+                <a:solidFill>
+                  <a:srgbClr val="100E0C"/>
+                </a:solidFill>
+                <a:latin typeface="Courier" pitchFamily="49" charset="0"/>
+              </a:rPr>
+              <a:t>: </a:t>
+            </a:r>
+            <a:r>
+              <a:rPr lang="en-US" sz="1600" dirty="0" smtClean="0">
+                <a:solidFill>
+                  <a:srgbClr val="100E0C"/>
+                </a:solidFill>
+                <a:latin typeface="Courier" pitchFamily="49" charset="0"/>
+              </a:rPr>
+              <a:t>PHP/5.2.4-2ubuntu5wm1</a:t>
+            </a:r>
+          </a:p>
+          <a:p>
+            <a:pPr>
+              <a:buNone/>
+            </a:pPr>
+            <a:r>
+              <a:rPr lang="en-US" sz="1600" dirty="0" smtClean="0">
+                <a:solidFill>
+                  <a:srgbClr val="100E0C"/>
+                </a:solidFill>
+                <a:latin typeface="Courier" pitchFamily="49" charset="0"/>
+              </a:rPr>
+              <a:t>Last-Modified</a:t>
+            </a:r>
+            <a:r>
+              <a:rPr lang="en-US" sz="1600" dirty="0">
+                <a:solidFill>
+                  <a:srgbClr val="100E0C"/>
+                </a:solidFill>
+                <a:latin typeface="Courier" pitchFamily="49" charset="0"/>
+              </a:rPr>
+              <a:t>: Wed, 11 Feb 2009 11:20:59 </a:t>
+            </a:r>
+            <a:r>
+              <a:rPr lang="en-US" sz="1600" dirty="0" smtClean="0">
+                <a:solidFill>
+                  <a:srgbClr val="100E0C"/>
+                </a:solidFill>
+                <a:latin typeface="Courier" pitchFamily="49" charset="0"/>
+              </a:rPr>
+              <a:t>GMT</a:t>
+            </a:r>
+          </a:p>
+          <a:p>
+            <a:pPr>
+              <a:buNone/>
+            </a:pPr>
+            <a:r>
+              <a:rPr lang="en-US" sz="1600" dirty="0" smtClean="0">
+                <a:solidFill>
+                  <a:srgbClr val="100E0C"/>
+                </a:solidFill>
+                <a:latin typeface="Courier" pitchFamily="49" charset="0"/>
+              </a:rPr>
+              <a:t>Content-Language</a:t>
+            </a:r>
+            <a:r>
+              <a:rPr lang="en-US" sz="1600" dirty="0">
+                <a:solidFill>
+                  <a:srgbClr val="100E0C"/>
+                </a:solidFill>
+                <a:latin typeface="Courier" pitchFamily="49" charset="0"/>
+              </a:rPr>
+              <a:t>: </a:t>
+            </a:r>
+            <a:r>
+              <a:rPr lang="en-US" sz="1600" dirty="0" err="1" smtClean="0">
+                <a:solidFill>
+                  <a:srgbClr val="100E0C"/>
+                </a:solidFill>
+                <a:latin typeface="Courier" pitchFamily="49" charset="0"/>
+              </a:rPr>
+              <a:t>ru</a:t>
+            </a:r>
+            <a:endParaRPr lang="en-US" sz="1600" dirty="0" smtClean="0">
+              <a:solidFill>
+                <a:srgbClr val="100E0C"/>
+              </a:solidFill>
+              <a:latin typeface="Courier" pitchFamily="49" charset="0"/>
+            </a:endParaRPr>
+          </a:p>
+          <a:p>
+            <a:pPr>
+              <a:buNone/>
+            </a:pPr>
+            <a:r>
+              <a:rPr lang="en-US" sz="1600" dirty="0" smtClean="0">
+                <a:solidFill>
+                  <a:srgbClr val="100E0C"/>
+                </a:solidFill>
+                <a:latin typeface="Courier" pitchFamily="49" charset="0"/>
+              </a:rPr>
+              <a:t>Content-Type</a:t>
+            </a:r>
+            <a:r>
+              <a:rPr lang="en-US" sz="1600" dirty="0">
+                <a:solidFill>
+                  <a:srgbClr val="100E0C"/>
+                </a:solidFill>
+                <a:latin typeface="Courier" pitchFamily="49" charset="0"/>
+              </a:rPr>
+              <a:t>: text/html; </a:t>
+            </a:r>
+            <a:r>
+              <a:rPr lang="en-US" sz="1600" dirty="0" smtClean="0">
+                <a:solidFill>
+                  <a:srgbClr val="100E0C"/>
+                </a:solidFill>
+                <a:latin typeface="Courier" pitchFamily="49" charset="0"/>
+              </a:rPr>
+              <a:t>charset=utf-8</a:t>
+            </a:r>
+          </a:p>
+          <a:p>
+            <a:pPr>
+              <a:buNone/>
+            </a:pPr>
+            <a:r>
+              <a:rPr lang="en-US" sz="1600" dirty="0" smtClean="0">
+                <a:solidFill>
+                  <a:srgbClr val="100E0C"/>
+                </a:solidFill>
+                <a:latin typeface="Courier" pitchFamily="49" charset="0"/>
+              </a:rPr>
+              <a:t>Content-Length</a:t>
+            </a:r>
+            <a:r>
+              <a:rPr lang="en-US" sz="1600" dirty="0">
+                <a:solidFill>
+                  <a:srgbClr val="100E0C"/>
+                </a:solidFill>
+                <a:latin typeface="Courier" pitchFamily="49" charset="0"/>
+              </a:rPr>
+              <a:t>: </a:t>
+            </a:r>
+            <a:r>
+              <a:rPr lang="en-US" sz="1600" dirty="0" smtClean="0">
+                <a:solidFill>
+                  <a:srgbClr val="100E0C"/>
+                </a:solidFill>
+                <a:latin typeface="Courier" pitchFamily="49" charset="0"/>
+              </a:rPr>
+              <a:t>1234</a:t>
+            </a:r>
+          </a:p>
+          <a:p>
+            <a:pPr>
+              <a:buNone/>
+            </a:pPr>
+            <a:r>
+              <a:rPr lang="en-US" sz="1600" dirty="0" smtClean="0">
+                <a:solidFill>
+                  <a:srgbClr val="100E0C"/>
+                </a:solidFill>
+                <a:latin typeface="Courier" pitchFamily="49" charset="0"/>
+              </a:rPr>
+              <a:t>Connection</a:t>
+            </a:r>
+            <a:r>
+              <a:rPr lang="en-US" sz="1600" dirty="0">
+                <a:solidFill>
+                  <a:srgbClr val="100E0C"/>
+                </a:solidFill>
+                <a:latin typeface="Courier" pitchFamily="49" charset="0"/>
+              </a:rPr>
+              <a:t>: close </a:t>
+            </a:r>
+            <a:endParaRPr lang="en-US" sz="1600" dirty="0" smtClean="0">
+              <a:solidFill>
+                <a:srgbClr val="100E0C"/>
+              </a:solidFill>
+              <a:latin typeface="Courier" pitchFamily="49" charset="0"/>
+            </a:endParaRPr>
+          </a:p>
+          <a:p>
+            <a:pPr>
+              <a:buNone/>
+            </a:pPr>
+            <a:endParaRPr lang="en-US" sz="1600" dirty="0">
+              <a:solidFill>
+                <a:srgbClr val="100E0C"/>
+              </a:solidFill>
+              <a:latin typeface="Courier" pitchFamily="49" charset="0"/>
+            </a:endParaRPr>
+          </a:p>
+          <a:p>
+            <a:pPr>
+              <a:buNone/>
+            </a:pPr>
+            <a:r>
+              <a:rPr lang="en-US" sz="1600" dirty="0" smtClean="0">
+                <a:solidFill>
+                  <a:srgbClr val="100E0C"/>
+                </a:solidFill>
+                <a:latin typeface="Courier" pitchFamily="49" charset="0"/>
+              </a:rPr>
+              <a:t>&lt;DOCTYPE html&gt;</a:t>
+            </a:r>
+          </a:p>
+          <a:p>
+            <a:pPr>
+              <a:buNone/>
+            </a:pPr>
+            <a:r>
+              <a:rPr lang="en-US" sz="1600" dirty="0" smtClean="0">
+                <a:solidFill>
+                  <a:srgbClr val="100E0C"/>
+                </a:solidFill>
+                <a:latin typeface="Courier" pitchFamily="49" charset="0"/>
+              </a:rPr>
+              <a:t>&lt;html&gt;</a:t>
+            </a:r>
+          </a:p>
+          <a:p>
+            <a:pPr>
+              <a:buNone/>
+            </a:pPr>
+            <a:r>
+              <a:rPr lang="en-US" sz="1600" dirty="0" smtClean="0">
+                <a:solidFill>
+                  <a:srgbClr val="100E0C"/>
+                </a:solidFill>
+                <a:latin typeface="Courier" pitchFamily="49" charset="0"/>
+              </a:rPr>
+              <a:t>…</a:t>
+            </a:r>
+          </a:p>
+        </p:txBody>
+      </p:sp>
+      <p:sp>
+        <p:nvSpPr>
+          <p:cNvPr id="7" name="Стрелка углом 6"/>
+          <p:cNvSpPr/>
+          <p:nvPr/>
+        </p:nvSpPr>
+        <p:spPr bwMode="auto">
+          <a:xfrm flipV="1">
+            <a:off x="971600" y="2636911"/>
+            <a:ext cx="1296144" cy="1152128"/>
+          </a:xfrm>
+          <a:prstGeom prst="bentArrow">
+            <a:avLst/>
+          </a:prstGeom>
+          <a:ln>
+            <a:headEnd type="none" w="med" len="med"/>
+            <a:tailEnd type="none" w="med" len="med"/>
+          </a:ln>
+          <a:extLst/>
+        </p:spPr>
+        <p:style>
+          <a:lnRef idx="0">
+            <a:schemeClr val="accent1"/>
+          </a:lnRef>
+          <a:fillRef idx="3">
+            <a:schemeClr val="accent1"/>
+          </a:fillRef>
+          <a:effectRef idx="3">
+            <a:schemeClr val="accent1"/>
+          </a:effectRef>
+          <a:fontRef idx="minor">
+            <a:schemeClr val="lt1"/>
+          </a:fontRef>
+        </p:style>
+        <p:txBody>
+          <a:bodyPr vert="horz" wrap="square" lIns="91440" tIns="45720" rIns="91440" bIns="0" numCol="1" rtlCol="0" anchor="t" anchorCtr="0" compatLnSpc="1">
+            <a:prstTxWarp prst="textNoShape">
+              <a:avLst/>
+            </a:prstTxWarp>
+          </a:bodyPr>
+          <a:lstStyle/>
+          <a:p>
+            <a:pPr marL="457200" marR="0" indent="-457200" algn="l" defTabSz="914400" rtl="0" eaLnBrk="1" fontAlgn="base" latinLnBrk="0" hangingPunct="1">
+              <a:lnSpc>
+                <a:spcPct val="100000"/>
+              </a:lnSpc>
+              <a:spcBef>
+                <a:spcPct val="20000"/>
+              </a:spcBef>
+              <a:spcAft>
+                <a:spcPct val="0"/>
+              </a:spcAft>
+              <a:buClr>
+                <a:srgbClr val="A50021"/>
+              </a:buClr>
+              <a:buSzPct val="75000"/>
+              <a:buFont typeface="Wingdings" pitchFamily="2" charset="2"/>
+              <a:buChar char="n"/>
+              <a:tabLst/>
+            </a:pPr>
+            <a:endParaRPr kumimoji="1" lang="ru-RU" sz="2000" b="0" i="0" u="none" strike="noStrike" cap="none" normalizeH="0" baseline="0" smtClean="0">
+              <a:ln>
+                <a:noFill/>
+              </a:ln>
+              <a:solidFill>
+                <a:schemeClr val="tx1"/>
+              </a:solidFill>
+              <a:effectLst/>
+              <a:latin typeface="Times New Roman" pitchFamily="18" charset="0"/>
+              <a:cs typeface="Times New Roman" pitchFamily="18" charset="0"/>
+            </a:endParaRPr>
+          </a:p>
+        </p:txBody>
+      </p:sp>
+    </p:spTree>
+    <p:extLst>
+      <p:ext uri="{BB962C8B-B14F-4D97-AF65-F5344CB8AC3E}">
+        <p14:creationId xmlns:p14="http://schemas.microsoft.com/office/powerpoint/2010/main" val="2680054156"/>
+      </p:ext>
+    </p:extLst>
   </p:cSld>
   <p:clrMapOvr>
     <a:masterClrMapping/>
@@ -11720,8 +17287,8 @@
         </p:nvSpPr>
         <p:spPr>
           <a:xfrm>
-            <a:off x="5724128" y="3212976"/>
-            <a:ext cx="2880320" cy="3151632"/>
+            <a:off x="5724128" y="2852936"/>
+            <a:ext cx="2880320" cy="3668697"/>
           </a:xfrm>
           <a:prstGeom prst="rect">
             <a:avLst/>
@@ -11735,8 +17302,25 @@
           <a:lstStyle/>
           <a:p>
             <a:r>
+              <a:rPr lang="en-US" sz="1400" dirty="0" smtClean="0"/>
+              <a:t>1984</a:t>
+            </a:r>
+          </a:p>
+          <a:p>
+            <a:r>
+              <a:rPr lang="en-US" sz="1400" dirty="0" smtClean="0"/>
+              <a:t>RFC 882, 883</a:t>
+            </a:r>
+            <a:endParaRPr lang="en-US" sz="1400" dirty="0" smtClean="0"/>
+          </a:p>
+          <a:p>
+            <a:r>
               <a:rPr lang="ru-RU" sz="1400" strike="sngStrike" dirty="0" smtClean="0"/>
-              <a:t>Широковещательный способ</a:t>
+              <a:t>Широковещательный </a:t>
+            </a:r>
+            <a:r>
+              <a:rPr lang="ru-RU" sz="1400" strike="sngStrike" dirty="0" smtClean="0"/>
+              <a:t>способ</a:t>
             </a:r>
           </a:p>
           <a:p>
@@ -12522,6 +18106,2146 @@
     <p:extLst>
       <p:ext uri="{BB962C8B-B14F-4D97-AF65-F5344CB8AC3E}">
         <p14:creationId xmlns:p14="http://schemas.microsoft.com/office/powerpoint/2010/main" val="2162677953"/>
+      </p:ext>
+    </p:extLst>
+  </p:cSld>
+  <p:clrMapOvr>
+    <a:masterClrMapping/>
+  </p:clrMapOvr>
+  <p:timing>
+    <p:tnLst>
+      <p:par>
+        <p:cTn id="1" dur="indefinite" restart="never" nodeType="tmRoot"/>
+      </p:par>
+    </p:tnLst>
+  </p:timing>
+</p:sld>
+</file>
+
+<file path=ppt/slides/slide6.xml><?xml version="1.0" encoding="utf-8"?>
+<p:sld xmlns:a="http://schemas.openxmlformats.org/drawingml/2006/main" xmlns:r="http://schemas.openxmlformats.org/officeDocument/2006/relationships" xmlns:p="http://schemas.openxmlformats.org/presentationml/2006/main">
+  <p:cSld>
+    <p:spTree>
+      <p:nvGrpSpPr>
+        <p:cNvPr id="1" name=""/>
+        <p:cNvGrpSpPr/>
+        <p:nvPr/>
+      </p:nvGrpSpPr>
+      <p:grpSpPr>
+        <a:xfrm>
+          <a:off x="0" y="0"/>
+          <a:ext cx="0" cy="0"/>
+          <a:chOff x="0" y="0"/>
+          <a:chExt cx="0" cy="0"/>
+        </a:xfrm>
+      </p:grpSpPr>
+      <p:sp>
+        <p:nvSpPr>
+          <p:cNvPr id="123" name="Заголовок 1"/>
+          <p:cNvSpPr txBox="1">
+            <a:spLocks/>
+          </p:cNvSpPr>
+          <p:nvPr/>
+        </p:nvSpPr>
+        <p:spPr>
+          <a:xfrm>
+            <a:off x="251520" y="427559"/>
+            <a:ext cx="8892480" cy="1008112"/>
+          </a:xfrm>
+          <a:prstGeom prst="rect">
+            <a:avLst/>
+          </a:prstGeom>
+        </p:spPr>
+        <p:txBody>
+          <a:bodyPr/>
+          <a:lstStyle>
+            <a:lvl1pPr algn="l" rtl="0" fontAlgn="base">
+              <a:spcBef>
+                <a:spcPct val="0"/>
+              </a:spcBef>
+              <a:spcAft>
+                <a:spcPct val="0"/>
+              </a:spcAft>
+              <a:defRPr sz="4400">
+                <a:solidFill>
+                  <a:schemeClr val="tx2"/>
+                </a:solidFill>
+                <a:latin typeface="+mj-lt"/>
+                <a:ea typeface="+mj-ea"/>
+                <a:cs typeface="+mj-cs"/>
+              </a:defRPr>
+            </a:lvl1pPr>
+            <a:lvl2pPr algn="l" rtl="0" fontAlgn="base">
+              <a:spcBef>
+                <a:spcPct val="0"/>
+              </a:spcBef>
+              <a:spcAft>
+                <a:spcPct val="0"/>
+              </a:spcAft>
+              <a:defRPr sz="4400">
+                <a:solidFill>
+                  <a:schemeClr val="tx2"/>
+                </a:solidFill>
+                <a:latin typeface="Times New Roman" pitchFamily="18" charset="0"/>
+              </a:defRPr>
+            </a:lvl2pPr>
+            <a:lvl3pPr algn="l" rtl="0" fontAlgn="base">
+              <a:spcBef>
+                <a:spcPct val="0"/>
+              </a:spcBef>
+              <a:spcAft>
+                <a:spcPct val="0"/>
+              </a:spcAft>
+              <a:defRPr sz="4400">
+                <a:solidFill>
+                  <a:schemeClr val="tx2"/>
+                </a:solidFill>
+                <a:latin typeface="Times New Roman" pitchFamily="18" charset="0"/>
+              </a:defRPr>
+            </a:lvl3pPr>
+            <a:lvl4pPr algn="l" rtl="0" fontAlgn="base">
+              <a:spcBef>
+                <a:spcPct val="0"/>
+              </a:spcBef>
+              <a:spcAft>
+                <a:spcPct val="0"/>
+              </a:spcAft>
+              <a:defRPr sz="4400">
+                <a:solidFill>
+                  <a:schemeClr val="tx2"/>
+                </a:solidFill>
+                <a:latin typeface="Times New Roman" pitchFamily="18" charset="0"/>
+              </a:defRPr>
+            </a:lvl4pPr>
+            <a:lvl5pPr algn="l" rtl="0" fontAlgn="base">
+              <a:spcBef>
+                <a:spcPct val="0"/>
+              </a:spcBef>
+              <a:spcAft>
+                <a:spcPct val="0"/>
+              </a:spcAft>
+              <a:defRPr sz="4400">
+                <a:solidFill>
+                  <a:schemeClr val="tx2"/>
+                </a:solidFill>
+                <a:latin typeface="Times New Roman" pitchFamily="18" charset="0"/>
+              </a:defRPr>
+            </a:lvl5pPr>
+            <a:lvl6pPr marL="457200" algn="l" rtl="0" fontAlgn="base">
+              <a:spcBef>
+                <a:spcPct val="0"/>
+              </a:spcBef>
+              <a:spcAft>
+                <a:spcPct val="0"/>
+              </a:spcAft>
+              <a:defRPr sz="4400">
+                <a:solidFill>
+                  <a:schemeClr val="tx2"/>
+                </a:solidFill>
+                <a:latin typeface="Times New Roman" pitchFamily="18" charset="0"/>
+              </a:defRPr>
+            </a:lvl6pPr>
+            <a:lvl7pPr marL="914400" algn="l" rtl="0" fontAlgn="base">
+              <a:spcBef>
+                <a:spcPct val="0"/>
+              </a:spcBef>
+              <a:spcAft>
+                <a:spcPct val="0"/>
+              </a:spcAft>
+              <a:defRPr sz="4400">
+                <a:solidFill>
+                  <a:schemeClr val="tx2"/>
+                </a:solidFill>
+                <a:latin typeface="Times New Roman" pitchFamily="18" charset="0"/>
+              </a:defRPr>
+            </a:lvl7pPr>
+            <a:lvl8pPr marL="1371600" algn="l" rtl="0" fontAlgn="base">
+              <a:spcBef>
+                <a:spcPct val="0"/>
+              </a:spcBef>
+              <a:spcAft>
+                <a:spcPct val="0"/>
+              </a:spcAft>
+              <a:defRPr sz="4400">
+                <a:solidFill>
+                  <a:schemeClr val="tx2"/>
+                </a:solidFill>
+                <a:latin typeface="Times New Roman" pitchFamily="18" charset="0"/>
+              </a:defRPr>
+            </a:lvl8pPr>
+            <a:lvl9pPr marL="1828800" algn="l" rtl="0" fontAlgn="base">
+              <a:spcBef>
+                <a:spcPct val="0"/>
+              </a:spcBef>
+              <a:spcAft>
+                <a:spcPct val="0"/>
+              </a:spcAft>
+              <a:defRPr sz="4400">
+                <a:solidFill>
+                  <a:schemeClr val="tx2"/>
+                </a:solidFill>
+                <a:latin typeface="Times New Roman" pitchFamily="18" charset="0"/>
+              </a:defRPr>
+            </a:lvl9pPr>
+          </a:lstStyle>
+          <a:p>
+            <a:pPr algn="ctr">
+              <a:buClrTx/>
+              <a:buSzTx/>
+              <a:buFontTx/>
+              <a:buNone/>
+            </a:pPr>
+            <a:r>
+              <a:rPr kumimoji="0" lang="ru-RU" altLang="ru-RU" b="1" kern="0" dirty="0" smtClean="0"/>
+              <a:t>Протокол </a:t>
+            </a:r>
+            <a:r>
+              <a:rPr kumimoji="0" lang="en-US" altLang="ru-RU" b="1" kern="0" dirty="0" smtClean="0"/>
+              <a:t>DNS</a:t>
+            </a:r>
+            <a:endParaRPr kumimoji="0" lang="ru-RU" altLang="ru-RU" b="1" kern="0" dirty="0" smtClean="0"/>
+          </a:p>
+        </p:txBody>
+      </p:sp>
+      <p:sp>
+        <p:nvSpPr>
+          <p:cNvPr id="4" name="TextBox 3"/>
+          <p:cNvSpPr txBox="1"/>
+          <p:nvPr/>
+        </p:nvSpPr>
+        <p:spPr>
+          <a:xfrm>
+            <a:off x="1475656" y="1300698"/>
+            <a:ext cx="1656184" cy="400110"/>
+          </a:xfrm>
+          <a:prstGeom prst="rect">
+            <a:avLst/>
+          </a:prstGeom>
+          <a:solidFill>
+            <a:srgbClr val="00B050"/>
+          </a:solidFill>
+        </p:spPr>
+        <p:style>
+          <a:lnRef idx="0">
+            <a:schemeClr val="accent2"/>
+          </a:lnRef>
+          <a:fillRef idx="3">
+            <a:schemeClr val="accent2"/>
+          </a:fillRef>
+          <a:effectRef idx="3">
+            <a:schemeClr val="accent2"/>
+          </a:effectRef>
+          <a:fontRef idx="minor">
+            <a:schemeClr val="lt1"/>
+          </a:fontRef>
+        </p:style>
+        <p:txBody>
+          <a:bodyPr wrap="square" rtlCol="0">
+            <a:spAutoFit/>
+          </a:bodyPr>
+          <a:lstStyle/>
+          <a:p>
+            <a:pPr algn="ctr">
+              <a:buNone/>
+            </a:pPr>
+            <a:r>
+              <a:rPr lang="en-US" dirty="0" smtClean="0"/>
+              <a:t>UDP</a:t>
+            </a:r>
+            <a:endParaRPr lang="ru-RU" dirty="0"/>
+          </a:p>
+        </p:txBody>
+      </p:sp>
+      <p:sp>
+        <p:nvSpPr>
+          <p:cNvPr id="9" name="TextBox 8"/>
+          <p:cNvSpPr txBox="1"/>
+          <p:nvPr/>
+        </p:nvSpPr>
+        <p:spPr>
+          <a:xfrm>
+            <a:off x="5940152" y="1300698"/>
+            <a:ext cx="1656184" cy="400110"/>
+          </a:xfrm>
+          <a:prstGeom prst="rect">
+            <a:avLst/>
+          </a:prstGeom>
+          <a:solidFill>
+            <a:srgbClr val="00B0F0"/>
+          </a:solidFill>
+        </p:spPr>
+        <p:style>
+          <a:lnRef idx="0">
+            <a:schemeClr val="accent2"/>
+          </a:lnRef>
+          <a:fillRef idx="3">
+            <a:schemeClr val="accent2"/>
+          </a:fillRef>
+          <a:effectRef idx="3">
+            <a:schemeClr val="accent2"/>
+          </a:effectRef>
+          <a:fontRef idx="minor">
+            <a:schemeClr val="lt1"/>
+          </a:fontRef>
+        </p:style>
+        <p:txBody>
+          <a:bodyPr wrap="square" rtlCol="0">
+            <a:spAutoFit/>
+          </a:bodyPr>
+          <a:lstStyle/>
+          <a:p>
+            <a:pPr algn="ctr">
+              <a:buNone/>
+            </a:pPr>
+            <a:r>
+              <a:rPr lang="en-US" dirty="0" smtClean="0"/>
+              <a:t>TCP</a:t>
+            </a:r>
+            <a:endParaRPr lang="ru-RU" dirty="0"/>
+          </a:p>
+        </p:txBody>
+      </p:sp>
+      <p:sp>
+        <p:nvSpPr>
+          <p:cNvPr id="6" name="TextBox 5"/>
+          <p:cNvSpPr txBox="1"/>
+          <p:nvPr/>
+        </p:nvSpPr>
+        <p:spPr>
+          <a:xfrm>
+            <a:off x="3851920" y="1300698"/>
+            <a:ext cx="1271310" cy="400110"/>
+          </a:xfrm>
+          <a:prstGeom prst="rect">
+            <a:avLst/>
+          </a:prstGeom>
+          <a:noFill/>
+        </p:spPr>
+        <p:txBody>
+          <a:bodyPr wrap="none" rtlCol="0">
+            <a:spAutoFit/>
+          </a:bodyPr>
+          <a:lstStyle/>
+          <a:p>
+            <a:r>
+              <a:rPr lang="ru-RU" dirty="0" smtClean="0"/>
+              <a:t>Порт: 53</a:t>
+            </a:r>
+            <a:endParaRPr lang="ru-RU" dirty="0"/>
+          </a:p>
+        </p:txBody>
+      </p:sp>
+      <p:pic>
+        <p:nvPicPr>
+          <p:cNvPr id="11" name="Picture 10" descr=" icon"/>
+          <p:cNvPicPr>
+            <a:picLocks noChangeAspect="1" noChangeArrowheads="1"/>
+          </p:cNvPicPr>
+          <p:nvPr/>
+        </p:nvPicPr>
+        <p:blipFill>
+          <a:blip r:embed="rId2" cstate="print">
+            <a:extLst>
+              <a:ext uri="{28A0092B-C50C-407E-A947-70E740481C1C}">
+                <a14:useLocalDpi xmlns:a14="http://schemas.microsoft.com/office/drawing/2010/main" val="0"/>
+              </a:ext>
+            </a:extLst>
+          </a:blip>
+          <a:srcRect/>
+          <a:stretch>
+            <a:fillRect/>
+          </a:stretch>
+        </p:blipFill>
+        <p:spPr bwMode="auto">
+          <a:xfrm>
+            <a:off x="1104898" y="5454022"/>
+            <a:ext cx="741515" cy="741515"/>
+          </a:xfrm>
+          <a:prstGeom prst="rect">
+            <a:avLst/>
+          </a:prstGeom>
+          <a:noFill/>
+          <a:extLst>
+            <a:ext uri="{909E8E84-426E-40DD-AFC4-6F175D3DCCD1}">
+              <a14:hiddenFill xmlns:a14="http://schemas.microsoft.com/office/drawing/2010/main">
+                <a:solidFill>
+                  <a:srgbClr val="FFFFFF"/>
+                </a:solidFill>
+              </a14:hiddenFill>
+            </a:ext>
+          </a:extLst>
+        </p:spPr>
+      </p:pic>
+      <p:pic>
+        <p:nvPicPr>
+          <p:cNvPr id="14340" name="Picture 4" descr="Картинки по запросу server svg"/>
+          <p:cNvPicPr>
+            <a:picLocks noChangeAspect="1" noChangeArrowheads="1"/>
+          </p:cNvPicPr>
+          <p:nvPr/>
+        </p:nvPicPr>
+        <p:blipFill>
+          <a:blip r:embed="rId3" cstate="print">
+            <a:extLst>
+              <a:ext uri="{28A0092B-C50C-407E-A947-70E740481C1C}">
+                <a14:useLocalDpi xmlns:a14="http://schemas.microsoft.com/office/drawing/2010/main" val="0"/>
+              </a:ext>
+            </a:extLst>
+          </a:blip>
+          <a:srcRect/>
+          <a:stretch>
+            <a:fillRect/>
+          </a:stretch>
+        </p:blipFill>
+        <p:spPr bwMode="auto">
+          <a:xfrm>
+            <a:off x="791580" y="3068960"/>
+            <a:ext cx="1512168" cy="1512168"/>
+          </a:xfrm>
+          <a:prstGeom prst="rect">
+            <a:avLst/>
+          </a:prstGeom>
+          <a:noFill/>
+          <a:extLst>
+            <a:ext uri="{909E8E84-426E-40DD-AFC4-6F175D3DCCD1}">
+              <a14:hiddenFill xmlns:a14="http://schemas.microsoft.com/office/drawing/2010/main">
+                <a:solidFill>
+                  <a:srgbClr val="FFFFFF"/>
+                </a:solidFill>
+              </a14:hiddenFill>
+            </a:ext>
+          </a:extLst>
+        </p:spPr>
+      </p:pic>
+      <p:pic>
+        <p:nvPicPr>
+          <p:cNvPr id="14" name="Picture 4" descr="Картинки по запросу server svg"/>
+          <p:cNvPicPr>
+            <a:picLocks noChangeAspect="1" noChangeArrowheads="1"/>
+          </p:cNvPicPr>
+          <p:nvPr/>
+        </p:nvPicPr>
+        <p:blipFill>
+          <a:blip r:embed="rId3" cstate="print">
+            <a:extLst>
+              <a:ext uri="{28A0092B-C50C-407E-A947-70E740481C1C}">
+                <a14:useLocalDpi xmlns:a14="http://schemas.microsoft.com/office/drawing/2010/main" val="0"/>
+              </a:ext>
+            </a:extLst>
+          </a:blip>
+          <a:srcRect/>
+          <a:stretch>
+            <a:fillRect/>
+          </a:stretch>
+        </p:blipFill>
+        <p:spPr bwMode="auto">
+          <a:xfrm>
+            <a:off x="7003354" y="4869160"/>
+            <a:ext cx="1512168" cy="1512168"/>
+          </a:xfrm>
+          <a:prstGeom prst="rect">
+            <a:avLst/>
+          </a:prstGeom>
+          <a:noFill/>
+          <a:extLst>
+            <a:ext uri="{909E8E84-426E-40DD-AFC4-6F175D3DCCD1}">
+              <a14:hiddenFill xmlns:a14="http://schemas.microsoft.com/office/drawing/2010/main">
+                <a:solidFill>
+                  <a:srgbClr val="FFFFFF"/>
+                </a:solidFill>
+              </a14:hiddenFill>
+            </a:ext>
+          </a:extLst>
+        </p:spPr>
+      </p:pic>
+      <p:sp>
+        <p:nvSpPr>
+          <p:cNvPr id="12" name="Стрелка вверх 11"/>
+          <p:cNvSpPr/>
+          <p:nvPr/>
+        </p:nvSpPr>
+        <p:spPr bwMode="auto">
+          <a:xfrm>
+            <a:off x="1351492" y="4633875"/>
+            <a:ext cx="392343" cy="792088"/>
+          </a:xfrm>
+          <a:prstGeom prst="upArrow">
+            <a:avLst/>
+          </a:prstGeom>
+          <a:ln>
+            <a:headEnd type="none" w="med" len="med"/>
+            <a:tailEnd type="none" w="med" len="med"/>
+          </a:ln>
+          <a:extLst/>
+        </p:spPr>
+        <p:style>
+          <a:lnRef idx="0">
+            <a:schemeClr val="accent2"/>
+          </a:lnRef>
+          <a:fillRef idx="3">
+            <a:schemeClr val="accent2"/>
+          </a:fillRef>
+          <a:effectRef idx="3">
+            <a:schemeClr val="accent2"/>
+          </a:effectRef>
+          <a:fontRef idx="minor">
+            <a:schemeClr val="lt1"/>
+          </a:fontRef>
+        </p:style>
+        <p:txBody>
+          <a:bodyPr vert="horz" wrap="square" lIns="91440" tIns="45720" rIns="91440" bIns="0" numCol="1" rtlCol="0" anchor="t" anchorCtr="0" compatLnSpc="1">
+            <a:prstTxWarp prst="textNoShape">
+              <a:avLst/>
+            </a:prstTxWarp>
+          </a:bodyPr>
+          <a:lstStyle/>
+          <a:p>
+            <a:pPr marL="457200" marR="0" indent="-457200" algn="l" defTabSz="914400" rtl="0" eaLnBrk="1" fontAlgn="base" latinLnBrk="0" hangingPunct="1">
+              <a:lnSpc>
+                <a:spcPct val="100000"/>
+              </a:lnSpc>
+              <a:spcBef>
+                <a:spcPct val="20000"/>
+              </a:spcBef>
+              <a:spcAft>
+                <a:spcPct val="0"/>
+              </a:spcAft>
+              <a:buClr>
+                <a:srgbClr val="A50021"/>
+              </a:buClr>
+              <a:buSzPct val="75000"/>
+              <a:buFont typeface="Wingdings" pitchFamily="2" charset="2"/>
+              <a:buChar char="n"/>
+              <a:tabLst/>
+            </a:pPr>
+            <a:endParaRPr kumimoji="1" lang="ru-RU" sz="2000" b="0" i="0" u="none" strike="noStrike" cap="none" normalizeH="0" baseline="0" smtClean="0">
+              <a:ln>
+                <a:noFill/>
+              </a:ln>
+              <a:solidFill>
+                <a:schemeClr val="tx1"/>
+              </a:solidFill>
+              <a:effectLst/>
+              <a:latin typeface="Times New Roman" pitchFamily="18" charset="0"/>
+              <a:cs typeface="Times New Roman" pitchFamily="18" charset="0"/>
+            </a:endParaRPr>
+          </a:p>
+        </p:txBody>
+      </p:sp>
+      <p:sp>
+        <p:nvSpPr>
+          <p:cNvPr id="13" name="TextBox 12"/>
+          <p:cNvSpPr txBox="1"/>
+          <p:nvPr/>
+        </p:nvSpPr>
+        <p:spPr>
+          <a:xfrm>
+            <a:off x="1104898" y="2722265"/>
+            <a:ext cx="982961" cy="307777"/>
+          </a:xfrm>
+          <a:prstGeom prst="rect">
+            <a:avLst/>
+          </a:prstGeom>
+          <a:noFill/>
+        </p:spPr>
+        <p:txBody>
+          <a:bodyPr wrap="none" rtlCol="0">
+            <a:spAutoFit/>
+          </a:bodyPr>
+          <a:lstStyle/>
+          <a:p>
+            <a:r>
+              <a:rPr lang="en-US" sz="1400" dirty="0" smtClean="0"/>
+              <a:t>ns.urfu.ru</a:t>
+            </a:r>
+            <a:endParaRPr lang="ru-RU" sz="1400" dirty="0"/>
+          </a:p>
+        </p:txBody>
+      </p:sp>
+      <p:sp>
+        <p:nvSpPr>
+          <p:cNvPr id="17" name="TextBox 16"/>
+          <p:cNvSpPr txBox="1"/>
+          <p:nvPr/>
+        </p:nvSpPr>
+        <p:spPr>
+          <a:xfrm>
+            <a:off x="7310695" y="6394089"/>
+            <a:ext cx="854721" cy="307777"/>
+          </a:xfrm>
+          <a:prstGeom prst="rect">
+            <a:avLst/>
+          </a:prstGeom>
+          <a:noFill/>
+        </p:spPr>
+        <p:txBody>
+          <a:bodyPr wrap="none" rtlCol="0">
+            <a:spAutoFit/>
+          </a:bodyPr>
+          <a:lstStyle/>
+          <a:p>
+            <a:r>
+              <a:rPr lang="en-US" sz="1400" dirty="0" smtClean="0"/>
+              <a:t>ns.e1.ru</a:t>
+            </a:r>
+            <a:endParaRPr lang="ru-RU" sz="1400" dirty="0"/>
+          </a:p>
+        </p:txBody>
+      </p:sp>
+      <p:cxnSp>
+        <p:nvCxnSpPr>
+          <p:cNvPr id="16" name="Прямая со стрелкой 15"/>
+          <p:cNvCxnSpPr/>
+          <p:nvPr/>
+        </p:nvCxnSpPr>
+        <p:spPr bwMode="auto">
+          <a:xfrm>
+            <a:off x="2087859" y="3573016"/>
+            <a:ext cx="4860405" cy="0"/>
+          </a:xfrm>
+          <a:prstGeom prst="straightConnector1">
+            <a:avLst/>
+          </a:prstGeom>
+          <a:noFill/>
+          <a:ln w="9525" cap="flat" cmpd="sng" algn="ctr">
+            <a:solidFill>
+              <a:schemeClr val="tx1"/>
+            </a:solidFill>
+            <a:prstDash val="solid"/>
+            <a:round/>
+            <a:headEnd type="none" w="med" len="med"/>
+            <a:tailEnd type="arrow"/>
+          </a:ln>
+          <a:effectLst/>
+          <a:extLst>
+            <a:ext uri="{909E8E84-426E-40DD-AFC4-6F175D3DCCD1}">
+              <a14:hiddenFill xmlns:a14="http://schemas.microsoft.com/office/drawing/2010/main">
+                <a:solidFill>
+                  <a:schemeClr val="accent1"/>
+                </a:solidFill>
+              </a14:hiddenFill>
+            </a:ext>
+            <a:ext uri="{AF507438-7753-43E0-B8FC-AC1667EBCBE1}">
+              <a14:hiddenEffects xmlns:a14="http://schemas.microsoft.com/office/drawing/2010/main">
+                <a:effectLst>
+                  <a:outerShdw dist="35921" dir="2700000" algn="ctr" rotWithShape="0">
+                    <a:schemeClr val="bg2"/>
+                  </a:outerShdw>
+                </a:effectLst>
+              </a14:hiddenEffects>
+            </a:ext>
+          </a:extLst>
+        </p:spPr>
+      </p:cxnSp>
+      <p:cxnSp>
+        <p:nvCxnSpPr>
+          <p:cNvPr id="19" name="Прямая со стрелкой 18"/>
+          <p:cNvCxnSpPr/>
+          <p:nvPr/>
+        </p:nvCxnSpPr>
+        <p:spPr bwMode="auto">
+          <a:xfrm>
+            <a:off x="2087859" y="5824779"/>
+            <a:ext cx="4752393" cy="0"/>
+          </a:xfrm>
+          <a:prstGeom prst="straightConnector1">
+            <a:avLst/>
+          </a:prstGeom>
+          <a:noFill/>
+          <a:ln w="9525" cap="flat" cmpd="sng" algn="ctr">
+            <a:solidFill>
+              <a:schemeClr val="tx1"/>
+            </a:solidFill>
+            <a:prstDash val="solid"/>
+            <a:round/>
+            <a:headEnd type="none" w="med" len="med"/>
+            <a:tailEnd type="arrow"/>
+          </a:ln>
+          <a:effectLst/>
+          <a:extLst>
+            <a:ext uri="{909E8E84-426E-40DD-AFC4-6F175D3DCCD1}">
+              <a14:hiddenFill xmlns:a14="http://schemas.microsoft.com/office/drawing/2010/main">
+                <a:solidFill>
+                  <a:schemeClr val="accent1"/>
+                </a:solidFill>
+              </a14:hiddenFill>
+            </a:ext>
+            <a:ext uri="{AF507438-7753-43E0-B8FC-AC1667EBCBE1}">
+              <a14:hiddenEffects xmlns:a14="http://schemas.microsoft.com/office/drawing/2010/main">
+                <a:effectLst>
+                  <a:outerShdw dist="35921" dir="2700000" algn="ctr" rotWithShape="0">
+                    <a:schemeClr val="bg2"/>
+                  </a:outerShdw>
+                </a:effectLst>
+              </a14:hiddenEffects>
+            </a:ext>
+          </a:extLst>
+        </p:spPr>
+      </p:cxnSp>
+      <p:pic>
+        <p:nvPicPr>
+          <p:cNvPr id="22" name="Picture 4" descr="Картинки по запросу server svg"/>
+          <p:cNvPicPr>
+            <a:picLocks noChangeAspect="1" noChangeArrowheads="1"/>
+          </p:cNvPicPr>
+          <p:nvPr/>
+        </p:nvPicPr>
+        <p:blipFill>
+          <a:blip r:embed="rId3" cstate="print">
+            <a:extLst>
+              <a:ext uri="{28A0092B-C50C-407E-A947-70E740481C1C}">
+                <a14:useLocalDpi xmlns:a14="http://schemas.microsoft.com/office/drawing/2010/main" val="0"/>
+              </a:ext>
+            </a:extLst>
+          </a:blip>
+          <a:srcRect/>
+          <a:stretch>
+            <a:fillRect/>
+          </a:stretch>
+        </p:blipFill>
+        <p:spPr bwMode="auto">
+          <a:xfrm>
+            <a:off x="7050191" y="2564904"/>
+            <a:ext cx="1512168" cy="1512168"/>
+          </a:xfrm>
+          <a:prstGeom prst="rect">
+            <a:avLst/>
+          </a:prstGeom>
+          <a:noFill/>
+          <a:extLst>
+            <a:ext uri="{909E8E84-426E-40DD-AFC4-6F175D3DCCD1}">
+              <a14:hiddenFill xmlns:a14="http://schemas.microsoft.com/office/drawing/2010/main">
+                <a:solidFill>
+                  <a:srgbClr val="FFFFFF"/>
+                </a:solidFill>
+              </a14:hiddenFill>
+            </a:ext>
+          </a:extLst>
+        </p:spPr>
+      </p:pic>
+      <p:sp>
+        <p:nvSpPr>
+          <p:cNvPr id="23" name="TextBox 22"/>
+          <p:cNvSpPr txBox="1"/>
+          <p:nvPr/>
+        </p:nvSpPr>
+        <p:spPr>
+          <a:xfrm>
+            <a:off x="7279788" y="2221841"/>
+            <a:ext cx="490840" cy="307777"/>
+          </a:xfrm>
+          <a:prstGeom prst="rect">
+            <a:avLst/>
+          </a:prstGeom>
+          <a:noFill/>
+        </p:spPr>
+        <p:txBody>
+          <a:bodyPr wrap="none" rtlCol="0">
+            <a:spAutoFit/>
+          </a:bodyPr>
+          <a:lstStyle/>
+          <a:p>
+            <a:r>
+              <a:rPr lang="en-US" sz="1400" dirty="0" smtClean="0"/>
+              <a:t>ns.</a:t>
+            </a:r>
+            <a:endParaRPr lang="ru-RU" sz="1400" dirty="0"/>
+          </a:p>
+        </p:txBody>
+      </p:sp>
+      <p:cxnSp>
+        <p:nvCxnSpPr>
+          <p:cNvPr id="21" name="Прямая со стрелкой 20"/>
+          <p:cNvCxnSpPr/>
+          <p:nvPr/>
+        </p:nvCxnSpPr>
+        <p:spPr bwMode="auto">
+          <a:xfrm flipV="1">
+            <a:off x="2087859" y="3717032"/>
+            <a:ext cx="4752393" cy="1908212"/>
+          </a:xfrm>
+          <a:prstGeom prst="straightConnector1">
+            <a:avLst/>
+          </a:prstGeom>
+          <a:noFill/>
+          <a:ln w="9525" cap="flat" cmpd="sng" algn="ctr">
+            <a:solidFill>
+              <a:schemeClr val="tx1"/>
+            </a:solidFill>
+            <a:prstDash val="solid"/>
+            <a:round/>
+            <a:headEnd type="none" w="med" len="med"/>
+            <a:tailEnd type="arrow"/>
+          </a:ln>
+          <a:effectLst/>
+          <a:extLst>
+            <a:ext uri="{909E8E84-426E-40DD-AFC4-6F175D3DCCD1}">
+              <a14:hiddenFill xmlns:a14="http://schemas.microsoft.com/office/drawing/2010/main">
+                <a:solidFill>
+                  <a:schemeClr val="accent1"/>
+                </a:solidFill>
+              </a14:hiddenFill>
+            </a:ext>
+            <a:ext uri="{AF507438-7753-43E0-B8FC-AC1667EBCBE1}">
+              <a14:hiddenEffects xmlns:a14="http://schemas.microsoft.com/office/drawing/2010/main">
+                <a:effectLst>
+                  <a:outerShdw dist="35921" dir="2700000" algn="ctr" rotWithShape="0">
+                    <a:schemeClr val="bg2"/>
+                  </a:outerShdw>
+                </a:effectLst>
+              </a14:hiddenEffects>
+            </a:ext>
+          </a:extLst>
+        </p:spPr>
+      </p:cxnSp>
+      <p:cxnSp>
+        <p:nvCxnSpPr>
+          <p:cNvPr id="25" name="Прямая со стрелкой 24"/>
+          <p:cNvCxnSpPr/>
+          <p:nvPr/>
+        </p:nvCxnSpPr>
+        <p:spPr bwMode="auto">
+          <a:xfrm>
+            <a:off x="2087859" y="3717032"/>
+            <a:ext cx="4752393" cy="1908212"/>
+          </a:xfrm>
+          <a:prstGeom prst="straightConnector1">
+            <a:avLst/>
+          </a:prstGeom>
+          <a:noFill/>
+          <a:ln w="9525" cap="flat" cmpd="sng" algn="ctr">
+            <a:solidFill>
+              <a:schemeClr val="tx1"/>
+            </a:solidFill>
+            <a:prstDash val="solid"/>
+            <a:round/>
+            <a:headEnd type="none" w="med" len="med"/>
+            <a:tailEnd type="arrow"/>
+          </a:ln>
+          <a:effectLst/>
+          <a:extLst>
+            <a:ext uri="{909E8E84-426E-40DD-AFC4-6F175D3DCCD1}">
+              <a14:hiddenFill xmlns:a14="http://schemas.microsoft.com/office/drawing/2010/main">
+                <a:solidFill>
+                  <a:schemeClr val="accent1"/>
+                </a:solidFill>
+              </a14:hiddenFill>
+            </a:ext>
+            <a:ext uri="{AF507438-7753-43E0-B8FC-AC1667EBCBE1}">
+              <a14:hiddenEffects xmlns:a14="http://schemas.microsoft.com/office/drawing/2010/main">
+                <a:effectLst>
+                  <a:outerShdw dist="35921" dir="2700000" algn="ctr" rotWithShape="0">
+                    <a:schemeClr val="bg2"/>
+                  </a:outerShdw>
+                </a:effectLst>
+              </a14:hiddenEffects>
+            </a:ext>
+          </a:extLst>
+        </p:spPr>
+      </p:cxnSp>
+      <p:sp>
+        <p:nvSpPr>
+          <p:cNvPr id="27" name="TextBox 26"/>
+          <p:cNvSpPr txBox="1"/>
+          <p:nvPr/>
+        </p:nvSpPr>
+        <p:spPr>
+          <a:xfrm>
+            <a:off x="2087859" y="3030042"/>
+            <a:ext cx="1095172" cy="400110"/>
+          </a:xfrm>
+          <a:prstGeom prst="rect">
+            <a:avLst/>
+          </a:prstGeom>
+          <a:noFill/>
+        </p:spPr>
+        <p:txBody>
+          <a:bodyPr wrap="none" rtlCol="0">
+            <a:spAutoFit/>
+          </a:bodyPr>
+          <a:lstStyle/>
+          <a:p>
+            <a:pPr>
+              <a:buNone/>
+            </a:pPr>
+            <a:r>
+              <a:rPr lang="en-US" dirty="0" smtClean="0"/>
+              <a:t>Resolver</a:t>
+            </a:r>
+            <a:endParaRPr lang="ru-RU" dirty="0"/>
+          </a:p>
+        </p:txBody>
+      </p:sp>
+      <p:sp>
+        <p:nvSpPr>
+          <p:cNvPr id="30" name="TextBox 29"/>
+          <p:cNvSpPr txBox="1"/>
+          <p:nvPr/>
+        </p:nvSpPr>
+        <p:spPr>
+          <a:xfrm>
+            <a:off x="2036668" y="6014121"/>
+            <a:ext cx="1095172" cy="400110"/>
+          </a:xfrm>
+          <a:prstGeom prst="rect">
+            <a:avLst/>
+          </a:prstGeom>
+          <a:noFill/>
+        </p:spPr>
+        <p:txBody>
+          <a:bodyPr wrap="none" rtlCol="0">
+            <a:spAutoFit/>
+          </a:bodyPr>
+          <a:lstStyle/>
+          <a:p>
+            <a:pPr>
+              <a:buNone/>
+            </a:pPr>
+            <a:r>
+              <a:rPr lang="en-US" dirty="0" smtClean="0"/>
+              <a:t>Resolver</a:t>
+            </a:r>
+            <a:endParaRPr lang="ru-RU" dirty="0"/>
+          </a:p>
+        </p:txBody>
+      </p:sp>
+    </p:spTree>
+    <p:extLst>
+      <p:ext uri="{BB962C8B-B14F-4D97-AF65-F5344CB8AC3E}">
+        <p14:creationId xmlns:p14="http://schemas.microsoft.com/office/powerpoint/2010/main" val="1077511635"/>
+      </p:ext>
+    </p:extLst>
+  </p:cSld>
+  <p:clrMapOvr>
+    <a:masterClrMapping/>
+  </p:clrMapOvr>
+  <p:timing>
+    <p:tnLst>
+      <p:par>
+        <p:cTn id="1" dur="indefinite" restart="never" nodeType="tmRoot"/>
+      </p:par>
+    </p:tnLst>
+  </p:timing>
+</p:sld>
+</file>
+
+<file path=ppt/slides/slide7.xml><?xml version="1.0" encoding="utf-8"?>
+<p:sld xmlns:a="http://schemas.openxmlformats.org/drawingml/2006/main" xmlns:r="http://schemas.openxmlformats.org/officeDocument/2006/relationships" xmlns:p="http://schemas.openxmlformats.org/presentationml/2006/main">
+  <p:cSld>
+    <p:spTree>
+      <p:nvGrpSpPr>
+        <p:cNvPr id="1" name=""/>
+        <p:cNvGrpSpPr/>
+        <p:nvPr/>
+      </p:nvGrpSpPr>
+      <p:grpSpPr>
+        <a:xfrm>
+          <a:off x="0" y="0"/>
+          <a:ext cx="0" cy="0"/>
+          <a:chOff x="0" y="0"/>
+          <a:chExt cx="0" cy="0"/>
+        </a:xfrm>
+      </p:grpSpPr>
+      <p:sp>
+        <p:nvSpPr>
+          <p:cNvPr id="123" name="Заголовок 1"/>
+          <p:cNvSpPr txBox="1">
+            <a:spLocks/>
+          </p:cNvSpPr>
+          <p:nvPr/>
+        </p:nvSpPr>
+        <p:spPr>
+          <a:xfrm>
+            <a:off x="251520" y="188640"/>
+            <a:ext cx="8892480" cy="1008112"/>
+          </a:xfrm>
+          <a:prstGeom prst="rect">
+            <a:avLst/>
+          </a:prstGeom>
+        </p:spPr>
+        <p:txBody>
+          <a:bodyPr/>
+          <a:lstStyle>
+            <a:lvl1pPr algn="l" rtl="0" fontAlgn="base">
+              <a:spcBef>
+                <a:spcPct val="0"/>
+              </a:spcBef>
+              <a:spcAft>
+                <a:spcPct val="0"/>
+              </a:spcAft>
+              <a:defRPr sz="4400">
+                <a:solidFill>
+                  <a:schemeClr val="tx2"/>
+                </a:solidFill>
+                <a:latin typeface="+mj-lt"/>
+                <a:ea typeface="+mj-ea"/>
+                <a:cs typeface="+mj-cs"/>
+              </a:defRPr>
+            </a:lvl1pPr>
+            <a:lvl2pPr algn="l" rtl="0" fontAlgn="base">
+              <a:spcBef>
+                <a:spcPct val="0"/>
+              </a:spcBef>
+              <a:spcAft>
+                <a:spcPct val="0"/>
+              </a:spcAft>
+              <a:defRPr sz="4400">
+                <a:solidFill>
+                  <a:schemeClr val="tx2"/>
+                </a:solidFill>
+                <a:latin typeface="Times New Roman" pitchFamily="18" charset="0"/>
+              </a:defRPr>
+            </a:lvl2pPr>
+            <a:lvl3pPr algn="l" rtl="0" fontAlgn="base">
+              <a:spcBef>
+                <a:spcPct val="0"/>
+              </a:spcBef>
+              <a:spcAft>
+                <a:spcPct val="0"/>
+              </a:spcAft>
+              <a:defRPr sz="4400">
+                <a:solidFill>
+                  <a:schemeClr val="tx2"/>
+                </a:solidFill>
+                <a:latin typeface="Times New Roman" pitchFamily="18" charset="0"/>
+              </a:defRPr>
+            </a:lvl3pPr>
+            <a:lvl4pPr algn="l" rtl="0" fontAlgn="base">
+              <a:spcBef>
+                <a:spcPct val="0"/>
+              </a:spcBef>
+              <a:spcAft>
+                <a:spcPct val="0"/>
+              </a:spcAft>
+              <a:defRPr sz="4400">
+                <a:solidFill>
+                  <a:schemeClr val="tx2"/>
+                </a:solidFill>
+                <a:latin typeface="Times New Roman" pitchFamily="18" charset="0"/>
+              </a:defRPr>
+            </a:lvl4pPr>
+            <a:lvl5pPr algn="l" rtl="0" fontAlgn="base">
+              <a:spcBef>
+                <a:spcPct val="0"/>
+              </a:spcBef>
+              <a:spcAft>
+                <a:spcPct val="0"/>
+              </a:spcAft>
+              <a:defRPr sz="4400">
+                <a:solidFill>
+                  <a:schemeClr val="tx2"/>
+                </a:solidFill>
+                <a:latin typeface="Times New Roman" pitchFamily="18" charset="0"/>
+              </a:defRPr>
+            </a:lvl5pPr>
+            <a:lvl6pPr marL="457200" algn="l" rtl="0" fontAlgn="base">
+              <a:spcBef>
+                <a:spcPct val="0"/>
+              </a:spcBef>
+              <a:spcAft>
+                <a:spcPct val="0"/>
+              </a:spcAft>
+              <a:defRPr sz="4400">
+                <a:solidFill>
+                  <a:schemeClr val="tx2"/>
+                </a:solidFill>
+                <a:latin typeface="Times New Roman" pitchFamily="18" charset="0"/>
+              </a:defRPr>
+            </a:lvl6pPr>
+            <a:lvl7pPr marL="914400" algn="l" rtl="0" fontAlgn="base">
+              <a:spcBef>
+                <a:spcPct val="0"/>
+              </a:spcBef>
+              <a:spcAft>
+                <a:spcPct val="0"/>
+              </a:spcAft>
+              <a:defRPr sz="4400">
+                <a:solidFill>
+                  <a:schemeClr val="tx2"/>
+                </a:solidFill>
+                <a:latin typeface="Times New Roman" pitchFamily="18" charset="0"/>
+              </a:defRPr>
+            </a:lvl7pPr>
+            <a:lvl8pPr marL="1371600" algn="l" rtl="0" fontAlgn="base">
+              <a:spcBef>
+                <a:spcPct val="0"/>
+              </a:spcBef>
+              <a:spcAft>
+                <a:spcPct val="0"/>
+              </a:spcAft>
+              <a:defRPr sz="4400">
+                <a:solidFill>
+                  <a:schemeClr val="tx2"/>
+                </a:solidFill>
+                <a:latin typeface="Times New Roman" pitchFamily="18" charset="0"/>
+              </a:defRPr>
+            </a:lvl8pPr>
+            <a:lvl9pPr marL="1828800" algn="l" rtl="0" fontAlgn="base">
+              <a:spcBef>
+                <a:spcPct val="0"/>
+              </a:spcBef>
+              <a:spcAft>
+                <a:spcPct val="0"/>
+              </a:spcAft>
+              <a:defRPr sz="4400">
+                <a:solidFill>
+                  <a:schemeClr val="tx2"/>
+                </a:solidFill>
+                <a:latin typeface="Times New Roman" pitchFamily="18" charset="0"/>
+              </a:defRPr>
+            </a:lvl9pPr>
+          </a:lstStyle>
+          <a:p>
+            <a:pPr algn="ctr">
+              <a:buClrTx/>
+              <a:buSzTx/>
+              <a:buFontTx/>
+              <a:buNone/>
+            </a:pPr>
+            <a:r>
+              <a:rPr kumimoji="0" lang="ru-RU" altLang="ru-RU" b="1" kern="0" dirty="0" smtClean="0"/>
+              <a:t>Прикладные протоколы</a:t>
+            </a:r>
+            <a:endParaRPr kumimoji="0" lang="ru-RU" altLang="ru-RU" b="1" kern="0" dirty="0" smtClean="0"/>
+          </a:p>
+        </p:txBody>
+      </p:sp>
+      <p:sp>
+        <p:nvSpPr>
+          <p:cNvPr id="4" name="TextBox 3"/>
+          <p:cNvSpPr txBox="1"/>
+          <p:nvPr/>
+        </p:nvSpPr>
+        <p:spPr>
+          <a:xfrm>
+            <a:off x="1475656" y="1300698"/>
+            <a:ext cx="1656184" cy="400110"/>
+          </a:xfrm>
+          <a:prstGeom prst="rect">
+            <a:avLst/>
+          </a:prstGeom>
+          <a:solidFill>
+            <a:srgbClr val="00B050"/>
+          </a:solidFill>
+        </p:spPr>
+        <p:style>
+          <a:lnRef idx="0">
+            <a:schemeClr val="accent2"/>
+          </a:lnRef>
+          <a:fillRef idx="3">
+            <a:schemeClr val="accent2"/>
+          </a:fillRef>
+          <a:effectRef idx="3">
+            <a:schemeClr val="accent2"/>
+          </a:effectRef>
+          <a:fontRef idx="minor">
+            <a:schemeClr val="lt1"/>
+          </a:fontRef>
+        </p:style>
+        <p:txBody>
+          <a:bodyPr wrap="square" rtlCol="0">
+            <a:spAutoFit/>
+          </a:bodyPr>
+          <a:lstStyle/>
+          <a:p>
+            <a:pPr algn="ctr">
+              <a:buNone/>
+            </a:pPr>
+            <a:r>
+              <a:rPr lang="en-US" dirty="0" smtClean="0"/>
+              <a:t>UDP</a:t>
+            </a:r>
+            <a:endParaRPr lang="ru-RU" dirty="0"/>
+          </a:p>
+        </p:txBody>
+      </p:sp>
+      <p:sp>
+        <p:nvSpPr>
+          <p:cNvPr id="9" name="TextBox 8"/>
+          <p:cNvSpPr txBox="1"/>
+          <p:nvPr/>
+        </p:nvSpPr>
+        <p:spPr>
+          <a:xfrm>
+            <a:off x="7164288" y="1300698"/>
+            <a:ext cx="1656184" cy="400110"/>
+          </a:xfrm>
+          <a:prstGeom prst="rect">
+            <a:avLst/>
+          </a:prstGeom>
+          <a:solidFill>
+            <a:srgbClr val="00B0F0"/>
+          </a:solidFill>
+        </p:spPr>
+        <p:style>
+          <a:lnRef idx="0">
+            <a:schemeClr val="accent2"/>
+          </a:lnRef>
+          <a:fillRef idx="3">
+            <a:schemeClr val="accent2"/>
+          </a:fillRef>
+          <a:effectRef idx="3">
+            <a:schemeClr val="accent2"/>
+          </a:effectRef>
+          <a:fontRef idx="minor">
+            <a:schemeClr val="lt1"/>
+          </a:fontRef>
+        </p:style>
+        <p:txBody>
+          <a:bodyPr wrap="square" rtlCol="0">
+            <a:spAutoFit/>
+          </a:bodyPr>
+          <a:lstStyle/>
+          <a:p>
+            <a:pPr algn="ctr">
+              <a:buNone/>
+            </a:pPr>
+            <a:r>
+              <a:rPr lang="en-US" dirty="0" smtClean="0"/>
+              <a:t>TCP</a:t>
+            </a:r>
+            <a:endParaRPr lang="ru-RU" dirty="0"/>
+          </a:p>
+        </p:txBody>
+      </p:sp>
+      <p:sp>
+        <p:nvSpPr>
+          <p:cNvPr id="2" name="TextBox 1"/>
+          <p:cNvSpPr txBox="1"/>
+          <p:nvPr/>
+        </p:nvSpPr>
+        <p:spPr>
+          <a:xfrm>
+            <a:off x="755576" y="1844824"/>
+            <a:ext cx="3600400" cy="1520416"/>
+          </a:xfrm>
+          <a:prstGeom prst="rect">
+            <a:avLst/>
+          </a:prstGeom>
+          <a:noFill/>
+        </p:spPr>
+        <p:txBody>
+          <a:bodyPr wrap="square" rtlCol="0">
+            <a:spAutoFit/>
+          </a:bodyPr>
+          <a:lstStyle/>
+          <a:p>
+            <a:r>
+              <a:rPr lang="ru-RU" sz="1600" dirty="0" smtClean="0"/>
+              <a:t>Служебные протоколы</a:t>
+            </a:r>
+            <a:endParaRPr lang="en-US" sz="1600" dirty="0" smtClean="0"/>
+          </a:p>
+          <a:p>
+            <a:pPr lvl="1"/>
+            <a:r>
+              <a:rPr lang="en-US" sz="1600" dirty="0" smtClean="0"/>
+              <a:t>DNS, </a:t>
+            </a:r>
+            <a:r>
+              <a:rPr lang="ru-RU" sz="1600" dirty="0" smtClean="0"/>
+              <a:t>порт 53</a:t>
+            </a:r>
+            <a:endParaRPr lang="en-US" sz="1600" dirty="0" smtClean="0"/>
+          </a:p>
+          <a:p>
+            <a:pPr lvl="1"/>
+            <a:r>
+              <a:rPr lang="en-US" sz="1600" dirty="0" smtClean="0"/>
+              <a:t>NTP</a:t>
+            </a:r>
+            <a:r>
+              <a:rPr lang="ru-RU" sz="1600" dirty="0" smtClean="0"/>
+              <a:t>, порт 123</a:t>
+            </a:r>
+          </a:p>
+          <a:p>
+            <a:r>
+              <a:rPr lang="en-US" sz="1600" dirty="0" smtClean="0"/>
+              <a:t>Multimedia</a:t>
+            </a:r>
+            <a:endParaRPr lang="ru-RU" sz="1600" dirty="0" smtClean="0"/>
+          </a:p>
+          <a:p>
+            <a:pPr lvl="1"/>
+            <a:r>
+              <a:rPr lang="en-US" sz="1600" dirty="0" smtClean="0"/>
+              <a:t>RTP</a:t>
+            </a:r>
+            <a:r>
+              <a:rPr lang="ru-RU" sz="1600" dirty="0" smtClean="0"/>
+              <a:t>, динамический порт</a:t>
+            </a:r>
+            <a:endParaRPr lang="ru-RU" sz="1600" dirty="0"/>
+          </a:p>
+        </p:txBody>
+      </p:sp>
+      <p:sp>
+        <p:nvSpPr>
+          <p:cNvPr id="24" name="TextBox 23"/>
+          <p:cNvSpPr txBox="1"/>
+          <p:nvPr/>
+        </p:nvSpPr>
+        <p:spPr>
+          <a:xfrm>
+            <a:off x="4352528" y="908720"/>
+            <a:ext cx="2952328" cy="5656933"/>
+          </a:xfrm>
+          <a:prstGeom prst="rect">
+            <a:avLst/>
+          </a:prstGeom>
+          <a:noFill/>
+        </p:spPr>
+        <p:txBody>
+          <a:bodyPr wrap="square" rtlCol="0">
+            <a:spAutoFit/>
+          </a:bodyPr>
+          <a:lstStyle/>
+          <a:p>
+            <a:r>
+              <a:rPr lang="ru-RU" sz="1600" dirty="0" smtClean="0"/>
+              <a:t>Удалённый доступ</a:t>
+            </a:r>
+            <a:endParaRPr lang="en-US" sz="1600" dirty="0" smtClean="0"/>
+          </a:p>
+          <a:p>
+            <a:pPr lvl="1"/>
+            <a:r>
+              <a:rPr lang="en-US" sz="1600" dirty="0" smtClean="0"/>
+              <a:t>Telnet, </a:t>
+            </a:r>
+            <a:r>
+              <a:rPr lang="ru-RU" sz="1600" dirty="0" smtClean="0"/>
+              <a:t>порт </a:t>
+            </a:r>
+            <a:r>
+              <a:rPr lang="en-US" sz="1600" dirty="0" smtClean="0"/>
+              <a:t>2</a:t>
+            </a:r>
+            <a:r>
+              <a:rPr lang="ru-RU" sz="1600" dirty="0" smtClean="0"/>
+              <a:t>3</a:t>
+            </a:r>
+            <a:endParaRPr lang="en-US" sz="1600" dirty="0" smtClean="0"/>
+          </a:p>
+          <a:p>
+            <a:pPr lvl="1"/>
+            <a:r>
+              <a:rPr lang="en-US" sz="1600" dirty="0" smtClean="0"/>
+              <a:t>SSH</a:t>
+            </a:r>
+            <a:r>
+              <a:rPr lang="ru-RU" sz="1600" dirty="0" smtClean="0"/>
+              <a:t>, порт 2</a:t>
+            </a:r>
+            <a:r>
+              <a:rPr lang="en-US" sz="1600" dirty="0" smtClean="0"/>
+              <a:t>2</a:t>
+            </a:r>
+          </a:p>
+          <a:p>
+            <a:pPr lvl="1"/>
+            <a:r>
+              <a:rPr lang="en-US" sz="1600" dirty="0" smtClean="0"/>
+              <a:t>RDP</a:t>
+            </a:r>
+            <a:r>
+              <a:rPr lang="ru-RU" sz="1600" dirty="0" smtClean="0"/>
+              <a:t>, порт 3389</a:t>
+            </a:r>
+          </a:p>
+          <a:p>
+            <a:pPr lvl="1"/>
+            <a:r>
+              <a:rPr lang="en-US" sz="1600" dirty="0" smtClean="0"/>
+              <a:t>VNC, </a:t>
+            </a:r>
+            <a:r>
+              <a:rPr lang="ru-RU" sz="1600" dirty="0" smtClean="0"/>
+              <a:t>порт 5500</a:t>
+            </a:r>
+          </a:p>
+          <a:p>
+            <a:r>
+              <a:rPr lang="ru-RU" sz="1600" dirty="0" smtClean="0"/>
+              <a:t>Передача данных</a:t>
+            </a:r>
+          </a:p>
+          <a:p>
+            <a:pPr lvl="1"/>
+            <a:r>
+              <a:rPr lang="ru-RU" sz="1600" dirty="0" smtClean="0"/>
+              <a:t>Почта</a:t>
+            </a:r>
+          </a:p>
+          <a:p>
+            <a:pPr lvl="2"/>
+            <a:r>
+              <a:rPr lang="en-US" sz="1600" dirty="0" smtClean="0"/>
+              <a:t>SMTP, 25</a:t>
+            </a:r>
+          </a:p>
+          <a:p>
+            <a:pPr lvl="2"/>
+            <a:r>
+              <a:rPr lang="en-US" sz="1600" dirty="0" smtClean="0"/>
+              <a:t>POP3, 110</a:t>
+            </a:r>
+          </a:p>
+          <a:p>
+            <a:pPr lvl="2"/>
+            <a:r>
+              <a:rPr lang="en-US" sz="1600" dirty="0" smtClean="0"/>
+              <a:t>IMAP, 143</a:t>
+            </a:r>
+          </a:p>
+          <a:p>
+            <a:pPr lvl="2"/>
+            <a:r>
+              <a:rPr lang="en-US" sz="1600" dirty="0" smtClean="0"/>
+              <a:t>Exchange</a:t>
+            </a:r>
+          </a:p>
+          <a:p>
+            <a:pPr lvl="1"/>
+            <a:r>
+              <a:rPr lang="en-US" sz="1600" dirty="0" smtClean="0"/>
+              <a:t>WWW</a:t>
+            </a:r>
+          </a:p>
+          <a:p>
+            <a:pPr lvl="2"/>
+            <a:r>
+              <a:rPr lang="en-US" sz="1600" dirty="0" smtClean="0"/>
+              <a:t>HTTP</a:t>
+            </a:r>
+            <a:r>
+              <a:rPr lang="ru-RU" sz="1600" dirty="0" smtClean="0"/>
+              <a:t>, 80</a:t>
+            </a:r>
+            <a:endParaRPr lang="en-US" sz="1600" dirty="0" smtClean="0"/>
+          </a:p>
+          <a:p>
+            <a:pPr lvl="2"/>
+            <a:r>
+              <a:rPr lang="en-US" sz="1600" dirty="0" smtClean="0"/>
+              <a:t>HTTPS</a:t>
+            </a:r>
+            <a:r>
+              <a:rPr lang="ru-RU" sz="1600" dirty="0" smtClean="0"/>
+              <a:t>, 443</a:t>
+            </a:r>
+          </a:p>
+          <a:p>
+            <a:pPr lvl="1"/>
+            <a:r>
+              <a:rPr lang="en-US" sz="1600" dirty="0" smtClean="0"/>
+              <a:t>FTP</a:t>
+            </a:r>
+            <a:r>
+              <a:rPr lang="ru-RU" sz="1600" dirty="0" smtClean="0"/>
+              <a:t>, порт 21</a:t>
+            </a:r>
+            <a:endParaRPr lang="en-US" sz="1600" dirty="0" smtClean="0"/>
+          </a:p>
+          <a:p>
+            <a:r>
+              <a:rPr lang="ru-RU" sz="1600" dirty="0" smtClean="0"/>
+              <a:t>Служебные</a:t>
+            </a:r>
+          </a:p>
+          <a:p>
+            <a:pPr lvl="1"/>
+            <a:r>
+              <a:rPr lang="ru-RU" sz="1600" dirty="0" smtClean="0"/>
+              <a:t>Прокси</a:t>
+            </a:r>
+          </a:p>
+          <a:p>
+            <a:pPr lvl="2"/>
+            <a:r>
+              <a:rPr lang="en-US" sz="1600" dirty="0" smtClean="0"/>
+              <a:t>HTTP, 3128</a:t>
+            </a:r>
+          </a:p>
+          <a:p>
+            <a:pPr lvl="2"/>
+            <a:r>
+              <a:rPr lang="en-US" sz="1600" dirty="0" smtClean="0"/>
+              <a:t>Socks, 1080</a:t>
+            </a:r>
+            <a:endParaRPr lang="ru-RU" sz="1600" dirty="0"/>
+          </a:p>
+        </p:txBody>
+      </p:sp>
+    </p:spTree>
+    <p:extLst>
+      <p:ext uri="{BB962C8B-B14F-4D97-AF65-F5344CB8AC3E}">
+        <p14:creationId xmlns:p14="http://schemas.microsoft.com/office/powerpoint/2010/main" val="870514473"/>
+      </p:ext>
+    </p:extLst>
+  </p:cSld>
+  <p:clrMapOvr>
+    <a:masterClrMapping/>
+  </p:clrMapOvr>
+  <p:timing>
+    <p:tnLst>
+      <p:par>
+        <p:cTn id="1" dur="indefinite" restart="never" nodeType="tmRoot"/>
+      </p:par>
+    </p:tnLst>
+  </p:timing>
+</p:sld>
+</file>
+
+<file path=ppt/slides/slide8.xml><?xml version="1.0" encoding="utf-8"?>
+<p:sld xmlns:a="http://schemas.openxmlformats.org/drawingml/2006/main" xmlns:r="http://schemas.openxmlformats.org/officeDocument/2006/relationships" xmlns:p="http://schemas.openxmlformats.org/presentationml/2006/main">
+  <p:cSld>
+    <p:spTree>
+      <p:nvGrpSpPr>
+        <p:cNvPr id="1" name=""/>
+        <p:cNvGrpSpPr/>
+        <p:nvPr/>
+      </p:nvGrpSpPr>
+      <p:grpSpPr>
+        <a:xfrm>
+          <a:off x="0" y="0"/>
+          <a:ext cx="0" cy="0"/>
+          <a:chOff x="0" y="0"/>
+          <a:chExt cx="0" cy="0"/>
+        </a:xfrm>
+      </p:grpSpPr>
+      <p:sp>
+        <p:nvSpPr>
+          <p:cNvPr id="123" name="Заголовок 1"/>
+          <p:cNvSpPr txBox="1">
+            <a:spLocks/>
+          </p:cNvSpPr>
+          <p:nvPr/>
+        </p:nvSpPr>
+        <p:spPr>
+          <a:xfrm>
+            <a:off x="251520" y="116632"/>
+            <a:ext cx="8892480" cy="1008112"/>
+          </a:xfrm>
+          <a:prstGeom prst="rect">
+            <a:avLst/>
+          </a:prstGeom>
+        </p:spPr>
+        <p:txBody>
+          <a:bodyPr/>
+          <a:lstStyle>
+            <a:lvl1pPr algn="l" rtl="0" fontAlgn="base">
+              <a:spcBef>
+                <a:spcPct val="0"/>
+              </a:spcBef>
+              <a:spcAft>
+                <a:spcPct val="0"/>
+              </a:spcAft>
+              <a:defRPr sz="4400">
+                <a:solidFill>
+                  <a:schemeClr val="tx2"/>
+                </a:solidFill>
+                <a:latin typeface="+mj-lt"/>
+                <a:ea typeface="+mj-ea"/>
+                <a:cs typeface="+mj-cs"/>
+              </a:defRPr>
+            </a:lvl1pPr>
+            <a:lvl2pPr algn="l" rtl="0" fontAlgn="base">
+              <a:spcBef>
+                <a:spcPct val="0"/>
+              </a:spcBef>
+              <a:spcAft>
+                <a:spcPct val="0"/>
+              </a:spcAft>
+              <a:defRPr sz="4400">
+                <a:solidFill>
+                  <a:schemeClr val="tx2"/>
+                </a:solidFill>
+                <a:latin typeface="Times New Roman" pitchFamily="18" charset="0"/>
+              </a:defRPr>
+            </a:lvl2pPr>
+            <a:lvl3pPr algn="l" rtl="0" fontAlgn="base">
+              <a:spcBef>
+                <a:spcPct val="0"/>
+              </a:spcBef>
+              <a:spcAft>
+                <a:spcPct val="0"/>
+              </a:spcAft>
+              <a:defRPr sz="4400">
+                <a:solidFill>
+                  <a:schemeClr val="tx2"/>
+                </a:solidFill>
+                <a:latin typeface="Times New Roman" pitchFamily="18" charset="0"/>
+              </a:defRPr>
+            </a:lvl3pPr>
+            <a:lvl4pPr algn="l" rtl="0" fontAlgn="base">
+              <a:spcBef>
+                <a:spcPct val="0"/>
+              </a:spcBef>
+              <a:spcAft>
+                <a:spcPct val="0"/>
+              </a:spcAft>
+              <a:defRPr sz="4400">
+                <a:solidFill>
+                  <a:schemeClr val="tx2"/>
+                </a:solidFill>
+                <a:latin typeface="Times New Roman" pitchFamily="18" charset="0"/>
+              </a:defRPr>
+            </a:lvl4pPr>
+            <a:lvl5pPr algn="l" rtl="0" fontAlgn="base">
+              <a:spcBef>
+                <a:spcPct val="0"/>
+              </a:spcBef>
+              <a:spcAft>
+                <a:spcPct val="0"/>
+              </a:spcAft>
+              <a:defRPr sz="4400">
+                <a:solidFill>
+                  <a:schemeClr val="tx2"/>
+                </a:solidFill>
+                <a:latin typeface="Times New Roman" pitchFamily="18" charset="0"/>
+              </a:defRPr>
+            </a:lvl5pPr>
+            <a:lvl6pPr marL="457200" algn="l" rtl="0" fontAlgn="base">
+              <a:spcBef>
+                <a:spcPct val="0"/>
+              </a:spcBef>
+              <a:spcAft>
+                <a:spcPct val="0"/>
+              </a:spcAft>
+              <a:defRPr sz="4400">
+                <a:solidFill>
+                  <a:schemeClr val="tx2"/>
+                </a:solidFill>
+                <a:latin typeface="Times New Roman" pitchFamily="18" charset="0"/>
+              </a:defRPr>
+            </a:lvl6pPr>
+            <a:lvl7pPr marL="914400" algn="l" rtl="0" fontAlgn="base">
+              <a:spcBef>
+                <a:spcPct val="0"/>
+              </a:spcBef>
+              <a:spcAft>
+                <a:spcPct val="0"/>
+              </a:spcAft>
+              <a:defRPr sz="4400">
+                <a:solidFill>
+                  <a:schemeClr val="tx2"/>
+                </a:solidFill>
+                <a:latin typeface="Times New Roman" pitchFamily="18" charset="0"/>
+              </a:defRPr>
+            </a:lvl7pPr>
+            <a:lvl8pPr marL="1371600" algn="l" rtl="0" fontAlgn="base">
+              <a:spcBef>
+                <a:spcPct val="0"/>
+              </a:spcBef>
+              <a:spcAft>
+                <a:spcPct val="0"/>
+              </a:spcAft>
+              <a:defRPr sz="4400">
+                <a:solidFill>
+                  <a:schemeClr val="tx2"/>
+                </a:solidFill>
+                <a:latin typeface="Times New Roman" pitchFamily="18" charset="0"/>
+              </a:defRPr>
+            </a:lvl8pPr>
+            <a:lvl9pPr marL="1828800" algn="l" rtl="0" fontAlgn="base">
+              <a:spcBef>
+                <a:spcPct val="0"/>
+              </a:spcBef>
+              <a:spcAft>
+                <a:spcPct val="0"/>
+              </a:spcAft>
+              <a:defRPr sz="4400">
+                <a:solidFill>
+                  <a:schemeClr val="tx2"/>
+                </a:solidFill>
+                <a:latin typeface="Times New Roman" pitchFamily="18" charset="0"/>
+              </a:defRPr>
+            </a:lvl9pPr>
+          </a:lstStyle>
+          <a:p>
+            <a:pPr algn="ctr">
+              <a:buClrTx/>
+              <a:buSzTx/>
+              <a:buFontTx/>
+              <a:buNone/>
+            </a:pPr>
+            <a:r>
+              <a:rPr kumimoji="0" lang="en-US" altLang="ru-RU" b="1" kern="0" dirty="0" smtClean="0"/>
+              <a:t>NTP</a:t>
+            </a:r>
+          </a:p>
+          <a:p>
+            <a:pPr algn="ctr">
+              <a:buClrTx/>
+              <a:buSzTx/>
+              <a:buFontTx/>
+              <a:buNone/>
+            </a:pPr>
+            <a:r>
+              <a:rPr kumimoji="0" lang="ru-RU" altLang="ru-RU" b="1" kern="0" dirty="0" smtClean="0"/>
+              <a:t>Точное время</a:t>
+            </a:r>
+            <a:endParaRPr kumimoji="0" lang="ru-RU" altLang="ru-RU" b="1" kern="0" dirty="0" smtClean="0"/>
+          </a:p>
+        </p:txBody>
+      </p:sp>
+      <p:pic>
+        <p:nvPicPr>
+          <p:cNvPr id="15362" name="Picture 2" descr="Картинки по запросу ntp"/>
+          <p:cNvPicPr>
+            <a:picLocks noChangeAspect="1" noChangeArrowheads="1"/>
+          </p:cNvPicPr>
+          <p:nvPr/>
+        </p:nvPicPr>
+        <p:blipFill>
+          <a:blip r:embed="rId2">
+            <a:extLst>
+              <a:ext uri="{28A0092B-C50C-407E-A947-70E740481C1C}">
+                <a14:useLocalDpi xmlns:a14="http://schemas.microsoft.com/office/drawing/2010/main" val="0"/>
+              </a:ext>
+            </a:extLst>
+          </a:blip>
+          <a:srcRect/>
+          <a:stretch>
+            <a:fillRect/>
+          </a:stretch>
+        </p:blipFill>
+        <p:spPr bwMode="auto">
+          <a:xfrm>
+            <a:off x="3713609" y="1772816"/>
+            <a:ext cx="5417790" cy="4680862"/>
+          </a:xfrm>
+          <a:prstGeom prst="rect">
+            <a:avLst/>
+          </a:prstGeom>
+          <a:noFill/>
+          <a:extLst>
+            <a:ext uri="{909E8E84-426E-40DD-AFC4-6F175D3DCCD1}">
+              <a14:hiddenFill xmlns:a14="http://schemas.microsoft.com/office/drawing/2010/main">
+                <a:solidFill>
+                  <a:srgbClr val="FFFFFF"/>
+                </a:solidFill>
+              </a14:hiddenFill>
+            </a:ext>
+          </a:extLst>
+        </p:spPr>
+      </p:pic>
+      <p:pic>
+        <p:nvPicPr>
+          <p:cNvPr id="15364" name="Picture 4" descr="Картинки по запросу ntp"/>
+          <p:cNvPicPr>
+            <a:picLocks noChangeAspect="1" noChangeArrowheads="1"/>
+          </p:cNvPicPr>
+          <p:nvPr/>
+        </p:nvPicPr>
+        <p:blipFill>
+          <a:blip r:embed="rId3">
+            <a:extLst>
+              <a:ext uri="{28A0092B-C50C-407E-A947-70E740481C1C}">
+                <a14:useLocalDpi xmlns:a14="http://schemas.microsoft.com/office/drawing/2010/main" val="0"/>
+              </a:ext>
+            </a:extLst>
+          </a:blip>
+          <a:srcRect/>
+          <a:stretch>
+            <a:fillRect/>
+          </a:stretch>
+        </p:blipFill>
+        <p:spPr bwMode="auto">
+          <a:xfrm>
+            <a:off x="395536" y="3356992"/>
+            <a:ext cx="2857500" cy="1333501"/>
+          </a:xfrm>
+          <a:prstGeom prst="rect">
+            <a:avLst/>
+          </a:prstGeom>
+          <a:noFill/>
+          <a:extLst>
+            <a:ext uri="{909E8E84-426E-40DD-AFC4-6F175D3DCCD1}">
+              <a14:hiddenFill xmlns:a14="http://schemas.microsoft.com/office/drawing/2010/main">
+                <a:solidFill>
+                  <a:srgbClr val="FFFFFF"/>
+                </a:solidFill>
+              </a14:hiddenFill>
+            </a:ext>
+          </a:extLst>
+        </p:spPr>
+      </p:pic>
+      <p:sp>
+        <p:nvSpPr>
+          <p:cNvPr id="3" name="TextBox 2"/>
+          <p:cNvSpPr txBox="1"/>
+          <p:nvPr/>
+        </p:nvSpPr>
+        <p:spPr>
+          <a:xfrm>
+            <a:off x="1115616" y="1988840"/>
+            <a:ext cx="1298753" cy="400110"/>
+          </a:xfrm>
+          <a:prstGeom prst="rect">
+            <a:avLst/>
+          </a:prstGeom>
+          <a:noFill/>
+        </p:spPr>
+        <p:txBody>
+          <a:bodyPr wrap="none" rtlCol="0">
+            <a:spAutoFit/>
+          </a:bodyPr>
+          <a:lstStyle/>
+          <a:p>
+            <a:r>
+              <a:rPr lang="en-US" dirty="0" smtClean="0"/>
+              <a:t>UDP/123</a:t>
+            </a:r>
+            <a:endParaRPr lang="ru-RU" dirty="0"/>
+          </a:p>
+        </p:txBody>
+      </p:sp>
+    </p:spTree>
+    <p:extLst>
+      <p:ext uri="{BB962C8B-B14F-4D97-AF65-F5344CB8AC3E}">
+        <p14:creationId xmlns:p14="http://schemas.microsoft.com/office/powerpoint/2010/main" val="3828762480"/>
+      </p:ext>
+    </p:extLst>
+  </p:cSld>
+  <p:clrMapOvr>
+    <a:masterClrMapping/>
+  </p:clrMapOvr>
+  <p:timing>
+    <p:tnLst>
+      <p:par>
+        <p:cTn id="1" dur="indefinite" restart="never" nodeType="tmRoot"/>
+      </p:par>
+    </p:tnLst>
+  </p:timing>
+</p:sld>
+</file>
+
+<file path=ppt/slides/slide9.xml><?xml version="1.0" encoding="utf-8"?>
+<p:sld xmlns:a="http://schemas.openxmlformats.org/drawingml/2006/main" xmlns:r="http://schemas.openxmlformats.org/officeDocument/2006/relationships" xmlns:p="http://schemas.openxmlformats.org/presentationml/2006/main">
+  <p:cSld>
+    <p:spTree>
+      <p:nvGrpSpPr>
+        <p:cNvPr id="1" name=""/>
+        <p:cNvGrpSpPr/>
+        <p:nvPr/>
+      </p:nvGrpSpPr>
+      <p:grpSpPr>
+        <a:xfrm>
+          <a:off x="0" y="0"/>
+          <a:ext cx="0" cy="0"/>
+          <a:chOff x="0" y="0"/>
+          <a:chExt cx="0" cy="0"/>
+        </a:xfrm>
+      </p:grpSpPr>
+      <p:pic>
+        <p:nvPicPr>
+          <p:cNvPr id="17410" name="Picture 2" descr="Картинки по запросу telnet протокол"/>
+          <p:cNvPicPr>
+            <a:picLocks noChangeAspect="1" noChangeArrowheads="1"/>
+          </p:cNvPicPr>
+          <p:nvPr/>
+        </p:nvPicPr>
+        <p:blipFill>
+          <a:blip r:embed="rId2">
+            <a:extLst>
+              <a:ext uri="{28A0092B-C50C-407E-A947-70E740481C1C}">
+                <a14:useLocalDpi xmlns:a14="http://schemas.microsoft.com/office/drawing/2010/main" val="0"/>
+              </a:ext>
+            </a:extLst>
+          </a:blip>
+          <a:srcRect/>
+          <a:stretch>
+            <a:fillRect/>
+          </a:stretch>
+        </p:blipFill>
+        <p:spPr bwMode="auto">
+          <a:xfrm>
+            <a:off x="1353364" y="3933056"/>
+            <a:ext cx="7657652" cy="2641080"/>
+          </a:xfrm>
+          <a:prstGeom prst="rect">
+            <a:avLst/>
+          </a:prstGeom>
+          <a:noFill/>
+          <a:extLst>
+            <a:ext uri="{909E8E84-426E-40DD-AFC4-6F175D3DCCD1}">
+              <a14:hiddenFill xmlns:a14="http://schemas.microsoft.com/office/drawing/2010/main">
+                <a:solidFill>
+                  <a:srgbClr val="FFFFFF"/>
+                </a:solidFill>
+              </a14:hiddenFill>
+            </a:ext>
+          </a:extLst>
+        </p:spPr>
+      </p:pic>
+      <p:sp>
+        <p:nvSpPr>
+          <p:cNvPr id="123" name="Заголовок 1"/>
+          <p:cNvSpPr txBox="1">
+            <a:spLocks/>
+          </p:cNvSpPr>
+          <p:nvPr/>
+        </p:nvSpPr>
+        <p:spPr>
+          <a:xfrm>
+            <a:off x="251520" y="764704"/>
+            <a:ext cx="8892480" cy="1008112"/>
+          </a:xfrm>
+          <a:prstGeom prst="rect">
+            <a:avLst/>
+          </a:prstGeom>
+        </p:spPr>
+        <p:txBody>
+          <a:bodyPr/>
+          <a:lstStyle>
+            <a:lvl1pPr algn="l" rtl="0" fontAlgn="base">
+              <a:spcBef>
+                <a:spcPct val="0"/>
+              </a:spcBef>
+              <a:spcAft>
+                <a:spcPct val="0"/>
+              </a:spcAft>
+              <a:defRPr sz="4400">
+                <a:solidFill>
+                  <a:schemeClr val="tx2"/>
+                </a:solidFill>
+                <a:latin typeface="+mj-lt"/>
+                <a:ea typeface="+mj-ea"/>
+                <a:cs typeface="+mj-cs"/>
+              </a:defRPr>
+            </a:lvl1pPr>
+            <a:lvl2pPr algn="l" rtl="0" fontAlgn="base">
+              <a:spcBef>
+                <a:spcPct val="0"/>
+              </a:spcBef>
+              <a:spcAft>
+                <a:spcPct val="0"/>
+              </a:spcAft>
+              <a:defRPr sz="4400">
+                <a:solidFill>
+                  <a:schemeClr val="tx2"/>
+                </a:solidFill>
+                <a:latin typeface="Times New Roman" pitchFamily="18" charset="0"/>
+              </a:defRPr>
+            </a:lvl2pPr>
+            <a:lvl3pPr algn="l" rtl="0" fontAlgn="base">
+              <a:spcBef>
+                <a:spcPct val="0"/>
+              </a:spcBef>
+              <a:spcAft>
+                <a:spcPct val="0"/>
+              </a:spcAft>
+              <a:defRPr sz="4400">
+                <a:solidFill>
+                  <a:schemeClr val="tx2"/>
+                </a:solidFill>
+                <a:latin typeface="Times New Roman" pitchFamily="18" charset="0"/>
+              </a:defRPr>
+            </a:lvl3pPr>
+            <a:lvl4pPr algn="l" rtl="0" fontAlgn="base">
+              <a:spcBef>
+                <a:spcPct val="0"/>
+              </a:spcBef>
+              <a:spcAft>
+                <a:spcPct val="0"/>
+              </a:spcAft>
+              <a:defRPr sz="4400">
+                <a:solidFill>
+                  <a:schemeClr val="tx2"/>
+                </a:solidFill>
+                <a:latin typeface="Times New Roman" pitchFamily="18" charset="0"/>
+              </a:defRPr>
+            </a:lvl4pPr>
+            <a:lvl5pPr algn="l" rtl="0" fontAlgn="base">
+              <a:spcBef>
+                <a:spcPct val="0"/>
+              </a:spcBef>
+              <a:spcAft>
+                <a:spcPct val="0"/>
+              </a:spcAft>
+              <a:defRPr sz="4400">
+                <a:solidFill>
+                  <a:schemeClr val="tx2"/>
+                </a:solidFill>
+                <a:latin typeface="Times New Roman" pitchFamily="18" charset="0"/>
+              </a:defRPr>
+            </a:lvl5pPr>
+            <a:lvl6pPr marL="457200" algn="l" rtl="0" fontAlgn="base">
+              <a:spcBef>
+                <a:spcPct val="0"/>
+              </a:spcBef>
+              <a:spcAft>
+                <a:spcPct val="0"/>
+              </a:spcAft>
+              <a:defRPr sz="4400">
+                <a:solidFill>
+                  <a:schemeClr val="tx2"/>
+                </a:solidFill>
+                <a:latin typeface="Times New Roman" pitchFamily="18" charset="0"/>
+              </a:defRPr>
+            </a:lvl6pPr>
+            <a:lvl7pPr marL="914400" algn="l" rtl="0" fontAlgn="base">
+              <a:spcBef>
+                <a:spcPct val="0"/>
+              </a:spcBef>
+              <a:spcAft>
+                <a:spcPct val="0"/>
+              </a:spcAft>
+              <a:defRPr sz="4400">
+                <a:solidFill>
+                  <a:schemeClr val="tx2"/>
+                </a:solidFill>
+                <a:latin typeface="Times New Roman" pitchFamily="18" charset="0"/>
+              </a:defRPr>
+            </a:lvl7pPr>
+            <a:lvl8pPr marL="1371600" algn="l" rtl="0" fontAlgn="base">
+              <a:spcBef>
+                <a:spcPct val="0"/>
+              </a:spcBef>
+              <a:spcAft>
+                <a:spcPct val="0"/>
+              </a:spcAft>
+              <a:defRPr sz="4400">
+                <a:solidFill>
+                  <a:schemeClr val="tx2"/>
+                </a:solidFill>
+                <a:latin typeface="Times New Roman" pitchFamily="18" charset="0"/>
+              </a:defRPr>
+            </a:lvl8pPr>
+            <a:lvl9pPr marL="1828800" algn="l" rtl="0" fontAlgn="base">
+              <a:spcBef>
+                <a:spcPct val="0"/>
+              </a:spcBef>
+              <a:spcAft>
+                <a:spcPct val="0"/>
+              </a:spcAft>
+              <a:defRPr sz="4400">
+                <a:solidFill>
+                  <a:schemeClr val="tx2"/>
+                </a:solidFill>
+                <a:latin typeface="Times New Roman" pitchFamily="18" charset="0"/>
+              </a:defRPr>
+            </a:lvl9pPr>
+          </a:lstStyle>
+          <a:p>
+            <a:pPr algn="ctr">
+              <a:buClrTx/>
+              <a:buSzTx/>
+              <a:buFontTx/>
+              <a:buNone/>
+            </a:pPr>
+            <a:r>
+              <a:rPr kumimoji="0" lang="en-US" altLang="ru-RU" b="1" kern="0" dirty="0" smtClean="0"/>
+              <a:t>telnet</a:t>
+            </a:r>
+            <a:endParaRPr kumimoji="0" lang="ru-RU" altLang="ru-RU" b="1" kern="0" dirty="0" smtClean="0"/>
+          </a:p>
+        </p:txBody>
+      </p:sp>
+      <p:sp>
+        <p:nvSpPr>
+          <p:cNvPr id="5" name="TextBox 4"/>
+          <p:cNvSpPr txBox="1"/>
+          <p:nvPr/>
+        </p:nvSpPr>
+        <p:spPr>
+          <a:xfrm>
+            <a:off x="755576" y="1556791"/>
+            <a:ext cx="3443187" cy="2985433"/>
+          </a:xfrm>
+          <a:prstGeom prst="rect">
+            <a:avLst/>
+          </a:prstGeom>
+          <a:noFill/>
+        </p:spPr>
+        <p:txBody>
+          <a:bodyPr wrap="none" rtlCol="0">
+            <a:spAutoFit/>
+          </a:bodyPr>
+          <a:lstStyle/>
+          <a:p>
+            <a:r>
+              <a:rPr lang="en-US" dirty="0" smtClean="0"/>
+              <a:t>TCP/23</a:t>
+            </a:r>
+          </a:p>
+          <a:p>
+            <a:r>
+              <a:rPr lang="ru-RU" dirty="0" smtClean="0"/>
+              <a:t>Первоначально </a:t>
+            </a:r>
+            <a:r>
+              <a:rPr lang="en-US" dirty="0" smtClean="0"/>
+              <a:t>UNIX</a:t>
+            </a:r>
+          </a:p>
+          <a:p>
+            <a:r>
+              <a:rPr lang="ru-RU" dirty="0" smtClean="0"/>
+              <a:t>Практически все устройства</a:t>
+            </a:r>
+          </a:p>
+          <a:p>
+            <a:pPr lvl="1"/>
+            <a:r>
+              <a:rPr lang="ru-RU" dirty="0" smtClean="0"/>
+              <a:t>Даже </a:t>
+            </a:r>
+            <a:r>
+              <a:rPr lang="en-US" dirty="0" smtClean="0"/>
+              <a:t>Windows</a:t>
+            </a:r>
+          </a:p>
+          <a:p>
+            <a:r>
+              <a:rPr lang="ru-RU" dirty="0" smtClean="0"/>
+              <a:t>Термины</a:t>
+            </a:r>
+            <a:endParaRPr lang="en-US" dirty="0" smtClean="0"/>
+          </a:p>
+          <a:p>
+            <a:pPr lvl="1"/>
+            <a:r>
+              <a:rPr lang="ru-RU" dirty="0" smtClean="0"/>
+              <a:t>Консоль</a:t>
+            </a:r>
+            <a:r>
+              <a:rPr lang="en-US" dirty="0" smtClean="0"/>
+              <a:t> / Console</a:t>
+            </a:r>
+          </a:p>
+          <a:p>
+            <a:pPr lvl="1"/>
+            <a:r>
+              <a:rPr lang="ru-RU" dirty="0" smtClean="0"/>
+              <a:t>Терминал</a:t>
+            </a:r>
+          </a:p>
+          <a:p>
+            <a:pPr lvl="1"/>
+            <a:r>
+              <a:rPr lang="en-US" dirty="0" smtClean="0"/>
+              <a:t>TTY </a:t>
+            </a:r>
+            <a:r>
+              <a:rPr lang="ru-RU" dirty="0" smtClean="0"/>
+              <a:t>/ </a:t>
+            </a:r>
+            <a:r>
+              <a:rPr lang="en-US" dirty="0" smtClean="0"/>
+              <a:t>VTY</a:t>
+            </a:r>
+            <a:endParaRPr lang="ru-RU" dirty="0"/>
+          </a:p>
+        </p:txBody>
+      </p:sp>
+    </p:spTree>
+    <p:extLst>
+      <p:ext uri="{BB962C8B-B14F-4D97-AF65-F5344CB8AC3E}">
+        <p14:creationId xmlns:p14="http://schemas.microsoft.com/office/powerpoint/2010/main" val="4052916904"/>
       </p:ext>
     </p:extLst>
   </p:cSld>
